--- a/2022년-1학기/2022년-1C(PBL)자료/자율프로젝트(스마트홈-Data Analyze)/IOT_DataAnalyze_상세개발사항.pptx
+++ b/2022년-1학기/2022년-1C(PBL)자료/자율프로젝트(스마트홈-Data Analyze)/IOT_DataAnalyze_상세개발사항.pptx
@@ -13,14 +13,7 @@
     <p:sldId id="269" r:id="rId7"/>
     <p:sldId id="270" r:id="rId8"/>
     <p:sldId id="271" r:id="rId9"/>
-    <p:sldId id="272" r:id="rId10"/>
-    <p:sldId id="265" r:id="rId11"/>
-    <p:sldId id="257" r:id="rId12"/>
-    <p:sldId id="259" r:id="rId13"/>
-    <p:sldId id="260" r:id="rId14"/>
-    <p:sldId id="261" r:id="rId15"/>
-    <p:sldId id="262" r:id="rId16"/>
-    <p:sldId id="263" r:id="rId17"/>
+    <p:sldId id="273" r:id="rId10"/>
   </p:sldIdLst>
   <p:sldSz cx="12192000" cy="6858000"/>
   <p:notesSz cx="6858000" cy="9144000"/>
@@ -274,7 +267,7 @@
           <a:p>
             <a:fld id="{B11D50E4-86AD-48B2-AB0A-7085F6A7D411}" type="datetimeFigureOut">
               <a:rPr lang="ko-KR" altLang="en-US" smtClean="0"/>
-              <a:t>2022-05-25</a:t>
+              <a:t>2022-05-29</a:t>
             </a:fld>
             <a:endParaRPr lang="ko-KR" altLang="en-US"/>
           </a:p>
@@ -472,7 +465,7 @@
           <a:p>
             <a:fld id="{B11D50E4-86AD-48B2-AB0A-7085F6A7D411}" type="datetimeFigureOut">
               <a:rPr lang="ko-KR" altLang="en-US" smtClean="0"/>
-              <a:t>2022-05-25</a:t>
+              <a:t>2022-05-29</a:t>
             </a:fld>
             <a:endParaRPr lang="ko-KR" altLang="en-US"/>
           </a:p>
@@ -680,7 +673,7 @@
           <a:p>
             <a:fld id="{B11D50E4-86AD-48B2-AB0A-7085F6A7D411}" type="datetimeFigureOut">
               <a:rPr lang="ko-KR" altLang="en-US" smtClean="0"/>
-              <a:t>2022-05-25</a:t>
+              <a:t>2022-05-29</a:t>
             </a:fld>
             <a:endParaRPr lang="ko-KR" altLang="en-US"/>
           </a:p>
@@ -878,7 +871,7 @@
           <a:p>
             <a:fld id="{B11D50E4-86AD-48B2-AB0A-7085F6A7D411}" type="datetimeFigureOut">
               <a:rPr lang="ko-KR" altLang="en-US" smtClean="0"/>
-              <a:t>2022-05-25</a:t>
+              <a:t>2022-05-29</a:t>
             </a:fld>
             <a:endParaRPr lang="ko-KR" altLang="en-US"/>
           </a:p>
@@ -1153,7 +1146,7 @@
           <a:p>
             <a:fld id="{B11D50E4-86AD-48B2-AB0A-7085F6A7D411}" type="datetimeFigureOut">
               <a:rPr lang="ko-KR" altLang="en-US" smtClean="0"/>
-              <a:t>2022-05-25</a:t>
+              <a:t>2022-05-29</a:t>
             </a:fld>
             <a:endParaRPr lang="ko-KR" altLang="en-US"/>
           </a:p>
@@ -1418,7 +1411,7 @@
           <a:p>
             <a:fld id="{B11D50E4-86AD-48B2-AB0A-7085F6A7D411}" type="datetimeFigureOut">
               <a:rPr lang="ko-KR" altLang="en-US" smtClean="0"/>
-              <a:t>2022-05-25</a:t>
+              <a:t>2022-05-29</a:t>
             </a:fld>
             <a:endParaRPr lang="ko-KR" altLang="en-US"/>
           </a:p>
@@ -1830,7 +1823,7 @@
           <a:p>
             <a:fld id="{B11D50E4-86AD-48B2-AB0A-7085F6A7D411}" type="datetimeFigureOut">
               <a:rPr lang="ko-KR" altLang="en-US" smtClean="0"/>
-              <a:t>2022-05-25</a:t>
+              <a:t>2022-05-29</a:t>
             </a:fld>
             <a:endParaRPr lang="ko-KR" altLang="en-US"/>
           </a:p>
@@ -1971,7 +1964,7 @@
           <a:p>
             <a:fld id="{B11D50E4-86AD-48B2-AB0A-7085F6A7D411}" type="datetimeFigureOut">
               <a:rPr lang="ko-KR" altLang="en-US" smtClean="0"/>
-              <a:t>2022-05-25</a:t>
+              <a:t>2022-05-29</a:t>
             </a:fld>
             <a:endParaRPr lang="ko-KR" altLang="en-US"/>
           </a:p>
@@ -2084,7 +2077,7 @@
           <a:p>
             <a:fld id="{B11D50E4-86AD-48B2-AB0A-7085F6A7D411}" type="datetimeFigureOut">
               <a:rPr lang="ko-KR" altLang="en-US" smtClean="0"/>
-              <a:t>2022-05-25</a:t>
+              <a:t>2022-05-29</a:t>
             </a:fld>
             <a:endParaRPr lang="ko-KR" altLang="en-US"/>
           </a:p>
@@ -2395,7 +2388,7 @@
           <a:p>
             <a:fld id="{B11D50E4-86AD-48B2-AB0A-7085F6A7D411}" type="datetimeFigureOut">
               <a:rPr lang="ko-KR" altLang="en-US" smtClean="0"/>
-              <a:t>2022-05-25</a:t>
+              <a:t>2022-05-29</a:t>
             </a:fld>
             <a:endParaRPr lang="ko-KR" altLang="en-US"/>
           </a:p>
@@ -2683,7 +2676,7 @@
           <a:p>
             <a:fld id="{B11D50E4-86AD-48B2-AB0A-7085F6A7D411}" type="datetimeFigureOut">
               <a:rPr lang="ko-KR" altLang="en-US" smtClean="0"/>
-              <a:t>2022-05-25</a:t>
+              <a:t>2022-05-29</a:t>
             </a:fld>
             <a:endParaRPr lang="ko-KR" altLang="en-US"/>
           </a:p>
@@ -2924,7 +2917,7 @@
           <a:p>
             <a:fld id="{B11D50E4-86AD-48B2-AB0A-7085F6A7D411}" type="datetimeFigureOut">
               <a:rPr lang="ko-KR" altLang="en-US" smtClean="0"/>
-              <a:t>2022-05-25</a:t>
+              <a:t>2022-05-29</a:t>
             </a:fld>
             <a:endParaRPr lang="ko-KR" altLang="en-US"/>
           </a:p>
@@ -4108,5995 +4101,6 @@
 </p:sld>
 </file>
 
-<file path=ppt/slides/slide10.xml><?xml version="1.0" encoding="utf-8"?>
-<p:sld xmlns:a="http://schemas.openxmlformats.org/drawingml/2006/main" xmlns:r="http://schemas.openxmlformats.org/officeDocument/2006/relationships" xmlns:p="http://schemas.openxmlformats.org/presentationml/2006/main">
-  <p:cSld>
-    <p:spTree>
-      <p:nvGrpSpPr>
-        <p:cNvPr id="1" name=""/>
-        <p:cNvGrpSpPr/>
-        <p:nvPr/>
-      </p:nvGrpSpPr>
-      <p:grpSpPr>
-        <a:xfrm>
-          <a:off x="0" y="0"/>
-          <a:ext cx="0" cy="0"/>
-          <a:chOff x="0" y="0"/>
-          <a:chExt cx="0" cy="0"/>
-        </a:xfrm>
-      </p:grpSpPr>
-      <p:sp>
-        <p:nvSpPr>
-          <p:cNvPr id="33" name="직사각형 32">
-            <a:extLst>
-              <a:ext uri="{FF2B5EF4-FFF2-40B4-BE49-F238E27FC236}">
-                <a16:creationId xmlns:a16="http://schemas.microsoft.com/office/drawing/2014/main" id="{23B2228D-CCA2-4581-90DA-6055A39E4B43}"/>
-              </a:ext>
-            </a:extLst>
-          </p:cNvPr>
-          <p:cNvSpPr/>
-          <p:nvPr/>
-        </p:nvSpPr>
-        <p:spPr>
-          <a:xfrm>
-            <a:off x="2296484" y="166730"/>
-            <a:ext cx="8005755" cy="6504413"/>
-          </a:xfrm>
-          <a:prstGeom prst="rect">
-            <a:avLst/>
-          </a:prstGeom>
-          <a:noFill/>
-          <a:ln>
-            <a:solidFill>
-              <a:schemeClr val="tx1"/>
-            </a:solidFill>
-          </a:ln>
-        </p:spPr>
-        <p:style>
-          <a:lnRef idx="2">
-            <a:schemeClr val="accent1">
-              <a:shade val="50000"/>
-            </a:schemeClr>
-          </a:lnRef>
-          <a:fillRef idx="1">
-            <a:schemeClr val="accent1"/>
-          </a:fillRef>
-          <a:effectRef idx="0">
-            <a:schemeClr val="accent1"/>
-          </a:effectRef>
-          <a:fontRef idx="minor">
-            <a:schemeClr val="lt1"/>
-          </a:fontRef>
-        </p:style>
-        <p:txBody>
-          <a:bodyPr rtlCol="0" anchor="ctr"/>
-          <a:lstStyle/>
-          <a:p>
-            <a:pPr algn="ctr"/>
-            <a:endParaRPr lang="ko-KR" altLang="en-US"/>
-          </a:p>
-        </p:txBody>
-      </p:sp>
-      <p:sp>
-        <p:nvSpPr>
-          <p:cNvPr id="4" name="사각형: 둥근 모서리 3">
-            <a:extLst>
-              <a:ext uri="{FF2B5EF4-FFF2-40B4-BE49-F238E27FC236}">
-                <a16:creationId xmlns:a16="http://schemas.microsoft.com/office/drawing/2014/main" id="{2FAD11DE-2ED3-4A29-A9FF-148E0AE3F87E}"/>
-              </a:ext>
-            </a:extLst>
-          </p:cNvPr>
-          <p:cNvSpPr/>
-          <p:nvPr/>
-        </p:nvSpPr>
-        <p:spPr>
-          <a:xfrm>
-            <a:off x="4575405" y="293616"/>
-            <a:ext cx="1629422" cy="429939"/>
-          </a:xfrm>
-          <a:prstGeom prst="roundRect">
-            <a:avLst/>
-          </a:prstGeom>
-          <a:noFill/>
-          <a:ln>
-            <a:solidFill>
-              <a:schemeClr val="tx1"/>
-            </a:solidFill>
-          </a:ln>
-        </p:spPr>
-        <p:style>
-          <a:lnRef idx="2">
-            <a:schemeClr val="accent1">
-              <a:shade val="50000"/>
-            </a:schemeClr>
-          </a:lnRef>
-          <a:fillRef idx="1">
-            <a:schemeClr val="accent1"/>
-          </a:fillRef>
-          <a:effectRef idx="0">
-            <a:schemeClr val="accent1"/>
-          </a:effectRef>
-          <a:fontRef idx="minor">
-            <a:schemeClr val="lt1"/>
-          </a:fontRef>
-        </p:style>
-        <p:txBody>
-          <a:bodyPr rtlCol="0" anchor="ctr"/>
-          <a:lstStyle/>
-          <a:p>
-            <a:pPr algn="ctr"/>
-            <a:r>
-              <a:rPr lang="ko-KR" altLang="en-US" sz="1100" dirty="0">
-                <a:solidFill>
-                  <a:schemeClr val="tx1"/>
-                </a:solidFill>
-              </a:rPr>
-              <a:t>타겟 </a:t>
-            </a:r>
-            <a:r>
-              <a:rPr lang="en-US" altLang="ko-KR" sz="1100" dirty="0">
-                <a:solidFill>
-                  <a:schemeClr val="tx1"/>
-                </a:solidFill>
-              </a:rPr>
-              <a:t>ID</a:t>
-            </a:r>
-          </a:p>
-          <a:p>
-            <a:pPr algn="ctr"/>
-            <a:r>
-              <a:rPr lang="ko-KR" altLang="en-US" sz="1100" dirty="0">
-                <a:solidFill>
-                  <a:schemeClr val="tx1"/>
-                </a:solidFill>
-              </a:rPr>
-              <a:t>평균 </a:t>
-            </a:r>
-            <a:r>
-              <a:rPr lang="en-US" altLang="ko-KR" sz="1100" dirty="0">
-                <a:solidFill>
-                  <a:schemeClr val="tx1"/>
-                </a:solidFill>
-              </a:rPr>
-              <a:t>RSSI </a:t>
-            </a:r>
-            <a:r>
-              <a:rPr lang="ko-KR" altLang="en-US" sz="1100" dirty="0">
-                <a:solidFill>
-                  <a:schemeClr val="tx1"/>
-                </a:solidFill>
-              </a:rPr>
-              <a:t>값 구함</a:t>
-            </a:r>
-            <a:endParaRPr lang="en-US" altLang="ko-KR" sz="1100" dirty="0">
-              <a:solidFill>
-                <a:schemeClr val="tx1"/>
-              </a:solidFill>
-            </a:endParaRPr>
-          </a:p>
-        </p:txBody>
-      </p:sp>
-      <p:sp>
-        <p:nvSpPr>
-          <p:cNvPr id="5" name="사각형: 둥근 모서리 4">
-            <a:extLst>
-              <a:ext uri="{FF2B5EF4-FFF2-40B4-BE49-F238E27FC236}">
-                <a16:creationId xmlns:a16="http://schemas.microsoft.com/office/drawing/2014/main" id="{1574ED17-BE6F-466E-AA0E-33B50F8A7E87}"/>
-              </a:ext>
-            </a:extLst>
-          </p:cNvPr>
-          <p:cNvSpPr/>
-          <p:nvPr/>
-        </p:nvSpPr>
-        <p:spPr>
-          <a:xfrm>
-            <a:off x="4480746" y="992194"/>
-            <a:ext cx="1818742" cy="442518"/>
-          </a:xfrm>
-          <a:prstGeom prst="roundRect">
-            <a:avLst/>
-          </a:prstGeom>
-          <a:noFill/>
-          <a:ln>
-            <a:solidFill>
-              <a:schemeClr val="tx1"/>
-            </a:solidFill>
-          </a:ln>
-        </p:spPr>
-        <p:style>
-          <a:lnRef idx="2">
-            <a:schemeClr val="accent1">
-              <a:shade val="50000"/>
-            </a:schemeClr>
-          </a:lnRef>
-          <a:fillRef idx="1">
-            <a:schemeClr val="accent1"/>
-          </a:fillRef>
-          <a:effectRef idx="0">
-            <a:schemeClr val="accent1"/>
-          </a:effectRef>
-          <a:fontRef idx="minor">
-            <a:schemeClr val="lt1"/>
-          </a:fontRef>
-        </p:style>
-        <p:txBody>
-          <a:bodyPr rtlCol="0" anchor="ctr"/>
-          <a:lstStyle/>
-          <a:p>
-            <a:pPr algn="ctr"/>
-            <a:r>
-              <a:rPr lang="ko-KR" altLang="en-US" sz="1100" dirty="0">
-                <a:solidFill>
-                  <a:schemeClr val="tx1"/>
-                </a:solidFill>
-              </a:rPr>
-              <a:t>참조 </a:t>
-            </a:r>
-            <a:r>
-              <a:rPr lang="en-US" altLang="ko-KR" sz="1100" dirty="0">
-                <a:solidFill>
-                  <a:schemeClr val="tx1"/>
-                </a:solidFill>
-              </a:rPr>
-              <a:t>ID</a:t>
-            </a:r>
-            <a:r>
-              <a:rPr lang="ko-KR" altLang="en-US" sz="1100" dirty="0">
-                <a:solidFill>
-                  <a:schemeClr val="tx1"/>
-                </a:solidFill>
-              </a:rPr>
-              <a:t>들</a:t>
-            </a:r>
-            <a:br>
-              <a:rPr lang="en-US" altLang="ko-KR" sz="1100" dirty="0">
-                <a:solidFill>
-                  <a:schemeClr val="tx1"/>
-                </a:solidFill>
-              </a:rPr>
-            </a:br>
-            <a:r>
-              <a:rPr lang="ko-KR" altLang="en-US" sz="1100" dirty="0">
-                <a:solidFill>
-                  <a:schemeClr val="tx1"/>
-                </a:solidFill>
-              </a:rPr>
-              <a:t>각 평균 </a:t>
-            </a:r>
-            <a:r>
-              <a:rPr lang="en-US" altLang="ko-KR" sz="1100" dirty="0">
-                <a:solidFill>
-                  <a:schemeClr val="tx1"/>
-                </a:solidFill>
-              </a:rPr>
-              <a:t>RSSI </a:t>
-            </a:r>
-            <a:r>
-              <a:rPr lang="ko-KR" altLang="en-US" sz="1100" dirty="0">
-                <a:solidFill>
-                  <a:schemeClr val="tx1"/>
-                </a:solidFill>
-              </a:rPr>
-              <a:t>값 구함</a:t>
-            </a:r>
-            <a:endParaRPr lang="en-US" altLang="ko-KR" sz="1100" dirty="0">
-              <a:solidFill>
-                <a:schemeClr val="tx1"/>
-              </a:solidFill>
-            </a:endParaRPr>
-          </a:p>
-        </p:txBody>
-      </p:sp>
-      <p:cxnSp>
-        <p:nvCxnSpPr>
-          <p:cNvPr id="7" name="직선 화살표 연결선 6">
-            <a:extLst>
-              <a:ext uri="{FF2B5EF4-FFF2-40B4-BE49-F238E27FC236}">
-                <a16:creationId xmlns:a16="http://schemas.microsoft.com/office/drawing/2014/main" id="{65FD47FB-A55D-45C4-A060-EAA9738E86DF}"/>
-              </a:ext>
-            </a:extLst>
-          </p:cNvPr>
-          <p:cNvCxnSpPr>
-            <a:cxnSpLocks/>
-            <a:stCxn id="4" idx="2"/>
-            <a:endCxn id="5" idx="0"/>
-          </p:cNvCxnSpPr>
-          <p:nvPr/>
-        </p:nvCxnSpPr>
-        <p:spPr>
-          <a:xfrm>
-            <a:off x="5390116" y="723555"/>
-            <a:ext cx="1" cy="268639"/>
-          </a:xfrm>
-          <a:prstGeom prst="straightConnector1">
-            <a:avLst/>
-          </a:prstGeom>
-          <a:ln>
-            <a:tailEnd type="triangle"/>
-          </a:ln>
-        </p:spPr>
-        <p:style>
-          <a:lnRef idx="1">
-            <a:schemeClr val="accent1"/>
-          </a:lnRef>
-          <a:fillRef idx="0">
-            <a:schemeClr val="accent1"/>
-          </a:fillRef>
-          <a:effectRef idx="0">
-            <a:schemeClr val="accent1"/>
-          </a:effectRef>
-          <a:fontRef idx="minor">
-            <a:schemeClr val="tx1"/>
-          </a:fontRef>
-        </p:style>
-      </p:cxnSp>
-      <p:cxnSp>
-        <p:nvCxnSpPr>
-          <p:cNvPr id="15" name="직선 화살표 연결선 14">
-            <a:extLst>
-              <a:ext uri="{FF2B5EF4-FFF2-40B4-BE49-F238E27FC236}">
-                <a16:creationId xmlns:a16="http://schemas.microsoft.com/office/drawing/2014/main" id="{1F8AB522-94AE-4790-8016-40A29B486084}"/>
-              </a:ext>
-            </a:extLst>
-          </p:cNvPr>
-          <p:cNvCxnSpPr>
-            <a:cxnSpLocks/>
-            <a:stCxn id="5" idx="2"/>
-            <a:endCxn id="26" idx="0"/>
-          </p:cNvCxnSpPr>
-          <p:nvPr/>
-        </p:nvCxnSpPr>
-        <p:spPr>
-          <a:xfrm flipH="1">
-            <a:off x="5390116" y="1434712"/>
-            <a:ext cx="1" cy="268639"/>
-          </a:xfrm>
-          <a:prstGeom prst="straightConnector1">
-            <a:avLst/>
-          </a:prstGeom>
-          <a:ln>
-            <a:tailEnd type="triangle"/>
-          </a:ln>
-        </p:spPr>
-        <p:style>
-          <a:lnRef idx="1">
-            <a:schemeClr val="accent1"/>
-          </a:lnRef>
-          <a:fillRef idx="0">
-            <a:schemeClr val="accent1"/>
-          </a:fillRef>
-          <a:effectRef idx="0">
-            <a:schemeClr val="accent1"/>
-          </a:effectRef>
-          <a:fontRef idx="minor">
-            <a:schemeClr val="tx1"/>
-          </a:fontRef>
-        </p:style>
-      </p:cxnSp>
-      <p:sp>
-        <p:nvSpPr>
-          <p:cNvPr id="26" name="사각형: 둥근 모서리 25">
-            <a:extLst>
-              <a:ext uri="{FF2B5EF4-FFF2-40B4-BE49-F238E27FC236}">
-                <a16:creationId xmlns:a16="http://schemas.microsoft.com/office/drawing/2014/main" id="{9CA26E30-32DC-483C-8B45-B75044713844}"/>
-              </a:ext>
-            </a:extLst>
-          </p:cNvPr>
-          <p:cNvSpPr/>
-          <p:nvPr/>
-        </p:nvSpPr>
-        <p:spPr>
-          <a:xfrm>
-            <a:off x="4514939" y="1703351"/>
-            <a:ext cx="1750354" cy="869067"/>
-          </a:xfrm>
-          <a:prstGeom prst="roundRect">
-            <a:avLst/>
-          </a:prstGeom>
-          <a:noFill/>
-          <a:ln>
-            <a:solidFill>
-              <a:schemeClr val="tx1"/>
-            </a:solidFill>
-          </a:ln>
-        </p:spPr>
-        <p:style>
-          <a:lnRef idx="2">
-            <a:schemeClr val="accent1">
-              <a:shade val="50000"/>
-            </a:schemeClr>
-          </a:lnRef>
-          <a:fillRef idx="1">
-            <a:schemeClr val="accent1"/>
-          </a:fillRef>
-          <a:effectRef idx="0">
-            <a:schemeClr val="accent1"/>
-          </a:effectRef>
-          <a:fontRef idx="minor">
-            <a:schemeClr val="lt1"/>
-          </a:fontRef>
-        </p:style>
-        <p:txBody>
-          <a:bodyPr rtlCol="0" anchor="ctr"/>
-          <a:lstStyle/>
-          <a:p>
-            <a:pPr algn="ctr"/>
-            <a:r>
-              <a:rPr lang="ko-KR" altLang="en-US" sz="1100" dirty="0">
-                <a:solidFill>
-                  <a:schemeClr val="tx1"/>
-                </a:solidFill>
-              </a:rPr>
-              <a:t>참조 </a:t>
-            </a:r>
-            <a:r>
-              <a:rPr lang="en-US" altLang="ko-KR" sz="1100" dirty="0">
-                <a:solidFill>
-                  <a:schemeClr val="tx1"/>
-                </a:solidFill>
-              </a:rPr>
-              <a:t>ID</a:t>
-            </a:r>
-            <a:r>
-              <a:rPr lang="ko-KR" altLang="en-US" sz="1100" dirty="0">
-                <a:solidFill>
-                  <a:schemeClr val="tx1"/>
-                </a:solidFill>
-              </a:rPr>
-              <a:t>들은</a:t>
-            </a:r>
-            <a:endParaRPr lang="en-US" altLang="ko-KR" sz="1100" dirty="0">
-              <a:solidFill>
-                <a:schemeClr val="tx1"/>
-              </a:solidFill>
-            </a:endParaRPr>
-          </a:p>
-          <a:p>
-            <a:pPr algn="ctr"/>
-            <a:r>
-              <a:rPr lang="ko-KR" altLang="en-US" sz="1100" dirty="0">
-                <a:solidFill>
-                  <a:schemeClr val="tx1"/>
-                </a:solidFill>
-              </a:rPr>
-              <a:t>연결리스트에</a:t>
-            </a:r>
-            <a:endParaRPr lang="en-US" altLang="ko-KR" sz="1100" dirty="0">
-              <a:solidFill>
-                <a:schemeClr val="tx1"/>
-              </a:solidFill>
-            </a:endParaRPr>
-          </a:p>
-          <a:p>
-            <a:pPr algn="ctr"/>
-            <a:r>
-              <a:rPr lang="ko-KR" altLang="en-US" sz="1100" dirty="0">
-                <a:solidFill>
-                  <a:schemeClr val="tx1"/>
-                </a:solidFill>
-              </a:rPr>
-              <a:t>타겟 </a:t>
-            </a:r>
-            <a:r>
-              <a:rPr lang="en-US" altLang="ko-KR" sz="1100" dirty="0">
-                <a:solidFill>
-                  <a:schemeClr val="tx1"/>
-                </a:solidFill>
-              </a:rPr>
-              <a:t>ID</a:t>
-            </a:r>
-            <a:r>
-              <a:rPr lang="ko-KR" altLang="en-US" sz="1100" dirty="0">
-                <a:solidFill>
-                  <a:schemeClr val="tx1"/>
-                </a:solidFill>
-              </a:rPr>
-              <a:t>와 평균 </a:t>
-            </a:r>
-            <a:r>
-              <a:rPr lang="en-US" altLang="ko-KR" sz="1100" dirty="0">
-                <a:solidFill>
-                  <a:schemeClr val="tx1"/>
-                </a:solidFill>
-              </a:rPr>
-              <a:t>RSSI</a:t>
-            </a:r>
-            <a:r>
-              <a:rPr lang="ko-KR" altLang="en-US" sz="1100" dirty="0">
-                <a:solidFill>
-                  <a:schemeClr val="tx1"/>
-                </a:solidFill>
-              </a:rPr>
-              <a:t>가</a:t>
-            </a:r>
-            <a:endParaRPr lang="en-US" altLang="ko-KR" sz="1100" dirty="0">
-              <a:solidFill>
-                <a:schemeClr val="tx1"/>
-              </a:solidFill>
-            </a:endParaRPr>
-          </a:p>
-          <a:p>
-            <a:pPr algn="ctr"/>
-            <a:r>
-              <a:rPr lang="ko-KR" altLang="en-US" sz="1100" dirty="0">
-                <a:solidFill>
-                  <a:schemeClr val="tx1"/>
-                </a:solidFill>
-              </a:rPr>
-              <a:t>가장 비슷한 순서로 </a:t>
-            </a:r>
-            <a:endParaRPr lang="en-US" altLang="ko-KR" sz="1100" dirty="0">
-              <a:solidFill>
-                <a:schemeClr val="tx1"/>
-              </a:solidFill>
-            </a:endParaRPr>
-          </a:p>
-          <a:p>
-            <a:pPr algn="ctr"/>
-            <a:r>
-              <a:rPr lang="ko-KR" altLang="en-US" sz="1100" dirty="0" err="1">
-                <a:solidFill>
-                  <a:schemeClr val="tx1"/>
-                </a:solidFill>
-              </a:rPr>
-              <a:t>들어감</a:t>
-            </a:r>
-            <a:endParaRPr lang="en-US" altLang="ko-KR" sz="1100" dirty="0">
-              <a:solidFill>
-                <a:schemeClr val="tx1"/>
-              </a:solidFill>
-            </a:endParaRPr>
-          </a:p>
-        </p:txBody>
-      </p:sp>
-      <p:cxnSp>
-        <p:nvCxnSpPr>
-          <p:cNvPr id="32" name="직선 화살표 연결선 31">
-            <a:extLst>
-              <a:ext uri="{FF2B5EF4-FFF2-40B4-BE49-F238E27FC236}">
-                <a16:creationId xmlns:a16="http://schemas.microsoft.com/office/drawing/2014/main" id="{699DC511-D596-4493-B400-9A642B394838}"/>
-              </a:ext>
-            </a:extLst>
-          </p:cNvPr>
-          <p:cNvCxnSpPr>
-            <a:cxnSpLocks/>
-            <a:stCxn id="26" idx="2"/>
-            <a:endCxn id="34" idx="0"/>
-          </p:cNvCxnSpPr>
-          <p:nvPr/>
-        </p:nvCxnSpPr>
-        <p:spPr>
-          <a:xfrm>
-            <a:off x="5390116" y="2572418"/>
-            <a:ext cx="0" cy="268639"/>
-          </a:xfrm>
-          <a:prstGeom prst="straightConnector1">
-            <a:avLst/>
-          </a:prstGeom>
-          <a:ln>
-            <a:tailEnd type="triangle"/>
-          </a:ln>
-        </p:spPr>
-        <p:style>
-          <a:lnRef idx="1">
-            <a:schemeClr val="accent1"/>
-          </a:lnRef>
-          <a:fillRef idx="0">
-            <a:schemeClr val="accent1"/>
-          </a:fillRef>
-          <a:effectRef idx="0">
-            <a:schemeClr val="accent1"/>
-          </a:effectRef>
-          <a:fontRef idx="minor">
-            <a:schemeClr val="tx1"/>
-          </a:fontRef>
-        </p:style>
-      </p:cxnSp>
-      <p:sp>
-        <p:nvSpPr>
-          <p:cNvPr id="34" name="사각형: 둥근 모서리 33">
-            <a:extLst>
-              <a:ext uri="{FF2B5EF4-FFF2-40B4-BE49-F238E27FC236}">
-                <a16:creationId xmlns:a16="http://schemas.microsoft.com/office/drawing/2014/main" id="{C2DD0665-70EE-4D7E-8653-15AA62B00643}"/>
-              </a:ext>
-            </a:extLst>
-          </p:cNvPr>
-          <p:cNvSpPr/>
-          <p:nvPr/>
-        </p:nvSpPr>
-        <p:spPr>
-          <a:xfrm>
-            <a:off x="4594680" y="2841057"/>
-            <a:ext cx="1590871" cy="524203"/>
-          </a:xfrm>
-          <a:prstGeom prst="roundRect">
-            <a:avLst/>
-          </a:prstGeom>
-          <a:noFill/>
-          <a:ln>
-            <a:solidFill>
-              <a:schemeClr val="tx1"/>
-            </a:solidFill>
-          </a:ln>
-        </p:spPr>
-        <p:style>
-          <a:lnRef idx="2">
-            <a:schemeClr val="accent1">
-              <a:shade val="50000"/>
-            </a:schemeClr>
-          </a:lnRef>
-          <a:fillRef idx="1">
-            <a:schemeClr val="accent1"/>
-          </a:fillRef>
-          <a:effectRef idx="0">
-            <a:schemeClr val="accent1"/>
-          </a:effectRef>
-          <a:fontRef idx="minor">
-            <a:schemeClr val="lt1"/>
-          </a:fontRef>
-        </p:style>
-        <p:txBody>
-          <a:bodyPr rtlCol="0" anchor="ctr"/>
-          <a:lstStyle/>
-          <a:p>
-            <a:pPr algn="ctr"/>
-            <a:r>
-              <a:rPr lang="ko-KR" altLang="en-US" sz="1100" dirty="0">
-                <a:solidFill>
-                  <a:schemeClr val="tx1"/>
-                </a:solidFill>
-              </a:rPr>
-              <a:t>사용자로부터 참조할</a:t>
-            </a:r>
-            <a:endParaRPr lang="en-US" altLang="ko-KR" sz="1100" dirty="0">
-              <a:solidFill>
-                <a:schemeClr val="tx1"/>
-              </a:solidFill>
-            </a:endParaRPr>
-          </a:p>
-          <a:p>
-            <a:pPr algn="ctr"/>
-            <a:r>
-              <a:rPr lang="ko-KR" altLang="en-US" sz="1100" dirty="0">
-                <a:solidFill>
-                  <a:schemeClr val="tx1"/>
-                </a:solidFill>
-              </a:rPr>
-              <a:t>값의 개수 입력 받기</a:t>
-            </a:r>
-            <a:endParaRPr lang="en-US" altLang="ko-KR" sz="1100" dirty="0">
-              <a:solidFill>
-                <a:schemeClr val="tx1"/>
-              </a:solidFill>
-            </a:endParaRPr>
-          </a:p>
-        </p:txBody>
-      </p:sp>
-      <p:sp>
-        <p:nvSpPr>
-          <p:cNvPr id="136" name="직사각형 135">
-            <a:extLst>
-              <a:ext uri="{FF2B5EF4-FFF2-40B4-BE49-F238E27FC236}">
-                <a16:creationId xmlns:a16="http://schemas.microsoft.com/office/drawing/2014/main" id="{A20BBA58-F187-45AB-9AE9-0F9A058B9062}"/>
-              </a:ext>
-            </a:extLst>
-          </p:cNvPr>
-          <p:cNvSpPr/>
-          <p:nvPr/>
-        </p:nvSpPr>
-        <p:spPr>
-          <a:xfrm>
-            <a:off x="8770387" y="166730"/>
-            <a:ext cx="1531852" cy="1137814"/>
-          </a:xfrm>
-          <a:prstGeom prst="rect">
-            <a:avLst/>
-          </a:prstGeom>
-          <a:solidFill>
-            <a:schemeClr val="accent4">
-              <a:lumMod val="50000"/>
-            </a:schemeClr>
-          </a:solidFill>
-          <a:ln>
-            <a:noFill/>
-          </a:ln>
-        </p:spPr>
-        <p:style>
-          <a:lnRef idx="2">
-            <a:schemeClr val="accent1">
-              <a:shade val="50000"/>
-            </a:schemeClr>
-          </a:lnRef>
-          <a:fillRef idx="1">
-            <a:schemeClr val="accent1"/>
-          </a:fillRef>
-          <a:effectRef idx="0">
-            <a:schemeClr val="accent1"/>
-          </a:effectRef>
-          <a:fontRef idx="minor">
-            <a:schemeClr val="lt1"/>
-          </a:fontRef>
-        </p:style>
-        <p:txBody>
-          <a:bodyPr rtlCol="0" anchor="ctr"/>
-          <a:lstStyle/>
-          <a:p>
-            <a:pPr algn="ctr"/>
-            <a:r>
-              <a:rPr lang="en-US" altLang="ko-KR" dirty="0"/>
-              <a:t>Estimation</a:t>
-            </a:r>
-          </a:p>
-          <a:p>
-            <a:pPr algn="ctr"/>
-            <a:r>
-              <a:rPr lang="en-US" altLang="ko-KR" dirty="0"/>
-              <a:t>of Target</a:t>
-            </a:r>
-          </a:p>
-          <a:p>
-            <a:pPr algn="ctr"/>
-            <a:r>
-              <a:rPr lang="en-US" altLang="ko-KR" dirty="0"/>
-              <a:t>Position</a:t>
-            </a:r>
-            <a:endParaRPr lang="ko-KR" altLang="en-US" dirty="0"/>
-          </a:p>
-        </p:txBody>
-      </p:sp>
-      <p:sp>
-        <p:nvSpPr>
-          <p:cNvPr id="49" name="사각형: 둥근 모서리 48">
-            <a:extLst>
-              <a:ext uri="{FF2B5EF4-FFF2-40B4-BE49-F238E27FC236}">
-                <a16:creationId xmlns:a16="http://schemas.microsoft.com/office/drawing/2014/main" id="{4C1A2D60-4F49-4BDF-8BC9-CC0AE45E30D3}"/>
-              </a:ext>
-            </a:extLst>
-          </p:cNvPr>
-          <p:cNvSpPr/>
-          <p:nvPr/>
-        </p:nvSpPr>
-        <p:spPr>
-          <a:xfrm>
-            <a:off x="4367937" y="3674385"/>
-            <a:ext cx="2031264" cy="492262"/>
-          </a:xfrm>
-          <a:prstGeom prst="roundRect">
-            <a:avLst/>
-          </a:prstGeom>
-          <a:noFill/>
-          <a:ln>
-            <a:solidFill>
-              <a:schemeClr val="tx1"/>
-            </a:solidFill>
-          </a:ln>
-        </p:spPr>
-        <p:style>
-          <a:lnRef idx="2">
-            <a:schemeClr val="accent1">
-              <a:shade val="50000"/>
-            </a:schemeClr>
-          </a:lnRef>
-          <a:fillRef idx="1">
-            <a:schemeClr val="accent1"/>
-          </a:fillRef>
-          <a:effectRef idx="0">
-            <a:schemeClr val="accent1"/>
-          </a:effectRef>
-          <a:fontRef idx="minor">
-            <a:schemeClr val="lt1"/>
-          </a:fontRef>
-        </p:style>
-        <p:txBody>
-          <a:bodyPr rtlCol="0" anchor="ctr"/>
-          <a:lstStyle/>
-          <a:p>
-            <a:pPr algn="ctr"/>
-            <a:r>
-              <a:rPr lang="ko-KR" altLang="en-US" sz="1100" dirty="0">
-                <a:solidFill>
-                  <a:schemeClr val="tx1"/>
-                </a:solidFill>
-              </a:rPr>
-              <a:t>연결리스트에 저장 되어있는 </a:t>
-            </a:r>
-            <a:endParaRPr lang="en-US" altLang="ko-KR" sz="1100" dirty="0">
-              <a:solidFill>
-                <a:schemeClr val="tx1"/>
-              </a:solidFill>
-            </a:endParaRPr>
-          </a:p>
-          <a:p>
-            <a:pPr algn="ctr"/>
-            <a:r>
-              <a:rPr lang="ko-KR" altLang="en-US" sz="1100" dirty="0">
-                <a:solidFill>
-                  <a:schemeClr val="tx1"/>
-                </a:solidFill>
-              </a:rPr>
-              <a:t>참조 </a:t>
-            </a:r>
-            <a:r>
-              <a:rPr lang="en-US" altLang="ko-KR" sz="1100" dirty="0">
-                <a:solidFill>
-                  <a:schemeClr val="tx1"/>
-                </a:solidFill>
-              </a:rPr>
-              <a:t>ID</a:t>
-            </a:r>
-            <a:r>
-              <a:rPr lang="ko-KR" altLang="en-US" sz="1100" dirty="0">
-                <a:solidFill>
-                  <a:schemeClr val="tx1"/>
-                </a:solidFill>
-              </a:rPr>
-              <a:t> 가리키기</a:t>
-            </a:r>
-            <a:endParaRPr lang="en-US" altLang="ko-KR" sz="1100" dirty="0">
-              <a:solidFill>
-                <a:schemeClr val="tx1"/>
-              </a:solidFill>
-            </a:endParaRPr>
-          </a:p>
-        </p:txBody>
-      </p:sp>
-      <p:cxnSp>
-        <p:nvCxnSpPr>
-          <p:cNvPr id="50" name="직선 화살표 연결선 49">
-            <a:extLst>
-              <a:ext uri="{FF2B5EF4-FFF2-40B4-BE49-F238E27FC236}">
-                <a16:creationId xmlns:a16="http://schemas.microsoft.com/office/drawing/2014/main" id="{AA9FAD2E-F13C-484E-852F-1EA9BECE9971}"/>
-              </a:ext>
-            </a:extLst>
-          </p:cNvPr>
-          <p:cNvCxnSpPr>
-            <a:cxnSpLocks/>
-            <a:stCxn id="34" idx="2"/>
-            <a:endCxn id="49" idx="0"/>
-          </p:cNvCxnSpPr>
-          <p:nvPr/>
-        </p:nvCxnSpPr>
-        <p:spPr>
-          <a:xfrm flipH="1">
-            <a:off x="5383569" y="3365260"/>
-            <a:ext cx="6547" cy="309125"/>
-          </a:xfrm>
-          <a:prstGeom prst="straightConnector1">
-            <a:avLst/>
-          </a:prstGeom>
-          <a:ln>
-            <a:tailEnd type="triangle"/>
-          </a:ln>
-        </p:spPr>
-        <p:style>
-          <a:lnRef idx="1">
-            <a:schemeClr val="accent1"/>
-          </a:lnRef>
-          <a:fillRef idx="0">
-            <a:schemeClr val="accent1"/>
-          </a:fillRef>
-          <a:effectRef idx="0">
-            <a:schemeClr val="accent1"/>
-          </a:effectRef>
-          <a:fontRef idx="minor">
-            <a:schemeClr val="tx1"/>
-          </a:fontRef>
-        </p:style>
-      </p:cxnSp>
-      <p:sp>
-        <p:nvSpPr>
-          <p:cNvPr id="56" name="사각형: 둥근 모서리 55">
-            <a:extLst>
-              <a:ext uri="{FF2B5EF4-FFF2-40B4-BE49-F238E27FC236}">
-                <a16:creationId xmlns:a16="http://schemas.microsoft.com/office/drawing/2014/main" id="{1CDA2B5D-B01D-400E-97E2-88E8E9667623}"/>
-              </a:ext>
-            </a:extLst>
-          </p:cNvPr>
-          <p:cNvSpPr/>
-          <p:nvPr/>
-        </p:nvSpPr>
-        <p:spPr>
-          <a:xfrm>
-            <a:off x="4622821" y="4431509"/>
-            <a:ext cx="1534590" cy="492262"/>
-          </a:xfrm>
-          <a:prstGeom prst="roundRect">
-            <a:avLst/>
-          </a:prstGeom>
-          <a:noFill/>
-          <a:ln>
-            <a:solidFill>
-              <a:schemeClr val="tx1"/>
-            </a:solidFill>
-          </a:ln>
-        </p:spPr>
-        <p:style>
-          <a:lnRef idx="2">
-            <a:schemeClr val="accent1">
-              <a:shade val="50000"/>
-            </a:schemeClr>
-          </a:lnRef>
-          <a:fillRef idx="1">
-            <a:schemeClr val="accent1"/>
-          </a:fillRef>
-          <a:effectRef idx="0">
-            <a:schemeClr val="accent1"/>
-          </a:effectRef>
-          <a:fontRef idx="minor">
-            <a:schemeClr val="lt1"/>
-          </a:fontRef>
-        </p:style>
-        <p:txBody>
-          <a:bodyPr rtlCol="0" anchor="ctr"/>
-          <a:lstStyle/>
-          <a:p>
-            <a:pPr algn="ctr"/>
-            <a:r>
-              <a:rPr lang="ko-KR" altLang="en-US" sz="1100" dirty="0">
-                <a:solidFill>
-                  <a:schemeClr val="tx1"/>
-                </a:solidFill>
-              </a:rPr>
-              <a:t>참조 </a:t>
-            </a:r>
-            <a:r>
-              <a:rPr lang="en-US" altLang="ko-KR" sz="1100" dirty="0">
-                <a:solidFill>
-                  <a:schemeClr val="tx1"/>
-                </a:solidFill>
-              </a:rPr>
-              <a:t>ID</a:t>
-            </a:r>
-            <a:r>
-              <a:rPr lang="ko-KR" altLang="en-US" sz="1100" dirty="0">
-                <a:solidFill>
-                  <a:schemeClr val="tx1"/>
-                </a:solidFill>
-              </a:rPr>
-              <a:t>에 해당하는</a:t>
-            </a:r>
-            <a:endParaRPr lang="en-US" altLang="ko-KR" sz="1100" dirty="0">
-              <a:solidFill>
-                <a:schemeClr val="tx1"/>
-              </a:solidFill>
-            </a:endParaRPr>
-          </a:p>
-          <a:p>
-            <a:pPr algn="ctr"/>
-            <a:r>
-              <a:rPr lang="ko-KR" altLang="en-US" sz="1100" dirty="0">
-                <a:solidFill>
-                  <a:schemeClr val="tx1"/>
-                </a:solidFill>
-              </a:rPr>
-              <a:t>좌표 값 가져오기</a:t>
-            </a:r>
-            <a:endParaRPr lang="en-US" altLang="ko-KR" sz="1100" dirty="0">
-              <a:solidFill>
-                <a:schemeClr val="tx1"/>
-              </a:solidFill>
-            </a:endParaRPr>
-          </a:p>
-        </p:txBody>
-      </p:sp>
-      <p:cxnSp>
-        <p:nvCxnSpPr>
-          <p:cNvPr id="59" name="직선 화살표 연결선 58">
-            <a:extLst>
-              <a:ext uri="{FF2B5EF4-FFF2-40B4-BE49-F238E27FC236}">
-                <a16:creationId xmlns:a16="http://schemas.microsoft.com/office/drawing/2014/main" id="{50963D37-0140-47D6-977B-B2CCF6930324}"/>
-              </a:ext>
-            </a:extLst>
-          </p:cNvPr>
-          <p:cNvCxnSpPr>
-            <a:cxnSpLocks/>
-            <a:stCxn id="49" idx="2"/>
-            <a:endCxn id="56" idx="0"/>
-          </p:cNvCxnSpPr>
-          <p:nvPr/>
-        </p:nvCxnSpPr>
-        <p:spPr>
-          <a:xfrm>
-            <a:off x="5383569" y="4166647"/>
-            <a:ext cx="6547" cy="264862"/>
-          </a:xfrm>
-          <a:prstGeom prst="straightConnector1">
-            <a:avLst/>
-          </a:prstGeom>
-          <a:ln>
-            <a:tailEnd type="triangle"/>
-          </a:ln>
-        </p:spPr>
-        <p:style>
-          <a:lnRef idx="1">
-            <a:schemeClr val="accent1"/>
-          </a:lnRef>
-          <a:fillRef idx="0">
-            <a:schemeClr val="accent1"/>
-          </a:fillRef>
-          <a:effectRef idx="0">
-            <a:schemeClr val="accent1"/>
-          </a:effectRef>
-          <a:fontRef idx="minor">
-            <a:schemeClr val="tx1"/>
-          </a:fontRef>
-        </p:style>
-      </p:cxnSp>
-      <p:cxnSp>
-        <p:nvCxnSpPr>
-          <p:cNvPr id="68" name="직선 화살표 연결선 67">
-            <a:extLst>
-              <a:ext uri="{FF2B5EF4-FFF2-40B4-BE49-F238E27FC236}">
-                <a16:creationId xmlns:a16="http://schemas.microsoft.com/office/drawing/2014/main" id="{AF68652E-715E-4460-BB04-9AB18C4465AF}"/>
-              </a:ext>
-            </a:extLst>
-          </p:cNvPr>
-          <p:cNvCxnSpPr>
-            <a:cxnSpLocks/>
-            <a:stCxn id="56" idx="2"/>
-            <a:endCxn id="74" idx="0"/>
-          </p:cNvCxnSpPr>
-          <p:nvPr/>
-        </p:nvCxnSpPr>
-        <p:spPr>
-          <a:xfrm flipH="1">
-            <a:off x="5383569" y="4923771"/>
-            <a:ext cx="6547" cy="287693"/>
-          </a:xfrm>
-          <a:prstGeom prst="straightConnector1">
-            <a:avLst/>
-          </a:prstGeom>
-          <a:ln>
-            <a:tailEnd type="triangle"/>
-          </a:ln>
-        </p:spPr>
-        <p:style>
-          <a:lnRef idx="1">
-            <a:schemeClr val="accent1"/>
-          </a:lnRef>
-          <a:fillRef idx="0">
-            <a:schemeClr val="accent1"/>
-          </a:fillRef>
-          <a:effectRef idx="0">
-            <a:schemeClr val="accent1"/>
-          </a:effectRef>
-          <a:fontRef idx="minor">
-            <a:schemeClr val="tx1"/>
-          </a:fontRef>
-        </p:style>
-      </p:cxnSp>
-      <p:sp>
-        <p:nvSpPr>
-          <p:cNvPr id="74" name="순서도: 판단 73">
-            <a:extLst>
-              <a:ext uri="{FF2B5EF4-FFF2-40B4-BE49-F238E27FC236}">
-                <a16:creationId xmlns:a16="http://schemas.microsoft.com/office/drawing/2014/main" id="{40BA4C2E-6C4C-43C6-B511-AC0857A788E7}"/>
-              </a:ext>
-            </a:extLst>
-          </p:cNvPr>
-          <p:cNvSpPr/>
-          <p:nvPr/>
-        </p:nvSpPr>
-        <p:spPr>
-          <a:xfrm>
-            <a:off x="5027037" y="5211464"/>
-            <a:ext cx="713064" cy="654342"/>
-          </a:xfrm>
-          <a:prstGeom prst="flowChartDecision">
-            <a:avLst/>
-          </a:prstGeom>
-          <a:solidFill>
-            <a:schemeClr val="accent5">
-              <a:lumMod val="60000"/>
-              <a:lumOff val="40000"/>
-            </a:schemeClr>
-          </a:solidFill>
-        </p:spPr>
-        <p:style>
-          <a:lnRef idx="2">
-            <a:schemeClr val="accent1">
-              <a:shade val="50000"/>
-            </a:schemeClr>
-          </a:lnRef>
-          <a:fillRef idx="1">
-            <a:schemeClr val="accent1"/>
-          </a:fillRef>
-          <a:effectRef idx="0">
-            <a:schemeClr val="accent1"/>
-          </a:effectRef>
-          <a:fontRef idx="minor">
-            <a:schemeClr val="lt1"/>
-          </a:fontRef>
-        </p:style>
-        <p:txBody>
-          <a:bodyPr rtlCol="0" anchor="ctr"/>
-          <a:lstStyle/>
-          <a:p>
-            <a:pPr algn="ctr"/>
-            <a:r>
-              <a:rPr lang="en-US" altLang="ko-KR" dirty="0"/>
-              <a:t>if</a:t>
-            </a:r>
-            <a:endParaRPr lang="ko-KR" altLang="en-US" dirty="0"/>
-          </a:p>
-        </p:txBody>
-      </p:sp>
-      <p:cxnSp>
-        <p:nvCxnSpPr>
-          <p:cNvPr id="75" name="연결선: 꺾임 74">
-            <a:extLst>
-              <a:ext uri="{FF2B5EF4-FFF2-40B4-BE49-F238E27FC236}">
-                <a16:creationId xmlns:a16="http://schemas.microsoft.com/office/drawing/2014/main" id="{54AD42A3-7BBD-45F0-96C4-A6321A6F121F}"/>
-              </a:ext>
-            </a:extLst>
-          </p:cNvPr>
-          <p:cNvCxnSpPr>
-            <a:cxnSpLocks/>
-            <a:stCxn id="74" idx="1"/>
-            <a:endCxn id="49" idx="1"/>
-          </p:cNvCxnSpPr>
-          <p:nvPr/>
-        </p:nvCxnSpPr>
-        <p:spPr>
-          <a:xfrm rot="10800000">
-            <a:off x="4367937" y="3920517"/>
-            <a:ext cx="659100" cy="1618119"/>
-          </a:xfrm>
-          <a:prstGeom prst="bentConnector3">
-            <a:avLst>
-              <a:gd name="adj1" fmla="val 315039"/>
-            </a:avLst>
-          </a:prstGeom>
-          <a:ln>
-            <a:tailEnd type="triangle"/>
-          </a:ln>
-        </p:spPr>
-        <p:style>
-          <a:lnRef idx="1">
-            <a:schemeClr val="accent1"/>
-          </a:lnRef>
-          <a:fillRef idx="0">
-            <a:schemeClr val="accent1"/>
-          </a:fillRef>
-          <a:effectRef idx="0">
-            <a:schemeClr val="accent1"/>
-          </a:effectRef>
-          <a:fontRef idx="minor">
-            <a:schemeClr val="tx1"/>
-          </a:fontRef>
-        </p:style>
-      </p:cxnSp>
-      <p:sp>
-        <p:nvSpPr>
-          <p:cNvPr id="80" name="TextBox 79">
-            <a:extLst>
-              <a:ext uri="{FF2B5EF4-FFF2-40B4-BE49-F238E27FC236}">
-                <a16:creationId xmlns:a16="http://schemas.microsoft.com/office/drawing/2014/main" id="{21201E1A-EFE7-452B-A8DC-E4791A6013EB}"/>
-              </a:ext>
-            </a:extLst>
-          </p:cNvPr>
-          <p:cNvSpPr txBox="1"/>
-          <p:nvPr/>
-        </p:nvSpPr>
-        <p:spPr>
-          <a:xfrm>
-            <a:off x="2940561" y="5012627"/>
-            <a:ext cx="2086476" cy="523220"/>
-          </a:xfrm>
-          <a:prstGeom prst="rect">
-            <a:avLst/>
-          </a:prstGeom>
-          <a:noFill/>
-        </p:spPr>
-        <p:txBody>
-          <a:bodyPr wrap="square" rtlCol="0">
-            <a:spAutoFit/>
-          </a:bodyPr>
-          <a:lstStyle/>
-          <a:p>
-            <a:r>
-              <a:rPr lang="ko-KR" altLang="en-US" sz="1400" dirty="0">
-                <a:solidFill>
-                  <a:schemeClr val="accent6">
-                    <a:lumMod val="75000"/>
-                  </a:schemeClr>
-                </a:solidFill>
-              </a:rPr>
-              <a:t>참조할 값의 </a:t>
-            </a:r>
-            <a:endParaRPr lang="en-US" altLang="ko-KR" sz="1400" dirty="0">
-              <a:solidFill>
-                <a:schemeClr val="accent6">
-                  <a:lumMod val="75000"/>
-                </a:schemeClr>
-              </a:solidFill>
-            </a:endParaRPr>
-          </a:p>
-          <a:p>
-            <a:r>
-              <a:rPr lang="ko-KR" altLang="en-US" sz="1400" dirty="0">
-                <a:solidFill>
-                  <a:schemeClr val="accent6">
-                    <a:lumMod val="75000"/>
-                  </a:schemeClr>
-                </a:solidFill>
-              </a:rPr>
-              <a:t>개수만큼</a:t>
-            </a:r>
-            <a:r>
-              <a:rPr lang="en-US" altLang="ko-KR" sz="1400" dirty="0">
-                <a:solidFill>
-                  <a:schemeClr val="accent6">
-                    <a:lumMod val="75000"/>
-                  </a:schemeClr>
-                </a:solidFill>
-              </a:rPr>
-              <a:t> </a:t>
-            </a:r>
-            <a:r>
-              <a:rPr lang="ko-KR" altLang="en-US" sz="1400" dirty="0">
-                <a:solidFill>
-                  <a:schemeClr val="accent6">
-                    <a:lumMod val="75000"/>
-                  </a:schemeClr>
-                </a:solidFill>
-              </a:rPr>
-              <a:t>반복</a:t>
-            </a:r>
-            <a:r>
-              <a:rPr lang="en-US" altLang="ko-KR" sz="1400" dirty="0">
-                <a:solidFill>
-                  <a:schemeClr val="accent6">
-                    <a:lumMod val="75000"/>
-                  </a:schemeClr>
-                </a:solidFill>
-              </a:rPr>
-              <a:t>X</a:t>
-            </a:r>
-            <a:r>
-              <a:rPr lang="ko-KR" altLang="en-US" sz="1400" dirty="0">
-                <a:solidFill>
-                  <a:schemeClr val="accent6">
-                    <a:lumMod val="75000"/>
-                  </a:schemeClr>
-                </a:solidFill>
-              </a:rPr>
-              <a:t>인</a:t>
-            </a:r>
-            <a:r>
-              <a:rPr lang="en-US" altLang="ko-KR" sz="1400" dirty="0">
-                <a:solidFill>
-                  <a:schemeClr val="accent6">
-                    <a:lumMod val="75000"/>
-                  </a:schemeClr>
-                </a:solidFill>
-              </a:rPr>
-              <a:t> </a:t>
-            </a:r>
-            <a:r>
-              <a:rPr lang="ko-KR" altLang="en-US" sz="1400" dirty="0">
-                <a:solidFill>
-                  <a:schemeClr val="accent6">
-                    <a:lumMod val="75000"/>
-                  </a:schemeClr>
-                </a:solidFill>
-              </a:rPr>
-              <a:t>경우</a:t>
-            </a:r>
-          </a:p>
-        </p:txBody>
-      </p:sp>
-      <p:cxnSp>
-        <p:nvCxnSpPr>
-          <p:cNvPr id="81" name="직선 화살표 연결선 80">
-            <a:extLst>
-              <a:ext uri="{FF2B5EF4-FFF2-40B4-BE49-F238E27FC236}">
-                <a16:creationId xmlns:a16="http://schemas.microsoft.com/office/drawing/2014/main" id="{23678D2E-F53C-4FAB-AF36-4516F63A4F15}"/>
-              </a:ext>
-            </a:extLst>
-          </p:cNvPr>
-          <p:cNvCxnSpPr>
-            <a:cxnSpLocks/>
-            <a:stCxn id="74" idx="3"/>
-            <a:endCxn id="86" idx="1"/>
-          </p:cNvCxnSpPr>
-          <p:nvPr/>
-        </p:nvCxnSpPr>
-        <p:spPr>
-          <a:xfrm flipV="1">
-            <a:off x="5740101" y="5535847"/>
-            <a:ext cx="1456753" cy="2788"/>
-          </a:xfrm>
-          <a:prstGeom prst="straightConnector1">
-            <a:avLst/>
-          </a:prstGeom>
-          <a:ln>
-            <a:tailEnd type="triangle"/>
-          </a:ln>
-        </p:spPr>
-        <p:style>
-          <a:lnRef idx="1">
-            <a:schemeClr val="accent1"/>
-          </a:lnRef>
-          <a:fillRef idx="0">
-            <a:schemeClr val="accent1"/>
-          </a:fillRef>
-          <a:effectRef idx="0">
-            <a:schemeClr val="accent1"/>
-          </a:effectRef>
-          <a:fontRef idx="minor">
-            <a:schemeClr val="tx1"/>
-          </a:fontRef>
-        </p:style>
-      </p:cxnSp>
-      <p:sp>
-        <p:nvSpPr>
-          <p:cNvPr id="86" name="사각형: 둥근 모서리 85">
-            <a:extLst>
-              <a:ext uri="{FF2B5EF4-FFF2-40B4-BE49-F238E27FC236}">
-                <a16:creationId xmlns:a16="http://schemas.microsoft.com/office/drawing/2014/main" id="{08F3410A-EDBB-4B26-B4C5-DE9BC6CD3D66}"/>
-              </a:ext>
-            </a:extLst>
-          </p:cNvPr>
-          <p:cNvSpPr/>
-          <p:nvPr/>
-        </p:nvSpPr>
-        <p:spPr>
-          <a:xfrm>
-            <a:off x="7196854" y="5086414"/>
-            <a:ext cx="2307945" cy="898866"/>
-          </a:xfrm>
-          <a:prstGeom prst="roundRect">
-            <a:avLst/>
-          </a:prstGeom>
-          <a:noFill/>
-          <a:ln>
-            <a:solidFill>
-              <a:schemeClr val="tx1"/>
-            </a:solidFill>
-          </a:ln>
-        </p:spPr>
-        <p:style>
-          <a:lnRef idx="2">
-            <a:schemeClr val="accent1">
-              <a:shade val="50000"/>
-            </a:schemeClr>
-          </a:lnRef>
-          <a:fillRef idx="1">
-            <a:schemeClr val="accent1"/>
-          </a:fillRef>
-          <a:effectRef idx="0">
-            <a:schemeClr val="accent1"/>
-          </a:effectRef>
-          <a:fontRef idx="minor">
-            <a:schemeClr val="lt1"/>
-          </a:fontRef>
-        </p:style>
-        <p:txBody>
-          <a:bodyPr rtlCol="0" anchor="ctr"/>
-          <a:lstStyle/>
-          <a:p>
-            <a:pPr algn="ctr"/>
-            <a:r>
-              <a:rPr lang="en-US" altLang="ko-KR" sz="1100" dirty="0">
-                <a:solidFill>
-                  <a:schemeClr val="tx1"/>
-                </a:solidFill>
-              </a:rPr>
-              <a:t>X</a:t>
-            </a:r>
-            <a:r>
-              <a:rPr lang="ko-KR" altLang="en-US" sz="1100" dirty="0">
-                <a:solidFill>
-                  <a:schemeClr val="tx1"/>
-                </a:solidFill>
-              </a:rPr>
-              <a:t>좌표를 다 더한 값</a:t>
-            </a:r>
-            <a:r>
-              <a:rPr lang="en-US" altLang="ko-KR" sz="1100" dirty="0">
-                <a:solidFill>
-                  <a:schemeClr val="tx1"/>
-                </a:solidFill>
-              </a:rPr>
-              <a:t>/</a:t>
-            </a:r>
-            <a:r>
-              <a:rPr lang="ko-KR" altLang="en-US" sz="1100" dirty="0">
-                <a:solidFill>
-                  <a:schemeClr val="tx1"/>
-                </a:solidFill>
-              </a:rPr>
-              <a:t>참조개수</a:t>
-            </a:r>
-            <a:endParaRPr lang="en-US" altLang="ko-KR" sz="1100" dirty="0">
-              <a:solidFill>
-                <a:schemeClr val="tx1"/>
-              </a:solidFill>
-            </a:endParaRPr>
-          </a:p>
-          <a:p>
-            <a:pPr algn="ctr"/>
-            <a:r>
-              <a:rPr lang="en-US" altLang="ko-KR" sz="1100" dirty="0">
-                <a:solidFill>
-                  <a:schemeClr val="tx1"/>
-                </a:solidFill>
-              </a:rPr>
-              <a:t>Y</a:t>
-            </a:r>
-            <a:r>
-              <a:rPr lang="ko-KR" altLang="en-US" sz="1100" dirty="0">
-                <a:solidFill>
-                  <a:schemeClr val="tx1"/>
-                </a:solidFill>
-              </a:rPr>
-              <a:t>좌표를 다 더한 값</a:t>
-            </a:r>
-            <a:r>
-              <a:rPr lang="en-US" altLang="ko-KR" sz="1100" dirty="0">
-                <a:solidFill>
-                  <a:schemeClr val="tx1"/>
-                </a:solidFill>
-              </a:rPr>
-              <a:t>/</a:t>
-            </a:r>
-            <a:r>
-              <a:rPr lang="ko-KR" altLang="en-US" sz="1100" dirty="0">
-                <a:solidFill>
-                  <a:schemeClr val="tx1"/>
-                </a:solidFill>
-              </a:rPr>
-              <a:t>참조개수</a:t>
-            </a:r>
-            <a:endParaRPr lang="en-US" altLang="ko-KR" sz="1100" dirty="0">
-              <a:solidFill>
-                <a:schemeClr val="tx1"/>
-              </a:solidFill>
-            </a:endParaRPr>
-          </a:p>
-          <a:p>
-            <a:pPr algn="ctr"/>
-            <a:endParaRPr lang="en-US" altLang="ko-KR" sz="1100" dirty="0">
-              <a:solidFill>
-                <a:schemeClr val="tx1"/>
-              </a:solidFill>
-            </a:endParaRPr>
-          </a:p>
-          <a:p>
-            <a:pPr algn="ctr"/>
-            <a:r>
-              <a:rPr lang="en-US" altLang="ko-KR" sz="1100" dirty="0">
-                <a:solidFill>
-                  <a:schemeClr val="tx1"/>
-                </a:solidFill>
-              </a:rPr>
-              <a:t>=&gt;</a:t>
-            </a:r>
-            <a:r>
-              <a:rPr lang="ko-KR" altLang="en-US" sz="1100" dirty="0">
-                <a:solidFill>
-                  <a:schemeClr val="tx1"/>
-                </a:solidFill>
-              </a:rPr>
-              <a:t>타겟 </a:t>
-            </a:r>
-            <a:r>
-              <a:rPr lang="en-US" altLang="ko-KR" sz="1100" dirty="0">
-                <a:solidFill>
-                  <a:schemeClr val="tx1"/>
-                </a:solidFill>
-              </a:rPr>
-              <a:t>ID</a:t>
-            </a:r>
-            <a:r>
-              <a:rPr lang="ko-KR" altLang="en-US" sz="1100" dirty="0">
-                <a:solidFill>
-                  <a:schemeClr val="tx1"/>
-                </a:solidFill>
-              </a:rPr>
-              <a:t>의 예상 좌표 나옴</a:t>
-            </a:r>
-            <a:endParaRPr lang="en-US" altLang="ko-KR" sz="1100" dirty="0">
-              <a:solidFill>
-                <a:schemeClr val="tx1"/>
-              </a:solidFill>
-            </a:endParaRPr>
-          </a:p>
-        </p:txBody>
-      </p:sp>
-      <p:sp>
-        <p:nvSpPr>
-          <p:cNvPr id="89" name="TextBox 88">
-            <a:extLst>
-              <a:ext uri="{FF2B5EF4-FFF2-40B4-BE49-F238E27FC236}">
-                <a16:creationId xmlns:a16="http://schemas.microsoft.com/office/drawing/2014/main" id="{769156EA-6CC5-405B-B3CB-1C86C5AD6AA4}"/>
-              </a:ext>
-            </a:extLst>
-          </p:cNvPr>
-          <p:cNvSpPr txBox="1"/>
-          <p:nvPr/>
-        </p:nvSpPr>
-        <p:spPr>
-          <a:xfrm>
-            <a:off x="5740101" y="5535847"/>
-            <a:ext cx="1207473" cy="523220"/>
-          </a:xfrm>
-          <a:prstGeom prst="rect">
-            <a:avLst/>
-          </a:prstGeom>
-          <a:noFill/>
-        </p:spPr>
-        <p:txBody>
-          <a:bodyPr wrap="square" rtlCol="0">
-            <a:spAutoFit/>
-          </a:bodyPr>
-          <a:lstStyle/>
-          <a:p>
-            <a:r>
-              <a:rPr lang="ko-KR" altLang="en-US" sz="1400" dirty="0">
-                <a:solidFill>
-                  <a:schemeClr val="accent6">
-                    <a:lumMod val="75000"/>
-                  </a:schemeClr>
-                </a:solidFill>
-              </a:rPr>
-              <a:t>반복을 다</a:t>
-            </a:r>
-            <a:endParaRPr lang="en-US" altLang="ko-KR" sz="1400" dirty="0">
-              <a:solidFill>
-                <a:schemeClr val="accent6">
-                  <a:lumMod val="75000"/>
-                </a:schemeClr>
-              </a:solidFill>
-            </a:endParaRPr>
-          </a:p>
-          <a:p>
-            <a:r>
-              <a:rPr lang="ko-KR" altLang="en-US" sz="1400" dirty="0">
-                <a:solidFill>
-                  <a:schemeClr val="accent6">
-                    <a:lumMod val="75000"/>
-                  </a:schemeClr>
-                </a:solidFill>
-              </a:rPr>
-              <a:t>하였을 경우</a:t>
-            </a:r>
-          </a:p>
-        </p:txBody>
-      </p:sp>
-    </p:spTree>
-    <p:extLst>
-      <p:ext uri="{BB962C8B-B14F-4D97-AF65-F5344CB8AC3E}">
-        <p14:creationId xmlns:p14="http://schemas.microsoft.com/office/powerpoint/2010/main" val="4188002933"/>
-      </p:ext>
-    </p:extLst>
-  </p:cSld>
-  <p:clrMapOvr>
-    <a:masterClrMapping/>
-  </p:clrMapOvr>
-</p:sld>
-</file>
-
-<file path=ppt/slides/slide11.xml><?xml version="1.0" encoding="utf-8"?>
-<p:sld xmlns:a="http://schemas.openxmlformats.org/drawingml/2006/main" xmlns:r="http://schemas.openxmlformats.org/officeDocument/2006/relationships" xmlns:p="http://schemas.openxmlformats.org/presentationml/2006/main">
-  <p:cSld>
-    <p:spTree>
-      <p:nvGrpSpPr>
-        <p:cNvPr id="1" name=""/>
-        <p:cNvGrpSpPr/>
-        <p:nvPr/>
-      </p:nvGrpSpPr>
-      <p:grpSpPr>
-        <a:xfrm>
-          <a:off x="0" y="0"/>
-          <a:ext cx="0" cy="0"/>
-          <a:chOff x="0" y="0"/>
-          <a:chExt cx="0" cy="0"/>
-        </a:xfrm>
-      </p:grpSpPr>
-      <p:sp>
-        <p:nvSpPr>
-          <p:cNvPr id="33" name="직사각형 32">
-            <a:extLst>
-              <a:ext uri="{FF2B5EF4-FFF2-40B4-BE49-F238E27FC236}">
-                <a16:creationId xmlns:a16="http://schemas.microsoft.com/office/drawing/2014/main" id="{23B2228D-CCA2-4581-90DA-6055A39E4B43}"/>
-              </a:ext>
-            </a:extLst>
-          </p:cNvPr>
-          <p:cNvSpPr/>
-          <p:nvPr/>
-        </p:nvSpPr>
-        <p:spPr>
-          <a:xfrm>
-            <a:off x="2296485" y="166731"/>
-            <a:ext cx="5840836" cy="5184396"/>
-          </a:xfrm>
-          <a:prstGeom prst="rect">
-            <a:avLst/>
-          </a:prstGeom>
-          <a:noFill/>
-          <a:ln>
-            <a:solidFill>
-              <a:schemeClr val="tx1"/>
-            </a:solidFill>
-          </a:ln>
-        </p:spPr>
-        <p:style>
-          <a:lnRef idx="2">
-            <a:schemeClr val="accent1">
-              <a:shade val="50000"/>
-            </a:schemeClr>
-          </a:lnRef>
-          <a:fillRef idx="1">
-            <a:schemeClr val="accent1"/>
-          </a:fillRef>
-          <a:effectRef idx="0">
-            <a:schemeClr val="accent1"/>
-          </a:effectRef>
-          <a:fontRef idx="minor">
-            <a:schemeClr val="lt1"/>
-          </a:fontRef>
-        </p:style>
-        <p:txBody>
-          <a:bodyPr rtlCol="0" anchor="ctr"/>
-          <a:lstStyle/>
-          <a:p>
-            <a:pPr algn="ctr"/>
-            <a:endParaRPr lang="ko-KR" altLang="en-US"/>
-          </a:p>
-        </p:txBody>
-      </p:sp>
-      <p:sp>
-        <p:nvSpPr>
-          <p:cNvPr id="4" name="사각형: 둥근 모서리 3">
-            <a:extLst>
-              <a:ext uri="{FF2B5EF4-FFF2-40B4-BE49-F238E27FC236}">
-                <a16:creationId xmlns:a16="http://schemas.microsoft.com/office/drawing/2014/main" id="{2FAD11DE-2ED3-4A29-A9FF-148E0AE3F87E}"/>
-              </a:ext>
-            </a:extLst>
-          </p:cNvPr>
-          <p:cNvSpPr/>
-          <p:nvPr/>
-        </p:nvSpPr>
-        <p:spPr>
-          <a:xfrm>
-            <a:off x="4405618" y="293616"/>
-            <a:ext cx="1944848" cy="637562"/>
-          </a:xfrm>
-          <a:prstGeom prst="roundRect">
-            <a:avLst/>
-          </a:prstGeom>
-          <a:noFill/>
-          <a:ln>
-            <a:solidFill>
-              <a:schemeClr val="tx1"/>
-            </a:solidFill>
-          </a:ln>
-        </p:spPr>
-        <p:style>
-          <a:lnRef idx="2">
-            <a:schemeClr val="accent1">
-              <a:shade val="50000"/>
-            </a:schemeClr>
-          </a:lnRef>
-          <a:fillRef idx="1">
-            <a:schemeClr val="accent1"/>
-          </a:fillRef>
-          <a:effectRef idx="0">
-            <a:schemeClr val="accent1"/>
-          </a:effectRef>
-          <a:fontRef idx="minor">
-            <a:schemeClr val="lt1"/>
-          </a:fontRef>
-        </p:style>
-        <p:txBody>
-          <a:bodyPr rtlCol="0" anchor="ctr"/>
-          <a:lstStyle/>
-          <a:p>
-            <a:pPr algn="ctr"/>
-            <a:r>
-              <a:rPr lang="ko-KR" altLang="en-US" sz="1600" dirty="0">
-                <a:solidFill>
-                  <a:schemeClr val="tx1"/>
-                </a:solidFill>
-              </a:rPr>
-              <a:t>사용자</a:t>
-            </a:r>
-            <a:endParaRPr lang="en-US" altLang="ko-KR" sz="1600" dirty="0">
-              <a:solidFill>
-                <a:schemeClr val="tx1"/>
-              </a:solidFill>
-            </a:endParaRPr>
-          </a:p>
-          <a:p>
-            <a:pPr algn="ctr"/>
-            <a:r>
-              <a:rPr lang="en-US" altLang="ko-KR" sz="1600" dirty="0">
-                <a:solidFill>
-                  <a:schemeClr val="tx1"/>
-                </a:solidFill>
-              </a:rPr>
-              <a:t>ID &amp; PW</a:t>
-            </a:r>
-            <a:r>
-              <a:rPr lang="ko-KR" altLang="en-US" sz="1600" dirty="0">
-                <a:solidFill>
-                  <a:schemeClr val="tx1"/>
-                </a:solidFill>
-              </a:rPr>
-              <a:t> 입력</a:t>
-            </a:r>
-          </a:p>
-        </p:txBody>
-      </p:sp>
-      <p:sp>
-        <p:nvSpPr>
-          <p:cNvPr id="5" name="사각형: 둥근 모서리 4">
-            <a:extLst>
-              <a:ext uri="{FF2B5EF4-FFF2-40B4-BE49-F238E27FC236}">
-                <a16:creationId xmlns:a16="http://schemas.microsoft.com/office/drawing/2014/main" id="{1574ED17-BE6F-466E-AA0E-33B50F8A7E87}"/>
-              </a:ext>
-            </a:extLst>
-          </p:cNvPr>
-          <p:cNvSpPr/>
-          <p:nvPr/>
-        </p:nvSpPr>
-        <p:spPr>
-          <a:xfrm>
-            <a:off x="4063766" y="1577130"/>
-            <a:ext cx="2639038" cy="838899"/>
-          </a:xfrm>
-          <a:prstGeom prst="roundRect">
-            <a:avLst/>
-          </a:prstGeom>
-          <a:noFill/>
-          <a:ln>
-            <a:solidFill>
-              <a:schemeClr val="tx1"/>
-            </a:solidFill>
-          </a:ln>
-        </p:spPr>
-        <p:style>
-          <a:lnRef idx="2">
-            <a:schemeClr val="accent1">
-              <a:shade val="50000"/>
-            </a:schemeClr>
-          </a:lnRef>
-          <a:fillRef idx="1">
-            <a:schemeClr val="accent1"/>
-          </a:fillRef>
-          <a:effectRef idx="0">
-            <a:schemeClr val="accent1"/>
-          </a:effectRef>
-          <a:fontRef idx="minor">
-            <a:schemeClr val="lt1"/>
-          </a:fontRef>
-        </p:style>
-        <p:txBody>
-          <a:bodyPr rtlCol="0" anchor="ctr"/>
-          <a:lstStyle/>
-          <a:p>
-            <a:pPr algn="ctr"/>
-            <a:r>
-              <a:rPr lang="ko-KR" altLang="en-US" sz="1600" dirty="0">
-                <a:solidFill>
-                  <a:schemeClr val="tx1"/>
-                </a:solidFill>
-              </a:rPr>
-              <a:t>메모장에</a:t>
-            </a:r>
-            <a:r>
-              <a:rPr lang="en-US" altLang="ko-KR" sz="1600" dirty="0">
-                <a:solidFill>
-                  <a:schemeClr val="tx1"/>
-                </a:solidFill>
-              </a:rPr>
-              <a:t> </a:t>
-            </a:r>
-            <a:r>
-              <a:rPr lang="ko-KR" altLang="en-US" sz="1600" dirty="0">
-                <a:solidFill>
-                  <a:schemeClr val="tx1"/>
-                </a:solidFill>
-              </a:rPr>
-              <a:t>해당 </a:t>
-            </a:r>
-            <a:r>
-              <a:rPr lang="en-US" altLang="ko-KR" sz="1600" dirty="0">
-                <a:solidFill>
-                  <a:schemeClr val="tx1"/>
-                </a:solidFill>
-              </a:rPr>
-              <a:t>ID</a:t>
-            </a:r>
-            <a:r>
-              <a:rPr lang="ko-KR" altLang="en-US" sz="1600" dirty="0">
-                <a:solidFill>
-                  <a:schemeClr val="tx1"/>
-                </a:solidFill>
-              </a:rPr>
-              <a:t>가</a:t>
-            </a:r>
-            <a:endParaRPr lang="en-US" altLang="ko-KR" sz="1600" dirty="0">
-              <a:solidFill>
-                <a:schemeClr val="tx1"/>
-              </a:solidFill>
-            </a:endParaRPr>
-          </a:p>
-          <a:p>
-            <a:pPr algn="ctr"/>
-            <a:r>
-              <a:rPr lang="ko-KR" altLang="en-US" sz="1600" dirty="0">
-                <a:solidFill>
-                  <a:schemeClr val="tx1"/>
-                </a:solidFill>
-              </a:rPr>
-              <a:t>존재하는지 확인</a:t>
-            </a:r>
-            <a:endParaRPr lang="en-US" altLang="ko-KR" sz="1600" dirty="0">
-              <a:solidFill>
-                <a:schemeClr val="tx1"/>
-              </a:solidFill>
-            </a:endParaRPr>
-          </a:p>
-        </p:txBody>
-      </p:sp>
-      <p:cxnSp>
-        <p:nvCxnSpPr>
-          <p:cNvPr id="7" name="직선 화살표 연결선 6">
-            <a:extLst>
-              <a:ext uri="{FF2B5EF4-FFF2-40B4-BE49-F238E27FC236}">
-                <a16:creationId xmlns:a16="http://schemas.microsoft.com/office/drawing/2014/main" id="{65FD47FB-A55D-45C4-A060-EAA9738E86DF}"/>
-              </a:ext>
-            </a:extLst>
-          </p:cNvPr>
-          <p:cNvCxnSpPr>
-            <a:cxnSpLocks/>
-            <a:stCxn id="4" idx="2"/>
-            <a:endCxn id="5" idx="0"/>
-          </p:cNvCxnSpPr>
-          <p:nvPr/>
-        </p:nvCxnSpPr>
-        <p:spPr>
-          <a:xfrm>
-            <a:off x="5378042" y="931178"/>
-            <a:ext cx="5243" cy="645952"/>
-          </a:xfrm>
-          <a:prstGeom prst="straightConnector1">
-            <a:avLst/>
-          </a:prstGeom>
-          <a:ln>
-            <a:tailEnd type="triangle"/>
-          </a:ln>
-        </p:spPr>
-        <p:style>
-          <a:lnRef idx="1">
-            <a:schemeClr val="accent1"/>
-          </a:lnRef>
-          <a:fillRef idx="0">
-            <a:schemeClr val="accent1"/>
-          </a:fillRef>
-          <a:effectRef idx="0">
-            <a:schemeClr val="accent1"/>
-          </a:effectRef>
-          <a:fontRef idx="minor">
-            <a:schemeClr val="tx1"/>
-          </a:fontRef>
-        </p:style>
-      </p:cxnSp>
-      <p:sp>
-        <p:nvSpPr>
-          <p:cNvPr id="14" name="순서도: 판단 13">
-            <a:extLst>
-              <a:ext uri="{FF2B5EF4-FFF2-40B4-BE49-F238E27FC236}">
-                <a16:creationId xmlns:a16="http://schemas.microsoft.com/office/drawing/2014/main" id="{4D0791FA-C7BA-45C2-8BC7-8F85FF8F7668}"/>
-              </a:ext>
-            </a:extLst>
-          </p:cNvPr>
-          <p:cNvSpPr/>
-          <p:nvPr/>
-        </p:nvSpPr>
-        <p:spPr>
-          <a:xfrm>
-            <a:off x="5021510" y="3101829"/>
-            <a:ext cx="713064" cy="654342"/>
-          </a:xfrm>
-          <a:prstGeom prst="flowChartDecision">
-            <a:avLst/>
-          </a:prstGeom>
-          <a:solidFill>
-            <a:schemeClr val="accent5">
-              <a:lumMod val="60000"/>
-              <a:lumOff val="40000"/>
-            </a:schemeClr>
-          </a:solidFill>
-        </p:spPr>
-        <p:style>
-          <a:lnRef idx="2">
-            <a:schemeClr val="accent1">
-              <a:shade val="50000"/>
-            </a:schemeClr>
-          </a:lnRef>
-          <a:fillRef idx="1">
-            <a:schemeClr val="accent1"/>
-          </a:fillRef>
-          <a:effectRef idx="0">
-            <a:schemeClr val="accent1"/>
-          </a:effectRef>
-          <a:fontRef idx="minor">
-            <a:schemeClr val="lt1"/>
-          </a:fontRef>
-        </p:style>
-        <p:txBody>
-          <a:bodyPr rtlCol="0" anchor="ctr"/>
-          <a:lstStyle/>
-          <a:p>
-            <a:pPr algn="ctr"/>
-            <a:r>
-              <a:rPr lang="en-US" altLang="ko-KR" dirty="0"/>
-              <a:t>if</a:t>
-            </a:r>
-            <a:endParaRPr lang="ko-KR" altLang="en-US" dirty="0"/>
-          </a:p>
-        </p:txBody>
-      </p:sp>
-      <p:cxnSp>
-        <p:nvCxnSpPr>
-          <p:cNvPr id="15" name="직선 화살표 연결선 14">
-            <a:extLst>
-              <a:ext uri="{FF2B5EF4-FFF2-40B4-BE49-F238E27FC236}">
-                <a16:creationId xmlns:a16="http://schemas.microsoft.com/office/drawing/2014/main" id="{1F8AB522-94AE-4790-8016-40A29B486084}"/>
-              </a:ext>
-            </a:extLst>
-          </p:cNvPr>
-          <p:cNvCxnSpPr>
-            <a:cxnSpLocks/>
-            <a:stCxn id="5" idx="2"/>
-            <a:endCxn id="14" idx="0"/>
-          </p:cNvCxnSpPr>
-          <p:nvPr/>
-        </p:nvCxnSpPr>
-        <p:spPr>
-          <a:xfrm flipH="1">
-            <a:off x="5378042" y="2416029"/>
-            <a:ext cx="5243" cy="685800"/>
-          </a:xfrm>
-          <a:prstGeom prst="straightConnector1">
-            <a:avLst/>
-          </a:prstGeom>
-          <a:ln>
-            <a:tailEnd type="triangle"/>
-          </a:ln>
-        </p:spPr>
-        <p:style>
-          <a:lnRef idx="1">
-            <a:schemeClr val="accent1"/>
-          </a:lnRef>
-          <a:fillRef idx="0">
-            <a:schemeClr val="accent1"/>
-          </a:fillRef>
-          <a:effectRef idx="0">
-            <a:schemeClr val="accent1"/>
-          </a:effectRef>
-          <a:fontRef idx="minor">
-            <a:schemeClr val="tx1"/>
-          </a:fontRef>
-        </p:style>
-      </p:cxnSp>
-      <p:sp>
-        <p:nvSpPr>
-          <p:cNvPr id="21" name="사각형: 둥근 모서리 20">
-            <a:extLst>
-              <a:ext uri="{FF2B5EF4-FFF2-40B4-BE49-F238E27FC236}">
-                <a16:creationId xmlns:a16="http://schemas.microsoft.com/office/drawing/2014/main" id="{D012CCC1-B35F-4988-86D5-FC546593C713}"/>
-              </a:ext>
-            </a:extLst>
-          </p:cNvPr>
-          <p:cNvSpPr/>
-          <p:nvPr/>
-        </p:nvSpPr>
-        <p:spPr>
-          <a:xfrm>
-            <a:off x="2397153" y="4473429"/>
-            <a:ext cx="1666613" cy="750815"/>
-          </a:xfrm>
-          <a:prstGeom prst="roundRect">
-            <a:avLst/>
-          </a:prstGeom>
-          <a:noFill/>
-          <a:ln>
-            <a:solidFill>
-              <a:schemeClr val="tx1"/>
-            </a:solidFill>
-          </a:ln>
-        </p:spPr>
-        <p:style>
-          <a:lnRef idx="2">
-            <a:schemeClr val="accent1">
-              <a:shade val="50000"/>
-            </a:schemeClr>
-          </a:lnRef>
-          <a:fillRef idx="1">
-            <a:schemeClr val="accent1"/>
-          </a:fillRef>
-          <a:effectRef idx="0">
-            <a:schemeClr val="accent1"/>
-          </a:effectRef>
-          <a:fontRef idx="minor">
-            <a:schemeClr val="lt1"/>
-          </a:fontRef>
-        </p:style>
-        <p:txBody>
-          <a:bodyPr rtlCol="0" anchor="ctr"/>
-          <a:lstStyle/>
-          <a:p>
-            <a:pPr algn="ctr"/>
-            <a:r>
-              <a:rPr lang="ko-KR" altLang="en-US" sz="1100" dirty="0">
-                <a:solidFill>
-                  <a:schemeClr val="tx1"/>
-                </a:solidFill>
-              </a:rPr>
-              <a:t>해당 </a:t>
-            </a:r>
-            <a:r>
-              <a:rPr lang="en-US" altLang="ko-KR" sz="1100" dirty="0">
-                <a:solidFill>
-                  <a:schemeClr val="tx1"/>
-                </a:solidFill>
-              </a:rPr>
-              <a:t>ID </a:t>
-            </a:r>
-            <a:r>
-              <a:rPr lang="ko-KR" altLang="en-US" sz="1100" dirty="0">
-                <a:solidFill>
-                  <a:schemeClr val="tx1"/>
-                </a:solidFill>
-              </a:rPr>
-              <a:t>이미</a:t>
-            </a:r>
-            <a:endParaRPr lang="en-US" altLang="ko-KR" sz="1100" dirty="0">
-              <a:solidFill>
-                <a:schemeClr val="tx1"/>
-              </a:solidFill>
-            </a:endParaRPr>
-          </a:p>
-          <a:p>
-            <a:pPr algn="ctr"/>
-            <a:r>
-              <a:rPr lang="ko-KR" altLang="en-US" sz="1100" dirty="0">
-                <a:solidFill>
-                  <a:schemeClr val="tx1"/>
-                </a:solidFill>
-              </a:rPr>
-              <a:t>존재한다고 알려주기</a:t>
-            </a:r>
-          </a:p>
-        </p:txBody>
-      </p:sp>
-      <p:cxnSp>
-        <p:nvCxnSpPr>
-          <p:cNvPr id="23" name="연결선: 꺾임 22">
-            <a:extLst>
-              <a:ext uri="{FF2B5EF4-FFF2-40B4-BE49-F238E27FC236}">
-                <a16:creationId xmlns:a16="http://schemas.microsoft.com/office/drawing/2014/main" id="{DF8115AF-3F89-4912-B3F0-DEA2493AF576}"/>
-              </a:ext>
-            </a:extLst>
-          </p:cNvPr>
-          <p:cNvCxnSpPr>
-            <a:cxnSpLocks/>
-            <a:stCxn id="14" idx="1"/>
-            <a:endCxn id="21" idx="0"/>
-          </p:cNvCxnSpPr>
-          <p:nvPr/>
-        </p:nvCxnSpPr>
-        <p:spPr>
-          <a:xfrm rot="10800000" flipV="1">
-            <a:off x="3230460" y="3428999"/>
-            <a:ext cx="1791050" cy="1044429"/>
-          </a:xfrm>
-          <a:prstGeom prst="bentConnector2">
-            <a:avLst/>
-          </a:prstGeom>
-          <a:ln>
-            <a:tailEnd type="triangle"/>
-          </a:ln>
-        </p:spPr>
-        <p:style>
-          <a:lnRef idx="1">
-            <a:schemeClr val="accent1"/>
-          </a:lnRef>
-          <a:fillRef idx="0">
-            <a:schemeClr val="accent1"/>
-          </a:fillRef>
-          <a:effectRef idx="0">
-            <a:schemeClr val="accent1"/>
-          </a:effectRef>
-          <a:fontRef idx="minor">
-            <a:schemeClr val="tx1"/>
-          </a:fontRef>
-        </p:style>
-      </p:cxnSp>
-      <p:sp>
-        <p:nvSpPr>
-          <p:cNvPr id="25" name="TextBox 24">
-            <a:extLst>
-              <a:ext uri="{FF2B5EF4-FFF2-40B4-BE49-F238E27FC236}">
-                <a16:creationId xmlns:a16="http://schemas.microsoft.com/office/drawing/2014/main" id="{D0C7D764-9848-4113-BE36-4DCEDE655438}"/>
-              </a:ext>
-            </a:extLst>
-          </p:cNvPr>
-          <p:cNvSpPr txBox="1"/>
-          <p:nvPr/>
-        </p:nvSpPr>
-        <p:spPr>
-          <a:xfrm>
-            <a:off x="3665882" y="3101829"/>
-            <a:ext cx="1355628" cy="307777"/>
-          </a:xfrm>
-          <a:prstGeom prst="rect">
-            <a:avLst/>
-          </a:prstGeom>
-          <a:noFill/>
-        </p:spPr>
-        <p:txBody>
-          <a:bodyPr wrap="none" rtlCol="0">
-            <a:spAutoFit/>
-          </a:bodyPr>
-          <a:lstStyle/>
-          <a:p>
-            <a:r>
-              <a:rPr lang="en-US" altLang="ko-KR" sz="1400" dirty="0"/>
-              <a:t>True(</a:t>
-            </a:r>
-            <a:r>
-              <a:rPr lang="ko-KR" altLang="en-US" sz="1400" dirty="0"/>
-              <a:t>존재하면</a:t>
-            </a:r>
-            <a:r>
-              <a:rPr lang="en-US" altLang="ko-KR" sz="1400" dirty="0"/>
-              <a:t>)</a:t>
-            </a:r>
-            <a:endParaRPr lang="ko-KR" altLang="en-US" sz="1400" dirty="0"/>
-          </a:p>
-        </p:txBody>
-      </p:sp>
-      <p:sp>
-        <p:nvSpPr>
-          <p:cNvPr id="28" name="사각형: 둥근 모서리 27">
-            <a:extLst>
-              <a:ext uri="{FF2B5EF4-FFF2-40B4-BE49-F238E27FC236}">
-                <a16:creationId xmlns:a16="http://schemas.microsoft.com/office/drawing/2014/main" id="{93A97193-7D49-4285-A699-8AA6888FCF95}"/>
-              </a:ext>
-            </a:extLst>
-          </p:cNvPr>
-          <p:cNvSpPr/>
-          <p:nvPr/>
-        </p:nvSpPr>
-        <p:spPr>
-          <a:xfrm>
-            <a:off x="6338392" y="4473429"/>
-            <a:ext cx="1666613" cy="750815"/>
-          </a:xfrm>
-          <a:prstGeom prst="roundRect">
-            <a:avLst/>
-          </a:prstGeom>
-          <a:noFill/>
-          <a:ln>
-            <a:solidFill>
-              <a:schemeClr val="tx1"/>
-            </a:solidFill>
-          </a:ln>
-        </p:spPr>
-        <p:style>
-          <a:lnRef idx="2">
-            <a:schemeClr val="accent1">
-              <a:shade val="50000"/>
-            </a:schemeClr>
-          </a:lnRef>
-          <a:fillRef idx="1">
-            <a:schemeClr val="accent1"/>
-          </a:fillRef>
-          <a:effectRef idx="0">
-            <a:schemeClr val="accent1"/>
-          </a:effectRef>
-          <a:fontRef idx="minor">
-            <a:schemeClr val="lt1"/>
-          </a:fontRef>
-        </p:style>
-        <p:txBody>
-          <a:bodyPr rtlCol="0" anchor="ctr"/>
-          <a:lstStyle/>
-          <a:p>
-            <a:pPr algn="ctr"/>
-            <a:r>
-              <a:rPr lang="ko-KR" altLang="en-US" sz="1400" dirty="0">
-                <a:solidFill>
-                  <a:schemeClr val="tx1"/>
-                </a:solidFill>
-              </a:rPr>
-              <a:t>회원가입</a:t>
-            </a:r>
-            <a:r>
-              <a:rPr lang="en-US" altLang="ko-KR" sz="1400" dirty="0">
-                <a:solidFill>
-                  <a:schemeClr val="tx1"/>
-                </a:solidFill>
-              </a:rPr>
-              <a:t> </a:t>
-            </a:r>
-            <a:r>
-              <a:rPr lang="ko-KR" altLang="en-US" sz="1400" dirty="0">
-                <a:solidFill>
-                  <a:schemeClr val="tx1"/>
-                </a:solidFill>
-              </a:rPr>
-              <a:t>완료</a:t>
-            </a:r>
-          </a:p>
-        </p:txBody>
-      </p:sp>
-      <p:cxnSp>
-        <p:nvCxnSpPr>
-          <p:cNvPr id="29" name="연결선: 꺾임 28">
-            <a:extLst>
-              <a:ext uri="{FF2B5EF4-FFF2-40B4-BE49-F238E27FC236}">
-                <a16:creationId xmlns:a16="http://schemas.microsoft.com/office/drawing/2014/main" id="{247C4AE1-946B-4816-B17D-0CB20BDD2CAC}"/>
-              </a:ext>
-            </a:extLst>
-          </p:cNvPr>
-          <p:cNvCxnSpPr>
-            <a:cxnSpLocks/>
-            <a:stCxn id="14" idx="3"/>
-            <a:endCxn id="28" idx="0"/>
-          </p:cNvCxnSpPr>
-          <p:nvPr/>
-        </p:nvCxnSpPr>
-        <p:spPr>
-          <a:xfrm>
-            <a:off x="5734574" y="3429000"/>
-            <a:ext cx="1437125" cy="1044429"/>
-          </a:xfrm>
-          <a:prstGeom prst="bentConnector2">
-            <a:avLst/>
-          </a:prstGeom>
-          <a:ln>
-            <a:tailEnd type="triangle"/>
-          </a:ln>
-        </p:spPr>
-        <p:style>
-          <a:lnRef idx="1">
-            <a:schemeClr val="accent1"/>
-          </a:lnRef>
-          <a:fillRef idx="0">
-            <a:schemeClr val="accent1"/>
-          </a:fillRef>
-          <a:effectRef idx="0">
-            <a:schemeClr val="accent1"/>
-          </a:effectRef>
-          <a:fontRef idx="minor">
-            <a:schemeClr val="tx1"/>
-          </a:fontRef>
-        </p:style>
-      </p:cxnSp>
-      <p:sp>
-        <p:nvSpPr>
-          <p:cNvPr id="30" name="TextBox 29">
-            <a:extLst>
-              <a:ext uri="{FF2B5EF4-FFF2-40B4-BE49-F238E27FC236}">
-                <a16:creationId xmlns:a16="http://schemas.microsoft.com/office/drawing/2014/main" id="{D6E4F713-E50A-4FFB-8221-F087748C9081}"/>
-              </a:ext>
-            </a:extLst>
-          </p:cNvPr>
-          <p:cNvSpPr txBox="1"/>
-          <p:nvPr/>
-        </p:nvSpPr>
-        <p:spPr>
-          <a:xfrm>
-            <a:off x="5723027" y="3101829"/>
-            <a:ext cx="1949068" cy="307777"/>
-          </a:xfrm>
-          <a:prstGeom prst="rect">
-            <a:avLst/>
-          </a:prstGeom>
-          <a:noFill/>
-        </p:spPr>
-        <p:txBody>
-          <a:bodyPr wrap="square" rtlCol="0">
-            <a:spAutoFit/>
-          </a:bodyPr>
-          <a:lstStyle/>
-          <a:p>
-            <a:r>
-              <a:rPr lang="en-US" altLang="ko-KR" sz="1400" dirty="0"/>
-              <a:t>False(</a:t>
-            </a:r>
-            <a:r>
-              <a:rPr lang="ko-KR" altLang="en-US" sz="1400" dirty="0"/>
-              <a:t>존재하지 않으면</a:t>
-            </a:r>
-            <a:r>
-              <a:rPr lang="en-US" altLang="ko-KR" sz="1400" dirty="0"/>
-              <a:t>)</a:t>
-            </a:r>
-            <a:endParaRPr lang="ko-KR" altLang="en-US" sz="1400" dirty="0"/>
-          </a:p>
-        </p:txBody>
-      </p:sp>
-    </p:spTree>
-    <p:extLst>
-      <p:ext uri="{BB962C8B-B14F-4D97-AF65-F5344CB8AC3E}">
-        <p14:creationId xmlns:p14="http://schemas.microsoft.com/office/powerpoint/2010/main" val="118585613"/>
-      </p:ext>
-    </p:extLst>
-  </p:cSld>
-  <p:clrMapOvr>
-    <a:masterClrMapping/>
-  </p:clrMapOvr>
-</p:sld>
-</file>
-
-<file path=ppt/slides/slide12.xml><?xml version="1.0" encoding="utf-8"?>
-<p:sld xmlns:a="http://schemas.openxmlformats.org/drawingml/2006/main" xmlns:r="http://schemas.openxmlformats.org/officeDocument/2006/relationships" xmlns:p="http://schemas.openxmlformats.org/presentationml/2006/main">
-  <p:cSld>
-    <p:spTree>
-      <p:nvGrpSpPr>
-        <p:cNvPr id="1" name=""/>
-        <p:cNvGrpSpPr/>
-        <p:nvPr/>
-      </p:nvGrpSpPr>
-      <p:grpSpPr>
-        <a:xfrm>
-          <a:off x="0" y="0"/>
-          <a:ext cx="0" cy="0"/>
-          <a:chOff x="0" y="0"/>
-          <a:chExt cx="0" cy="0"/>
-        </a:xfrm>
-      </p:grpSpPr>
-      <p:sp>
-        <p:nvSpPr>
-          <p:cNvPr id="33" name="직사각형 32">
-            <a:extLst>
-              <a:ext uri="{FF2B5EF4-FFF2-40B4-BE49-F238E27FC236}">
-                <a16:creationId xmlns:a16="http://schemas.microsoft.com/office/drawing/2014/main" id="{23B2228D-CCA2-4581-90DA-6055A39E4B43}"/>
-              </a:ext>
-            </a:extLst>
-          </p:cNvPr>
-          <p:cNvSpPr/>
-          <p:nvPr/>
-        </p:nvSpPr>
-        <p:spPr>
-          <a:xfrm>
-            <a:off x="2296485" y="166731"/>
-            <a:ext cx="5840836" cy="5184396"/>
-          </a:xfrm>
-          <a:prstGeom prst="rect">
-            <a:avLst/>
-          </a:prstGeom>
-          <a:noFill/>
-          <a:ln>
-            <a:solidFill>
-              <a:schemeClr val="tx1"/>
-            </a:solidFill>
-          </a:ln>
-        </p:spPr>
-        <p:style>
-          <a:lnRef idx="2">
-            <a:schemeClr val="accent1">
-              <a:shade val="50000"/>
-            </a:schemeClr>
-          </a:lnRef>
-          <a:fillRef idx="1">
-            <a:schemeClr val="accent1"/>
-          </a:fillRef>
-          <a:effectRef idx="0">
-            <a:schemeClr val="accent1"/>
-          </a:effectRef>
-          <a:fontRef idx="minor">
-            <a:schemeClr val="lt1"/>
-          </a:fontRef>
-        </p:style>
-        <p:txBody>
-          <a:bodyPr rtlCol="0" anchor="ctr"/>
-          <a:lstStyle/>
-          <a:p>
-            <a:pPr algn="ctr"/>
-            <a:endParaRPr lang="ko-KR" altLang="en-US"/>
-          </a:p>
-        </p:txBody>
-      </p:sp>
-      <p:sp>
-        <p:nvSpPr>
-          <p:cNvPr id="4" name="사각형: 둥근 모서리 3">
-            <a:extLst>
-              <a:ext uri="{FF2B5EF4-FFF2-40B4-BE49-F238E27FC236}">
-                <a16:creationId xmlns:a16="http://schemas.microsoft.com/office/drawing/2014/main" id="{2FAD11DE-2ED3-4A29-A9FF-148E0AE3F87E}"/>
-              </a:ext>
-            </a:extLst>
-          </p:cNvPr>
-          <p:cNvSpPr/>
-          <p:nvPr/>
-        </p:nvSpPr>
-        <p:spPr>
-          <a:xfrm>
-            <a:off x="4405618" y="293616"/>
-            <a:ext cx="1944848" cy="637562"/>
-          </a:xfrm>
-          <a:prstGeom prst="roundRect">
-            <a:avLst/>
-          </a:prstGeom>
-          <a:noFill/>
-          <a:ln>
-            <a:solidFill>
-              <a:schemeClr val="tx1"/>
-            </a:solidFill>
-          </a:ln>
-        </p:spPr>
-        <p:style>
-          <a:lnRef idx="2">
-            <a:schemeClr val="accent1">
-              <a:shade val="50000"/>
-            </a:schemeClr>
-          </a:lnRef>
-          <a:fillRef idx="1">
-            <a:schemeClr val="accent1"/>
-          </a:fillRef>
-          <a:effectRef idx="0">
-            <a:schemeClr val="accent1"/>
-          </a:effectRef>
-          <a:fontRef idx="minor">
-            <a:schemeClr val="lt1"/>
-          </a:fontRef>
-        </p:style>
-        <p:txBody>
-          <a:bodyPr rtlCol="0" anchor="ctr"/>
-          <a:lstStyle/>
-          <a:p>
-            <a:pPr algn="ctr"/>
-            <a:r>
-              <a:rPr lang="ko-KR" altLang="en-US" sz="1600" dirty="0">
-                <a:solidFill>
-                  <a:schemeClr val="tx1"/>
-                </a:solidFill>
-              </a:rPr>
-              <a:t>사용자</a:t>
-            </a:r>
-            <a:endParaRPr lang="en-US" altLang="ko-KR" sz="1600" dirty="0">
-              <a:solidFill>
-                <a:schemeClr val="tx1"/>
-              </a:solidFill>
-            </a:endParaRPr>
-          </a:p>
-          <a:p>
-            <a:pPr algn="ctr"/>
-            <a:r>
-              <a:rPr lang="en-US" altLang="ko-KR" sz="1600" dirty="0">
-                <a:solidFill>
-                  <a:schemeClr val="tx1"/>
-                </a:solidFill>
-              </a:rPr>
-              <a:t>ID </a:t>
-            </a:r>
-            <a:r>
-              <a:rPr lang="ko-KR" altLang="en-US" sz="1600" dirty="0">
-                <a:solidFill>
-                  <a:schemeClr val="tx1"/>
-                </a:solidFill>
-              </a:rPr>
-              <a:t>입력</a:t>
-            </a:r>
-          </a:p>
-        </p:txBody>
-      </p:sp>
-      <p:sp>
-        <p:nvSpPr>
-          <p:cNvPr id="5" name="사각형: 둥근 모서리 4">
-            <a:extLst>
-              <a:ext uri="{FF2B5EF4-FFF2-40B4-BE49-F238E27FC236}">
-                <a16:creationId xmlns:a16="http://schemas.microsoft.com/office/drawing/2014/main" id="{1574ED17-BE6F-466E-AA0E-33B50F8A7E87}"/>
-              </a:ext>
-            </a:extLst>
-          </p:cNvPr>
-          <p:cNvSpPr/>
-          <p:nvPr/>
-        </p:nvSpPr>
-        <p:spPr>
-          <a:xfrm>
-            <a:off x="4063766" y="1577130"/>
-            <a:ext cx="2639038" cy="838899"/>
-          </a:xfrm>
-          <a:prstGeom prst="roundRect">
-            <a:avLst/>
-          </a:prstGeom>
-          <a:noFill/>
-          <a:ln>
-            <a:solidFill>
-              <a:schemeClr val="tx1"/>
-            </a:solidFill>
-          </a:ln>
-        </p:spPr>
-        <p:style>
-          <a:lnRef idx="2">
-            <a:schemeClr val="accent1">
-              <a:shade val="50000"/>
-            </a:schemeClr>
-          </a:lnRef>
-          <a:fillRef idx="1">
-            <a:schemeClr val="accent1"/>
-          </a:fillRef>
-          <a:effectRef idx="0">
-            <a:schemeClr val="accent1"/>
-          </a:effectRef>
-          <a:fontRef idx="minor">
-            <a:schemeClr val="lt1"/>
-          </a:fontRef>
-        </p:style>
-        <p:txBody>
-          <a:bodyPr rtlCol="0" anchor="ctr"/>
-          <a:lstStyle/>
-          <a:p>
-            <a:pPr algn="ctr"/>
-            <a:r>
-              <a:rPr lang="ko-KR" altLang="en-US" sz="1600" dirty="0">
-                <a:solidFill>
-                  <a:schemeClr val="tx1"/>
-                </a:solidFill>
-              </a:rPr>
-              <a:t>메모장에</a:t>
-            </a:r>
-            <a:r>
-              <a:rPr lang="en-US" altLang="ko-KR" sz="1600" dirty="0">
-                <a:solidFill>
-                  <a:schemeClr val="tx1"/>
-                </a:solidFill>
-              </a:rPr>
-              <a:t> </a:t>
-            </a:r>
-            <a:r>
-              <a:rPr lang="ko-KR" altLang="en-US" sz="1600" dirty="0">
-                <a:solidFill>
-                  <a:schemeClr val="tx1"/>
-                </a:solidFill>
-              </a:rPr>
-              <a:t>해당 </a:t>
-            </a:r>
-            <a:r>
-              <a:rPr lang="en-US" altLang="ko-KR" sz="1600" dirty="0">
-                <a:solidFill>
-                  <a:schemeClr val="tx1"/>
-                </a:solidFill>
-              </a:rPr>
-              <a:t>ID</a:t>
-            </a:r>
-            <a:r>
-              <a:rPr lang="ko-KR" altLang="en-US" sz="1600" dirty="0">
-                <a:solidFill>
-                  <a:schemeClr val="tx1"/>
-                </a:solidFill>
-              </a:rPr>
-              <a:t>가</a:t>
-            </a:r>
-            <a:endParaRPr lang="en-US" altLang="ko-KR" sz="1600" dirty="0">
-              <a:solidFill>
-                <a:schemeClr val="tx1"/>
-              </a:solidFill>
-            </a:endParaRPr>
-          </a:p>
-          <a:p>
-            <a:pPr algn="ctr"/>
-            <a:r>
-              <a:rPr lang="ko-KR" altLang="en-US" sz="1600" dirty="0">
-                <a:solidFill>
-                  <a:schemeClr val="tx1"/>
-                </a:solidFill>
-              </a:rPr>
-              <a:t>존재하는지 확인</a:t>
-            </a:r>
-            <a:endParaRPr lang="en-US" altLang="ko-KR" sz="1600" dirty="0">
-              <a:solidFill>
-                <a:schemeClr val="tx1"/>
-              </a:solidFill>
-            </a:endParaRPr>
-          </a:p>
-        </p:txBody>
-      </p:sp>
-      <p:cxnSp>
-        <p:nvCxnSpPr>
-          <p:cNvPr id="7" name="직선 화살표 연결선 6">
-            <a:extLst>
-              <a:ext uri="{FF2B5EF4-FFF2-40B4-BE49-F238E27FC236}">
-                <a16:creationId xmlns:a16="http://schemas.microsoft.com/office/drawing/2014/main" id="{65FD47FB-A55D-45C4-A060-EAA9738E86DF}"/>
-              </a:ext>
-            </a:extLst>
-          </p:cNvPr>
-          <p:cNvCxnSpPr>
-            <a:cxnSpLocks/>
-            <a:stCxn id="4" idx="2"/>
-            <a:endCxn id="5" idx="0"/>
-          </p:cNvCxnSpPr>
-          <p:nvPr/>
-        </p:nvCxnSpPr>
-        <p:spPr>
-          <a:xfrm>
-            <a:off x="5378042" y="931178"/>
-            <a:ext cx="5243" cy="645952"/>
-          </a:xfrm>
-          <a:prstGeom prst="straightConnector1">
-            <a:avLst/>
-          </a:prstGeom>
-          <a:ln>
-            <a:tailEnd type="triangle"/>
-          </a:ln>
-        </p:spPr>
-        <p:style>
-          <a:lnRef idx="1">
-            <a:schemeClr val="accent1"/>
-          </a:lnRef>
-          <a:fillRef idx="0">
-            <a:schemeClr val="accent1"/>
-          </a:fillRef>
-          <a:effectRef idx="0">
-            <a:schemeClr val="accent1"/>
-          </a:effectRef>
-          <a:fontRef idx="minor">
-            <a:schemeClr val="tx1"/>
-          </a:fontRef>
-        </p:style>
-      </p:cxnSp>
-      <p:sp>
-        <p:nvSpPr>
-          <p:cNvPr id="14" name="순서도: 판단 13">
-            <a:extLst>
-              <a:ext uri="{FF2B5EF4-FFF2-40B4-BE49-F238E27FC236}">
-                <a16:creationId xmlns:a16="http://schemas.microsoft.com/office/drawing/2014/main" id="{4D0791FA-C7BA-45C2-8BC7-8F85FF8F7668}"/>
-              </a:ext>
-            </a:extLst>
-          </p:cNvPr>
-          <p:cNvSpPr/>
-          <p:nvPr/>
-        </p:nvSpPr>
-        <p:spPr>
-          <a:xfrm>
-            <a:off x="5021510" y="3101829"/>
-            <a:ext cx="713064" cy="654342"/>
-          </a:xfrm>
-          <a:prstGeom prst="flowChartDecision">
-            <a:avLst/>
-          </a:prstGeom>
-          <a:solidFill>
-            <a:schemeClr val="accent5">
-              <a:lumMod val="60000"/>
-              <a:lumOff val="40000"/>
-            </a:schemeClr>
-          </a:solidFill>
-        </p:spPr>
-        <p:style>
-          <a:lnRef idx="2">
-            <a:schemeClr val="accent1">
-              <a:shade val="50000"/>
-            </a:schemeClr>
-          </a:lnRef>
-          <a:fillRef idx="1">
-            <a:schemeClr val="accent1"/>
-          </a:fillRef>
-          <a:effectRef idx="0">
-            <a:schemeClr val="accent1"/>
-          </a:effectRef>
-          <a:fontRef idx="minor">
-            <a:schemeClr val="lt1"/>
-          </a:fontRef>
-        </p:style>
-        <p:txBody>
-          <a:bodyPr rtlCol="0" anchor="ctr"/>
-          <a:lstStyle/>
-          <a:p>
-            <a:pPr algn="ctr"/>
-            <a:r>
-              <a:rPr lang="en-US" altLang="ko-KR" dirty="0"/>
-              <a:t>if</a:t>
-            </a:r>
-            <a:endParaRPr lang="ko-KR" altLang="en-US" dirty="0"/>
-          </a:p>
-        </p:txBody>
-      </p:sp>
-      <p:cxnSp>
-        <p:nvCxnSpPr>
-          <p:cNvPr id="15" name="직선 화살표 연결선 14">
-            <a:extLst>
-              <a:ext uri="{FF2B5EF4-FFF2-40B4-BE49-F238E27FC236}">
-                <a16:creationId xmlns:a16="http://schemas.microsoft.com/office/drawing/2014/main" id="{1F8AB522-94AE-4790-8016-40A29B486084}"/>
-              </a:ext>
-            </a:extLst>
-          </p:cNvPr>
-          <p:cNvCxnSpPr>
-            <a:cxnSpLocks/>
-            <a:stCxn id="5" idx="2"/>
-            <a:endCxn id="14" idx="0"/>
-          </p:cNvCxnSpPr>
-          <p:nvPr/>
-        </p:nvCxnSpPr>
-        <p:spPr>
-          <a:xfrm flipH="1">
-            <a:off x="5378042" y="2416029"/>
-            <a:ext cx="5243" cy="685800"/>
-          </a:xfrm>
-          <a:prstGeom prst="straightConnector1">
-            <a:avLst/>
-          </a:prstGeom>
-          <a:ln>
-            <a:tailEnd type="triangle"/>
-          </a:ln>
-        </p:spPr>
-        <p:style>
-          <a:lnRef idx="1">
-            <a:schemeClr val="accent1"/>
-          </a:lnRef>
-          <a:fillRef idx="0">
-            <a:schemeClr val="accent1"/>
-          </a:fillRef>
-          <a:effectRef idx="0">
-            <a:schemeClr val="accent1"/>
-          </a:effectRef>
-          <a:fontRef idx="minor">
-            <a:schemeClr val="tx1"/>
-          </a:fontRef>
-        </p:style>
-      </p:cxnSp>
-      <p:sp>
-        <p:nvSpPr>
-          <p:cNvPr id="21" name="사각형: 둥근 모서리 20">
-            <a:extLst>
-              <a:ext uri="{FF2B5EF4-FFF2-40B4-BE49-F238E27FC236}">
-                <a16:creationId xmlns:a16="http://schemas.microsoft.com/office/drawing/2014/main" id="{D012CCC1-B35F-4988-86D5-FC546593C713}"/>
-              </a:ext>
-            </a:extLst>
-          </p:cNvPr>
-          <p:cNvSpPr/>
-          <p:nvPr/>
-        </p:nvSpPr>
-        <p:spPr>
-          <a:xfrm>
-            <a:off x="2397153" y="4473429"/>
-            <a:ext cx="1666613" cy="750815"/>
-          </a:xfrm>
-          <a:prstGeom prst="roundRect">
-            <a:avLst/>
-          </a:prstGeom>
-          <a:noFill/>
-          <a:ln>
-            <a:solidFill>
-              <a:schemeClr val="tx1"/>
-            </a:solidFill>
-          </a:ln>
-        </p:spPr>
-        <p:style>
-          <a:lnRef idx="2">
-            <a:schemeClr val="accent1">
-              <a:shade val="50000"/>
-            </a:schemeClr>
-          </a:lnRef>
-          <a:fillRef idx="1">
-            <a:schemeClr val="accent1"/>
-          </a:fillRef>
-          <a:effectRef idx="0">
-            <a:schemeClr val="accent1"/>
-          </a:effectRef>
-          <a:fontRef idx="minor">
-            <a:schemeClr val="lt1"/>
-          </a:fontRef>
-        </p:style>
-        <p:txBody>
-          <a:bodyPr rtlCol="0" anchor="ctr"/>
-          <a:lstStyle/>
-          <a:p>
-            <a:pPr algn="ctr"/>
-            <a:r>
-              <a:rPr lang="ko-KR" altLang="en-US" sz="1100" dirty="0">
-                <a:solidFill>
-                  <a:schemeClr val="tx1"/>
-                </a:solidFill>
-              </a:rPr>
-              <a:t>해당 </a:t>
-            </a:r>
-            <a:r>
-              <a:rPr lang="en-US" altLang="ko-KR" sz="1100" dirty="0">
-                <a:solidFill>
-                  <a:schemeClr val="tx1"/>
-                </a:solidFill>
-              </a:rPr>
-              <a:t>ID</a:t>
-            </a:r>
-            <a:r>
-              <a:rPr lang="ko-KR" altLang="en-US" sz="1100" dirty="0">
-                <a:solidFill>
-                  <a:schemeClr val="tx1"/>
-                </a:solidFill>
-              </a:rPr>
-              <a:t>의 </a:t>
-            </a:r>
-            <a:r>
-              <a:rPr lang="en-US" altLang="ko-KR" sz="1100" dirty="0">
-                <a:solidFill>
-                  <a:schemeClr val="tx1"/>
-                </a:solidFill>
-              </a:rPr>
-              <a:t>PW </a:t>
-            </a:r>
-            <a:r>
-              <a:rPr lang="ko-KR" altLang="en-US" sz="1100" dirty="0">
-                <a:solidFill>
-                  <a:schemeClr val="tx1"/>
-                </a:solidFill>
-              </a:rPr>
-              <a:t>출력</a:t>
-            </a:r>
-            <a:endParaRPr lang="en-US" altLang="ko-KR" sz="1100" dirty="0">
-              <a:solidFill>
-                <a:schemeClr val="tx1"/>
-              </a:solidFill>
-            </a:endParaRPr>
-          </a:p>
-        </p:txBody>
-      </p:sp>
-      <p:cxnSp>
-        <p:nvCxnSpPr>
-          <p:cNvPr id="23" name="연결선: 꺾임 22">
-            <a:extLst>
-              <a:ext uri="{FF2B5EF4-FFF2-40B4-BE49-F238E27FC236}">
-                <a16:creationId xmlns:a16="http://schemas.microsoft.com/office/drawing/2014/main" id="{DF8115AF-3F89-4912-B3F0-DEA2493AF576}"/>
-              </a:ext>
-            </a:extLst>
-          </p:cNvPr>
-          <p:cNvCxnSpPr>
-            <a:cxnSpLocks/>
-            <a:stCxn id="14" idx="1"/>
-            <a:endCxn id="21" idx="0"/>
-          </p:cNvCxnSpPr>
-          <p:nvPr/>
-        </p:nvCxnSpPr>
-        <p:spPr>
-          <a:xfrm rot="10800000" flipV="1">
-            <a:off x="3230460" y="3428999"/>
-            <a:ext cx="1791050" cy="1044429"/>
-          </a:xfrm>
-          <a:prstGeom prst="bentConnector2">
-            <a:avLst/>
-          </a:prstGeom>
-          <a:ln>
-            <a:tailEnd type="triangle"/>
-          </a:ln>
-        </p:spPr>
-        <p:style>
-          <a:lnRef idx="1">
-            <a:schemeClr val="accent1"/>
-          </a:lnRef>
-          <a:fillRef idx="0">
-            <a:schemeClr val="accent1"/>
-          </a:fillRef>
-          <a:effectRef idx="0">
-            <a:schemeClr val="accent1"/>
-          </a:effectRef>
-          <a:fontRef idx="minor">
-            <a:schemeClr val="tx1"/>
-          </a:fontRef>
-        </p:style>
-      </p:cxnSp>
-      <p:sp>
-        <p:nvSpPr>
-          <p:cNvPr id="25" name="TextBox 24">
-            <a:extLst>
-              <a:ext uri="{FF2B5EF4-FFF2-40B4-BE49-F238E27FC236}">
-                <a16:creationId xmlns:a16="http://schemas.microsoft.com/office/drawing/2014/main" id="{D0C7D764-9848-4113-BE36-4DCEDE655438}"/>
-              </a:ext>
-            </a:extLst>
-          </p:cNvPr>
-          <p:cNvSpPr txBox="1"/>
-          <p:nvPr/>
-        </p:nvSpPr>
-        <p:spPr>
-          <a:xfrm>
-            <a:off x="3665882" y="3101829"/>
-            <a:ext cx="1355628" cy="307777"/>
-          </a:xfrm>
-          <a:prstGeom prst="rect">
-            <a:avLst/>
-          </a:prstGeom>
-          <a:noFill/>
-        </p:spPr>
-        <p:txBody>
-          <a:bodyPr wrap="none" rtlCol="0">
-            <a:spAutoFit/>
-          </a:bodyPr>
-          <a:lstStyle/>
-          <a:p>
-            <a:r>
-              <a:rPr lang="en-US" altLang="ko-KR" sz="1400" dirty="0"/>
-              <a:t>True(</a:t>
-            </a:r>
-            <a:r>
-              <a:rPr lang="ko-KR" altLang="en-US" sz="1400" dirty="0"/>
-              <a:t>존재하면</a:t>
-            </a:r>
-            <a:r>
-              <a:rPr lang="en-US" altLang="ko-KR" sz="1400" dirty="0"/>
-              <a:t>)</a:t>
-            </a:r>
-            <a:endParaRPr lang="ko-KR" altLang="en-US" sz="1400" dirty="0"/>
-          </a:p>
-        </p:txBody>
-      </p:sp>
-      <p:sp>
-        <p:nvSpPr>
-          <p:cNvPr id="28" name="사각형: 둥근 모서리 27">
-            <a:extLst>
-              <a:ext uri="{FF2B5EF4-FFF2-40B4-BE49-F238E27FC236}">
-                <a16:creationId xmlns:a16="http://schemas.microsoft.com/office/drawing/2014/main" id="{93A97193-7D49-4285-A699-8AA6888FCF95}"/>
-              </a:ext>
-            </a:extLst>
-          </p:cNvPr>
-          <p:cNvSpPr/>
-          <p:nvPr/>
-        </p:nvSpPr>
-        <p:spPr>
-          <a:xfrm>
-            <a:off x="6338392" y="4473429"/>
-            <a:ext cx="1666613" cy="750815"/>
-          </a:xfrm>
-          <a:prstGeom prst="roundRect">
-            <a:avLst/>
-          </a:prstGeom>
-          <a:noFill/>
-          <a:ln>
-            <a:solidFill>
-              <a:schemeClr val="tx1"/>
-            </a:solidFill>
-          </a:ln>
-        </p:spPr>
-        <p:style>
-          <a:lnRef idx="2">
-            <a:schemeClr val="accent1">
-              <a:shade val="50000"/>
-            </a:schemeClr>
-          </a:lnRef>
-          <a:fillRef idx="1">
-            <a:schemeClr val="accent1"/>
-          </a:fillRef>
-          <a:effectRef idx="0">
-            <a:schemeClr val="accent1"/>
-          </a:effectRef>
-          <a:fontRef idx="minor">
-            <a:schemeClr val="lt1"/>
-          </a:fontRef>
-        </p:style>
-        <p:txBody>
-          <a:bodyPr rtlCol="0" anchor="ctr"/>
-          <a:lstStyle/>
-          <a:p>
-            <a:pPr algn="ctr"/>
-            <a:r>
-              <a:rPr lang="ko-KR" altLang="en-US" sz="1100" dirty="0">
-                <a:solidFill>
-                  <a:schemeClr val="tx1"/>
-                </a:solidFill>
-              </a:rPr>
-              <a:t>해당 </a:t>
-            </a:r>
-            <a:r>
-              <a:rPr lang="en-US" altLang="ko-KR" sz="1100" dirty="0">
-                <a:solidFill>
-                  <a:schemeClr val="tx1"/>
-                </a:solidFill>
-              </a:rPr>
-              <a:t>ID </a:t>
-            </a:r>
-            <a:r>
-              <a:rPr lang="ko-KR" altLang="en-US" sz="1100" dirty="0">
-                <a:solidFill>
-                  <a:schemeClr val="tx1"/>
-                </a:solidFill>
-              </a:rPr>
-              <a:t>미 존재 </a:t>
-            </a:r>
-            <a:endParaRPr lang="en-US" altLang="ko-KR" sz="1100" dirty="0">
-              <a:solidFill>
-                <a:schemeClr val="tx1"/>
-              </a:solidFill>
-            </a:endParaRPr>
-          </a:p>
-          <a:p>
-            <a:pPr algn="ctr"/>
-            <a:r>
-              <a:rPr lang="ko-KR" altLang="en-US" sz="1100" dirty="0">
-                <a:solidFill>
-                  <a:schemeClr val="tx1"/>
-                </a:solidFill>
-              </a:rPr>
-              <a:t>알림 및 메인 첫 </a:t>
-            </a:r>
-            <a:endParaRPr lang="en-US" altLang="ko-KR" sz="1100" dirty="0">
-              <a:solidFill>
-                <a:schemeClr val="tx1"/>
-              </a:solidFill>
-            </a:endParaRPr>
-          </a:p>
-          <a:p>
-            <a:pPr algn="ctr"/>
-            <a:r>
-              <a:rPr lang="ko-KR" altLang="en-US" sz="1100" dirty="0">
-                <a:solidFill>
-                  <a:schemeClr val="tx1"/>
-                </a:solidFill>
-              </a:rPr>
-              <a:t>인터페이스로 이동</a:t>
-            </a:r>
-          </a:p>
-        </p:txBody>
-      </p:sp>
-      <p:cxnSp>
-        <p:nvCxnSpPr>
-          <p:cNvPr id="29" name="연결선: 꺾임 28">
-            <a:extLst>
-              <a:ext uri="{FF2B5EF4-FFF2-40B4-BE49-F238E27FC236}">
-                <a16:creationId xmlns:a16="http://schemas.microsoft.com/office/drawing/2014/main" id="{247C4AE1-946B-4816-B17D-0CB20BDD2CAC}"/>
-              </a:ext>
-            </a:extLst>
-          </p:cNvPr>
-          <p:cNvCxnSpPr>
-            <a:cxnSpLocks/>
-            <a:stCxn id="14" idx="3"/>
-            <a:endCxn id="28" idx="0"/>
-          </p:cNvCxnSpPr>
-          <p:nvPr/>
-        </p:nvCxnSpPr>
-        <p:spPr>
-          <a:xfrm>
-            <a:off x="5734574" y="3429000"/>
-            <a:ext cx="1437125" cy="1044429"/>
-          </a:xfrm>
-          <a:prstGeom prst="bentConnector2">
-            <a:avLst/>
-          </a:prstGeom>
-          <a:ln>
-            <a:tailEnd type="triangle"/>
-          </a:ln>
-        </p:spPr>
-        <p:style>
-          <a:lnRef idx="1">
-            <a:schemeClr val="accent1"/>
-          </a:lnRef>
-          <a:fillRef idx="0">
-            <a:schemeClr val="accent1"/>
-          </a:fillRef>
-          <a:effectRef idx="0">
-            <a:schemeClr val="accent1"/>
-          </a:effectRef>
-          <a:fontRef idx="minor">
-            <a:schemeClr val="tx1"/>
-          </a:fontRef>
-        </p:style>
-      </p:cxnSp>
-      <p:sp>
-        <p:nvSpPr>
-          <p:cNvPr id="30" name="TextBox 29">
-            <a:extLst>
-              <a:ext uri="{FF2B5EF4-FFF2-40B4-BE49-F238E27FC236}">
-                <a16:creationId xmlns:a16="http://schemas.microsoft.com/office/drawing/2014/main" id="{D6E4F713-E50A-4FFB-8221-F087748C9081}"/>
-              </a:ext>
-            </a:extLst>
-          </p:cNvPr>
-          <p:cNvSpPr txBox="1"/>
-          <p:nvPr/>
-        </p:nvSpPr>
-        <p:spPr>
-          <a:xfrm>
-            <a:off x="5723027" y="3101829"/>
-            <a:ext cx="1949068" cy="307777"/>
-          </a:xfrm>
-          <a:prstGeom prst="rect">
-            <a:avLst/>
-          </a:prstGeom>
-          <a:noFill/>
-        </p:spPr>
-        <p:txBody>
-          <a:bodyPr wrap="square" rtlCol="0">
-            <a:spAutoFit/>
-          </a:bodyPr>
-          <a:lstStyle/>
-          <a:p>
-            <a:r>
-              <a:rPr lang="en-US" altLang="ko-KR" sz="1400" dirty="0"/>
-              <a:t>False(</a:t>
-            </a:r>
-            <a:r>
-              <a:rPr lang="ko-KR" altLang="en-US" sz="1400" dirty="0"/>
-              <a:t>존재하지 않으면</a:t>
-            </a:r>
-            <a:r>
-              <a:rPr lang="en-US" altLang="ko-KR" sz="1400" dirty="0"/>
-              <a:t>)</a:t>
-            </a:r>
-            <a:endParaRPr lang="ko-KR" altLang="en-US" sz="1400" dirty="0"/>
-          </a:p>
-        </p:txBody>
-      </p:sp>
-    </p:spTree>
-    <p:extLst>
-      <p:ext uri="{BB962C8B-B14F-4D97-AF65-F5344CB8AC3E}">
-        <p14:creationId xmlns:p14="http://schemas.microsoft.com/office/powerpoint/2010/main" val="3240739087"/>
-      </p:ext>
-    </p:extLst>
-  </p:cSld>
-  <p:clrMapOvr>
-    <a:masterClrMapping/>
-  </p:clrMapOvr>
-</p:sld>
-</file>
-
-<file path=ppt/slides/slide13.xml><?xml version="1.0" encoding="utf-8"?>
-<p:sld xmlns:a="http://schemas.openxmlformats.org/drawingml/2006/main" xmlns:r="http://schemas.openxmlformats.org/officeDocument/2006/relationships" xmlns:p="http://schemas.openxmlformats.org/presentationml/2006/main">
-  <p:cSld>
-    <p:spTree>
-      <p:nvGrpSpPr>
-        <p:cNvPr id="1" name=""/>
-        <p:cNvGrpSpPr/>
-        <p:nvPr/>
-      </p:nvGrpSpPr>
-      <p:grpSpPr>
-        <a:xfrm>
-          <a:off x="0" y="0"/>
-          <a:ext cx="0" cy="0"/>
-          <a:chOff x="0" y="0"/>
-          <a:chExt cx="0" cy="0"/>
-        </a:xfrm>
-      </p:grpSpPr>
-      <p:sp>
-        <p:nvSpPr>
-          <p:cNvPr id="33" name="직사각형 32">
-            <a:extLst>
-              <a:ext uri="{FF2B5EF4-FFF2-40B4-BE49-F238E27FC236}">
-                <a16:creationId xmlns:a16="http://schemas.microsoft.com/office/drawing/2014/main" id="{23B2228D-CCA2-4581-90DA-6055A39E4B43}"/>
-              </a:ext>
-            </a:extLst>
-          </p:cNvPr>
-          <p:cNvSpPr/>
-          <p:nvPr/>
-        </p:nvSpPr>
-        <p:spPr>
-          <a:xfrm>
-            <a:off x="2390861" y="922789"/>
-            <a:ext cx="6126315" cy="5368954"/>
-          </a:xfrm>
-          <a:prstGeom prst="rect">
-            <a:avLst/>
-          </a:prstGeom>
-          <a:noFill/>
-          <a:ln>
-            <a:solidFill>
-              <a:schemeClr val="tx1"/>
-            </a:solidFill>
-          </a:ln>
-        </p:spPr>
-        <p:style>
-          <a:lnRef idx="2">
-            <a:schemeClr val="accent1">
-              <a:shade val="50000"/>
-            </a:schemeClr>
-          </a:lnRef>
-          <a:fillRef idx="1">
-            <a:schemeClr val="accent1"/>
-          </a:fillRef>
-          <a:effectRef idx="0">
-            <a:schemeClr val="accent1"/>
-          </a:effectRef>
-          <a:fontRef idx="minor">
-            <a:schemeClr val="lt1"/>
-          </a:fontRef>
-        </p:style>
-        <p:txBody>
-          <a:bodyPr rtlCol="0" anchor="ctr"/>
-          <a:lstStyle/>
-          <a:p>
-            <a:pPr algn="ctr"/>
-            <a:endParaRPr lang="ko-KR" altLang="en-US"/>
-          </a:p>
-        </p:txBody>
-      </p:sp>
-      <p:sp>
-        <p:nvSpPr>
-          <p:cNvPr id="5" name="사각형: 둥근 모서리 4">
-            <a:extLst>
-              <a:ext uri="{FF2B5EF4-FFF2-40B4-BE49-F238E27FC236}">
-                <a16:creationId xmlns:a16="http://schemas.microsoft.com/office/drawing/2014/main" id="{1574ED17-BE6F-466E-AA0E-33B50F8A7E87}"/>
-              </a:ext>
-            </a:extLst>
-          </p:cNvPr>
-          <p:cNvSpPr/>
-          <p:nvPr/>
-        </p:nvSpPr>
-        <p:spPr>
-          <a:xfrm>
-            <a:off x="4101374" y="1093979"/>
-            <a:ext cx="2541261" cy="532700"/>
-          </a:xfrm>
-          <a:prstGeom prst="roundRect">
-            <a:avLst/>
-          </a:prstGeom>
-          <a:noFill/>
-          <a:ln>
-            <a:solidFill>
-              <a:schemeClr val="tx1"/>
-            </a:solidFill>
-          </a:ln>
-        </p:spPr>
-        <p:style>
-          <a:lnRef idx="2">
-            <a:schemeClr val="accent1">
-              <a:shade val="50000"/>
-            </a:schemeClr>
-          </a:lnRef>
-          <a:fillRef idx="1">
-            <a:schemeClr val="accent1"/>
-          </a:fillRef>
-          <a:effectRef idx="0">
-            <a:schemeClr val="accent1"/>
-          </a:effectRef>
-          <a:fontRef idx="minor">
-            <a:schemeClr val="lt1"/>
-          </a:fontRef>
-        </p:style>
-        <p:txBody>
-          <a:bodyPr rtlCol="0" anchor="ctr"/>
-          <a:lstStyle/>
-          <a:p>
-            <a:pPr algn="ctr"/>
-            <a:r>
-              <a:rPr lang="en-US" altLang="ko-KR" sz="1400" dirty="0">
-                <a:solidFill>
-                  <a:schemeClr val="tx1"/>
-                </a:solidFill>
-              </a:rPr>
-              <a:t>5</a:t>
-            </a:r>
-            <a:r>
-              <a:rPr lang="ko-KR" altLang="en-US" sz="1400" dirty="0">
-                <a:solidFill>
-                  <a:schemeClr val="tx1"/>
-                </a:solidFill>
-              </a:rPr>
-              <a:t>자리 숫자</a:t>
-            </a:r>
-            <a:r>
-              <a:rPr lang="en-US" altLang="ko-KR" sz="1400" dirty="0">
-                <a:solidFill>
-                  <a:schemeClr val="tx1"/>
-                </a:solidFill>
-              </a:rPr>
-              <a:t> </a:t>
-            </a:r>
-            <a:r>
-              <a:rPr lang="ko-KR" altLang="en-US" sz="1400" dirty="0">
-                <a:solidFill>
-                  <a:schemeClr val="tx1"/>
-                </a:solidFill>
-              </a:rPr>
-              <a:t>입력 받음</a:t>
-            </a:r>
-            <a:endParaRPr lang="en-US" altLang="ko-KR" sz="1400" dirty="0">
-              <a:solidFill>
-                <a:schemeClr val="tx1"/>
-              </a:solidFill>
-            </a:endParaRPr>
-          </a:p>
-        </p:txBody>
-      </p:sp>
-      <p:sp>
-        <p:nvSpPr>
-          <p:cNvPr id="14" name="순서도: 판단 13">
-            <a:extLst>
-              <a:ext uri="{FF2B5EF4-FFF2-40B4-BE49-F238E27FC236}">
-                <a16:creationId xmlns:a16="http://schemas.microsoft.com/office/drawing/2014/main" id="{4D0791FA-C7BA-45C2-8BC7-8F85FF8F7668}"/>
-              </a:ext>
-            </a:extLst>
-          </p:cNvPr>
-          <p:cNvSpPr/>
-          <p:nvPr/>
-        </p:nvSpPr>
-        <p:spPr>
-          <a:xfrm>
-            <a:off x="5021510" y="3101829"/>
-            <a:ext cx="713064" cy="654342"/>
-          </a:xfrm>
-          <a:prstGeom prst="flowChartDecision">
-            <a:avLst/>
-          </a:prstGeom>
-          <a:solidFill>
-            <a:schemeClr val="accent5">
-              <a:lumMod val="60000"/>
-              <a:lumOff val="40000"/>
-            </a:schemeClr>
-          </a:solidFill>
-        </p:spPr>
-        <p:style>
-          <a:lnRef idx="2">
-            <a:schemeClr val="accent1">
-              <a:shade val="50000"/>
-            </a:schemeClr>
-          </a:lnRef>
-          <a:fillRef idx="1">
-            <a:schemeClr val="accent1"/>
-          </a:fillRef>
-          <a:effectRef idx="0">
-            <a:schemeClr val="accent1"/>
-          </a:effectRef>
-          <a:fontRef idx="minor">
-            <a:schemeClr val="lt1"/>
-          </a:fontRef>
-        </p:style>
-        <p:txBody>
-          <a:bodyPr rtlCol="0" anchor="ctr"/>
-          <a:lstStyle/>
-          <a:p>
-            <a:pPr algn="ctr"/>
-            <a:r>
-              <a:rPr lang="en-US" altLang="ko-KR" dirty="0"/>
-              <a:t>if</a:t>
-            </a:r>
-            <a:endParaRPr lang="ko-KR" altLang="en-US" dirty="0"/>
-          </a:p>
-        </p:txBody>
-      </p:sp>
-      <p:cxnSp>
-        <p:nvCxnSpPr>
-          <p:cNvPr id="15" name="직선 화살표 연결선 14">
-            <a:extLst>
-              <a:ext uri="{FF2B5EF4-FFF2-40B4-BE49-F238E27FC236}">
-                <a16:creationId xmlns:a16="http://schemas.microsoft.com/office/drawing/2014/main" id="{1F8AB522-94AE-4790-8016-40A29B486084}"/>
-              </a:ext>
-            </a:extLst>
-          </p:cNvPr>
-          <p:cNvCxnSpPr>
-            <a:cxnSpLocks/>
-            <a:stCxn id="5" idx="2"/>
-            <a:endCxn id="14" idx="0"/>
-          </p:cNvCxnSpPr>
-          <p:nvPr/>
-        </p:nvCxnSpPr>
-        <p:spPr>
-          <a:xfrm>
-            <a:off x="5372005" y="1626679"/>
-            <a:ext cx="6037" cy="1475150"/>
-          </a:xfrm>
-          <a:prstGeom prst="straightConnector1">
-            <a:avLst/>
-          </a:prstGeom>
-          <a:ln>
-            <a:tailEnd type="triangle"/>
-          </a:ln>
-        </p:spPr>
-        <p:style>
-          <a:lnRef idx="1">
-            <a:schemeClr val="accent1"/>
-          </a:lnRef>
-          <a:fillRef idx="0">
-            <a:schemeClr val="accent1"/>
-          </a:fillRef>
-          <a:effectRef idx="0">
-            <a:schemeClr val="accent1"/>
-          </a:effectRef>
-          <a:fontRef idx="minor">
-            <a:schemeClr val="tx1"/>
-          </a:fontRef>
-        </p:style>
-      </p:cxnSp>
-      <p:sp>
-        <p:nvSpPr>
-          <p:cNvPr id="21" name="사각형: 둥근 모서리 20">
-            <a:extLst>
-              <a:ext uri="{FF2B5EF4-FFF2-40B4-BE49-F238E27FC236}">
-                <a16:creationId xmlns:a16="http://schemas.microsoft.com/office/drawing/2014/main" id="{D012CCC1-B35F-4988-86D5-FC546593C713}"/>
-              </a:ext>
-            </a:extLst>
-          </p:cNvPr>
-          <p:cNvSpPr/>
-          <p:nvPr/>
-        </p:nvSpPr>
-        <p:spPr>
-          <a:xfrm>
-            <a:off x="2421480" y="5444779"/>
-            <a:ext cx="1815845" cy="750815"/>
-          </a:xfrm>
-          <a:prstGeom prst="roundRect">
-            <a:avLst/>
-          </a:prstGeom>
-          <a:noFill/>
-          <a:ln>
-            <a:solidFill>
-              <a:schemeClr val="tx1"/>
-            </a:solidFill>
-          </a:ln>
-        </p:spPr>
-        <p:style>
-          <a:lnRef idx="2">
-            <a:schemeClr val="accent1">
-              <a:shade val="50000"/>
-            </a:schemeClr>
-          </a:lnRef>
-          <a:fillRef idx="1">
-            <a:schemeClr val="accent1"/>
-          </a:fillRef>
-          <a:effectRef idx="0">
-            <a:schemeClr val="accent1"/>
-          </a:effectRef>
-          <a:fontRef idx="minor">
-            <a:schemeClr val="lt1"/>
-          </a:fontRef>
-        </p:style>
-        <p:txBody>
-          <a:bodyPr rtlCol="0" anchor="ctr"/>
-          <a:lstStyle/>
-          <a:p>
-            <a:pPr algn="ctr"/>
-            <a:r>
-              <a:rPr lang="ko-KR" altLang="en-US" sz="1100" dirty="0">
-                <a:solidFill>
-                  <a:schemeClr val="tx1"/>
-                </a:solidFill>
-              </a:rPr>
-              <a:t>나눠 놓은 숫자</a:t>
-            </a:r>
-            <a:endParaRPr lang="en-US" altLang="ko-KR" sz="1100" dirty="0">
-              <a:solidFill>
-                <a:schemeClr val="tx1"/>
-              </a:solidFill>
-            </a:endParaRPr>
-          </a:p>
-          <a:p>
-            <a:pPr algn="ctr"/>
-            <a:r>
-              <a:rPr lang="ko-KR" altLang="en-US" sz="1100" dirty="0">
-                <a:solidFill>
-                  <a:schemeClr val="tx1"/>
-                </a:solidFill>
-              </a:rPr>
-              <a:t>연결리스트 넣을 함수의</a:t>
-            </a:r>
-            <a:endParaRPr lang="en-US" altLang="ko-KR" sz="1100" dirty="0">
-              <a:solidFill>
-                <a:schemeClr val="tx1"/>
-              </a:solidFill>
-            </a:endParaRPr>
-          </a:p>
-          <a:p>
-            <a:pPr algn="ctr"/>
-            <a:r>
-              <a:rPr lang="ko-KR" altLang="en-US" sz="1100" dirty="0">
-                <a:solidFill>
-                  <a:schemeClr val="tx1"/>
-                </a:solidFill>
-              </a:rPr>
-              <a:t>매개변수로 전달</a:t>
-            </a:r>
-            <a:endParaRPr lang="en-US" altLang="ko-KR" sz="1100" dirty="0">
-              <a:solidFill>
-                <a:schemeClr val="tx1"/>
-              </a:solidFill>
-            </a:endParaRPr>
-          </a:p>
-        </p:txBody>
-      </p:sp>
-      <p:cxnSp>
-        <p:nvCxnSpPr>
-          <p:cNvPr id="23" name="연결선: 꺾임 22">
-            <a:extLst>
-              <a:ext uri="{FF2B5EF4-FFF2-40B4-BE49-F238E27FC236}">
-                <a16:creationId xmlns:a16="http://schemas.microsoft.com/office/drawing/2014/main" id="{DF8115AF-3F89-4912-B3F0-DEA2493AF576}"/>
-              </a:ext>
-            </a:extLst>
-          </p:cNvPr>
-          <p:cNvCxnSpPr>
-            <a:cxnSpLocks/>
-            <a:stCxn id="14" idx="1"/>
-            <a:endCxn id="26" idx="0"/>
-          </p:cNvCxnSpPr>
-          <p:nvPr/>
-        </p:nvCxnSpPr>
-        <p:spPr>
-          <a:xfrm rot="10800000" flipV="1">
-            <a:off x="3329404" y="3428999"/>
-            <a:ext cx="1692107" cy="809801"/>
-          </a:xfrm>
-          <a:prstGeom prst="bentConnector2">
-            <a:avLst/>
-          </a:prstGeom>
-          <a:ln>
-            <a:tailEnd type="triangle"/>
-          </a:ln>
-        </p:spPr>
-        <p:style>
-          <a:lnRef idx="1">
-            <a:schemeClr val="accent1"/>
-          </a:lnRef>
-          <a:fillRef idx="0">
-            <a:schemeClr val="accent1"/>
-          </a:fillRef>
-          <a:effectRef idx="0">
-            <a:schemeClr val="accent1"/>
-          </a:effectRef>
-          <a:fontRef idx="minor">
-            <a:schemeClr val="tx1"/>
-          </a:fontRef>
-        </p:style>
-      </p:cxnSp>
-      <p:sp>
-        <p:nvSpPr>
-          <p:cNvPr id="25" name="TextBox 24">
-            <a:extLst>
-              <a:ext uri="{FF2B5EF4-FFF2-40B4-BE49-F238E27FC236}">
-                <a16:creationId xmlns:a16="http://schemas.microsoft.com/office/drawing/2014/main" id="{D0C7D764-9848-4113-BE36-4DCEDE655438}"/>
-              </a:ext>
-            </a:extLst>
-          </p:cNvPr>
-          <p:cNvSpPr txBox="1"/>
-          <p:nvPr/>
-        </p:nvSpPr>
-        <p:spPr>
-          <a:xfrm>
-            <a:off x="3665882" y="3101829"/>
-            <a:ext cx="1455014" cy="307777"/>
-          </a:xfrm>
-          <a:prstGeom prst="rect">
-            <a:avLst/>
-          </a:prstGeom>
-          <a:noFill/>
-        </p:spPr>
-        <p:txBody>
-          <a:bodyPr wrap="none" rtlCol="0">
-            <a:spAutoFit/>
-          </a:bodyPr>
-          <a:lstStyle/>
-          <a:p>
-            <a:r>
-              <a:rPr lang="en-US" altLang="ko-KR" sz="1400" dirty="0"/>
-              <a:t>True(5</a:t>
-            </a:r>
-            <a:r>
-              <a:rPr lang="ko-KR" altLang="en-US" sz="1400" dirty="0"/>
-              <a:t>자리이면</a:t>
-            </a:r>
-            <a:r>
-              <a:rPr lang="en-US" altLang="ko-KR" sz="1400" dirty="0"/>
-              <a:t>)</a:t>
-            </a:r>
-            <a:endParaRPr lang="ko-KR" altLang="en-US" sz="1400" dirty="0"/>
-          </a:p>
-        </p:txBody>
-      </p:sp>
-      <p:sp>
-        <p:nvSpPr>
-          <p:cNvPr id="28" name="사각형: 둥근 모서리 27">
-            <a:extLst>
-              <a:ext uri="{FF2B5EF4-FFF2-40B4-BE49-F238E27FC236}">
-                <a16:creationId xmlns:a16="http://schemas.microsoft.com/office/drawing/2014/main" id="{93A97193-7D49-4285-A699-8AA6888FCF95}"/>
-              </a:ext>
-            </a:extLst>
-          </p:cNvPr>
-          <p:cNvSpPr/>
-          <p:nvPr/>
-        </p:nvSpPr>
-        <p:spPr>
-          <a:xfrm>
-            <a:off x="6338392" y="4473429"/>
-            <a:ext cx="1666613" cy="750815"/>
-          </a:xfrm>
-          <a:prstGeom prst="roundRect">
-            <a:avLst/>
-          </a:prstGeom>
-          <a:noFill/>
-          <a:ln>
-            <a:solidFill>
-              <a:schemeClr val="tx1"/>
-            </a:solidFill>
-          </a:ln>
-        </p:spPr>
-        <p:style>
-          <a:lnRef idx="2">
-            <a:schemeClr val="accent1">
-              <a:shade val="50000"/>
-            </a:schemeClr>
-          </a:lnRef>
-          <a:fillRef idx="1">
-            <a:schemeClr val="accent1"/>
-          </a:fillRef>
-          <a:effectRef idx="0">
-            <a:schemeClr val="accent1"/>
-          </a:effectRef>
-          <a:fontRef idx="minor">
-            <a:schemeClr val="lt1"/>
-          </a:fontRef>
-        </p:style>
-        <p:txBody>
-          <a:bodyPr rtlCol="0" anchor="ctr"/>
-          <a:lstStyle/>
-          <a:p>
-            <a:pPr algn="ctr"/>
-            <a:r>
-              <a:rPr lang="ko-KR" altLang="en-US" sz="1100" dirty="0">
-                <a:solidFill>
-                  <a:schemeClr val="tx1"/>
-                </a:solidFill>
-              </a:rPr>
-              <a:t>재입력 시도</a:t>
-            </a:r>
-            <a:endParaRPr lang="en-US" altLang="ko-KR" sz="1100" dirty="0">
-              <a:solidFill>
-                <a:schemeClr val="tx1"/>
-              </a:solidFill>
-            </a:endParaRPr>
-          </a:p>
-          <a:p>
-            <a:pPr algn="ctr"/>
-            <a:r>
-              <a:rPr lang="en-US" altLang="ko-KR" sz="1100" dirty="0">
-                <a:solidFill>
-                  <a:schemeClr val="tx1"/>
-                </a:solidFill>
-              </a:rPr>
-              <a:t>(</a:t>
-            </a:r>
-            <a:r>
-              <a:rPr lang="ko-KR" altLang="en-US" sz="1100" dirty="0">
-                <a:solidFill>
-                  <a:schemeClr val="tx1"/>
-                </a:solidFill>
-              </a:rPr>
-              <a:t>횟수는 그대로</a:t>
-            </a:r>
-            <a:r>
-              <a:rPr lang="en-US" altLang="ko-KR" sz="1100" dirty="0">
-                <a:solidFill>
-                  <a:schemeClr val="tx1"/>
-                </a:solidFill>
-              </a:rPr>
-              <a:t>)</a:t>
-            </a:r>
-          </a:p>
-        </p:txBody>
-      </p:sp>
-      <p:cxnSp>
-        <p:nvCxnSpPr>
-          <p:cNvPr id="29" name="연결선: 꺾임 28">
-            <a:extLst>
-              <a:ext uri="{FF2B5EF4-FFF2-40B4-BE49-F238E27FC236}">
-                <a16:creationId xmlns:a16="http://schemas.microsoft.com/office/drawing/2014/main" id="{247C4AE1-946B-4816-B17D-0CB20BDD2CAC}"/>
-              </a:ext>
-            </a:extLst>
-          </p:cNvPr>
-          <p:cNvCxnSpPr>
-            <a:cxnSpLocks/>
-            <a:stCxn id="14" idx="3"/>
-            <a:endCxn id="28" idx="0"/>
-          </p:cNvCxnSpPr>
-          <p:nvPr/>
-        </p:nvCxnSpPr>
-        <p:spPr>
-          <a:xfrm>
-            <a:off x="5734574" y="3429000"/>
-            <a:ext cx="1437125" cy="1044429"/>
-          </a:xfrm>
-          <a:prstGeom prst="bentConnector2">
-            <a:avLst/>
-          </a:prstGeom>
-          <a:ln>
-            <a:tailEnd type="triangle"/>
-          </a:ln>
-        </p:spPr>
-        <p:style>
-          <a:lnRef idx="1">
-            <a:schemeClr val="accent1"/>
-          </a:lnRef>
-          <a:fillRef idx="0">
-            <a:schemeClr val="accent1"/>
-          </a:fillRef>
-          <a:effectRef idx="0">
-            <a:schemeClr val="accent1"/>
-          </a:effectRef>
-          <a:fontRef idx="minor">
-            <a:schemeClr val="tx1"/>
-          </a:fontRef>
-        </p:style>
-      </p:cxnSp>
-      <p:sp>
-        <p:nvSpPr>
-          <p:cNvPr id="30" name="TextBox 29">
-            <a:extLst>
-              <a:ext uri="{FF2B5EF4-FFF2-40B4-BE49-F238E27FC236}">
-                <a16:creationId xmlns:a16="http://schemas.microsoft.com/office/drawing/2014/main" id="{D6E4F713-E50A-4FFB-8221-F087748C9081}"/>
-              </a:ext>
-            </a:extLst>
-          </p:cNvPr>
-          <p:cNvSpPr txBox="1"/>
-          <p:nvPr/>
-        </p:nvSpPr>
-        <p:spPr>
-          <a:xfrm>
-            <a:off x="5723026" y="3101829"/>
-            <a:ext cx="2794151" cy="307777"/>
-          </a:xfrm>
-          <a:prstGeom prst="rect">
-            <a:avLst/>
-          </a:prstGeom>
-          <a:noFill/>
-        </p:spPr>
-        <p:txBody>
-          <a:bodyPr wrap="square" rtlCol="0">
-            <a:spAutoFit/>
-          </a:bodyPr>
-          <a:lstStyle/>
-          <a:p>
-            <a:r>
-              <a:rPr lang="en-US" altLang="ko-KR" sz="1400" dirty="0"/>
-              <a:t>False(5</a:t>
-            </a:r>
-            <a:r>
-              <a:rPr lang="ko-KR" altLang="en-US" sz="1400" dirty="0"/>
-              <a:t>자리가 넘거나 적으면</a:t>
-            </a:r>
-            <a:r>
-              <a:rPr lang="en-US" altLang="ko-KR" sz="1400" dirty="0"/>
-              <a:t>)</a:t>
-            </a:r>
-            <a:endParaRPr lang="ko-KR" altLang="en-US" sz="1400" dirty="0"/>
-          </a:p>
-        </p:txBody>
-      </p:sp>
-      <p:sp>
-        <p:nvSpPr>
-          <p:cNvPr id="26" name="사각형: 둥근 모서리 25">
-            <a:extLst>
-              <a:ext uri="{FF2B5EF4-FFF2-40B4-BE49-F238E27FC236}">
-                <a16:creationId xmlns:a16="http://schemas.microsoft.com/office/drawing/2014/main" id="{7D53E58A-E7D4-48A6-A643-AF71B51E3B4C}"/>
-              </a:ext>
-            </a:extLst>
-          </p:cNvPr>
-          <p:cNvSpPr/>
-          <p:nvPr/>
-        </p:nvSpPr>
-        <p:spPr>
-          <a:xfrm>
-            <a:off x="2552318" y="4238801"/>
-            <a:ext cx="1554170" cy="660110"/>
-          </a:xfrm>
-          <a:prstGeom prst="roundRect">
-            <a:avLst/>
-          </a:prstGeom>
-          <a:noFill/>
-          <a:ln>
-            <a:solidFill>
-              <a:schemeClr val="tx1"/>
-            </a:solidFill>
-          </a:ln>
-        </p:spPr>
-        <p:style>
-          <a:lnRef idx="2">
-            <a:schemeClr val="accent1">
-              <a:shade val="50000"/>
-            </a:schemeClr>
-          </a:lnRef>
-          <a:fillRef idx="1">
-            <a:schemeClr val="accent1"/>
-          </a:fillRef>
-          <a:effectRef idx="0">
-            <a:schemeClr val="accent1"/>
-          </a:effectRef>
-          <a:fontRef idx="minor">
-            <a:schemeClr val="lt1"/>
-          </a:fontRef>
-        </p:style>
-        <p:txBody>
-          <a:bodyPr rtlCol="0" anchor="ctr"/>
-          <a:lstStyle/>
-          <a:p>
-            <a:pPr algn="ctr"/>
-            <a:r>
-              <a:rPr lang="ko-KR" altLang="en-US" sz="1400" dirty="0">
-                <a:solidFill>
-                  <a:schemeClr val="tx1"/>
-                </a:solidFill>
-              </a:rPr>
-              <a:t>각 숫자 자리 </a:t>
-            </a:r>
-            <a:endParaRPr lang="en-US" altLang="ko-KR" sz="1400" dirty="0">
-              <a:solidFill>
-                <a:schemeClr val="tx1"/>
-              </a:solidFill>
-            </a:endParaRPr>
-          </a:p>
-          <a:p>
-            <a:pPr algn="ctr"/>
-            <a:r>
-              <a:rPr lang="ko-KR" altLang="en-US" sz="1400" dirty="0">
-                <a:solidFill>
-                  <a:schemeClr val="tx1"/>
-                </a:solidFill>
-              </a:rPr>
-              <a:t>별로 나눠 놓기</a:t>
-            </a:r>
-            <a:endParaRPr lang="en-US" altLang="ko-KR" sz="1400" dirty="0">
-              <a:solidFill>
-                <a:schemeClr val="tx1"/>
-              </a:solidFill>
-            </a:endParaRPr>
-          </a:p>
-        </p:txBody>
-      </p:sp>
-      <p:cxnSp>
-        <p:nvCxnSpPr>
-          <p:cNvPr id="40" name="직선 화살표 연결선 39">
-            <a:extLst>
-              <a:ext uri="{FF2B5EF4-FFF2-40B4-BE49-F238E27FC236}">
-                <a16:creationId xmlns:a16="http://schemas.microsoft.com/office/drawing/2014/main" id="{9E201771-0A14-4FD2-92F0-D7D4B0207B66}"/>
-              </a:ext>
-            </a:extLst>
-          </p:cNvPr>
-          <p:cNvCxnSpPr>
-            <a:cxnSpLocks/>
-            <a:endCxn id="21" idx="0"/>
-          </p:cNvCxnSpPr>
-          <p:nvPr/>
-        </p:nvCxnSpPr>
-        <p:spPr>
-          <a:xfrm>
-            <a:off x="3254787" y="4905916"/>
-            <a:ext cx="74616" cy="538863"/>
-          </a:xfrm>
-          <a:prstGeom prst="straightConnector1">
-            <a:avLst/>
-          </a:prstGeom>
-          <a:ln>
-            <a:tailEnd type="triangle"/>
-          </a:ln>
-        </p:spPr>
-        <p:style>
-          <a:lnRef idx="1">
-            <a:schemeClr val="accent1"/>
-          </a:lnRef>
-          <a:fillRef idx="0">
-            <a:schemeClr val="accent1"/>
-          </a:fillRef>
-          <a:effectRef idx="0">
-            <a:schemeClr val="accent1"/>
-          </a:effectRef>
-          <a:fontRef idx="minor">
-            <a:schemeClr val="tx1"/>
-          </a:fontRef>
-        </p:style>
-      </p:cxnSp>
-    </p:spTree>
-    <p:extLst>
-      <p:ext uri="{BB962C8B-B14F-4D97-AF65-F5344CB8AC3E}">
-        <p14:creationId xmlns:p14="http://schemas.microsoft.com/office/powerpoint/2010/main" val="3728816187"/>
-      </p:ext>
-    </p:extLst>
-  </p:cSld>
-  <p:clrMapOvr>
-    <a:masterClrMapping/>
-  </p:clrMapOvr>
-</p:sld>
-</file>
-
-<file path=ppt/slides/slide14.xml><?xml version="1.0" encoding="utf-8"?>
-<p:sld xmlns:a="http://schemas.openxmlformats.org/drawingml/2006/main" xmlns:r="http://schemas.openxmlformats.org/officeDocument/2006/relationships" xmlns:p="http://schemas.openxmlformats.org/presentationml/2006/main">
-  <p:cSld>
-    <p:spTree>
-      <p:nvGrpSpPr>
-        <p:cNvPr id="1" name=""/>
-        <p:cNvGrpSpPr/>
-        <p:nvPr/>
-      </p:nvGrpSpPr>
-      <p:grpSpPr>
-        <a:xfrm>
-          <a:off x="0" y="0"/>
-          <a:ext cx="0" cy="0"/>
-          <a:chOff x="0" y="0"/>
-          <a:chExt cx="0" cy="0"/>
-        </a:xfrm>
-      </p:grpSpPr>
-      <p:sp>
-        <p:nvSpPr>
-          <p:cNvPr id="33" name="직사각형 32">
-            <a:extLst>
-              <a:ext uri="{FF2B5EF4-FFF2-40B4-BE49-F238E27FC236}">
-                <a16:creationId xmlns:a16="http://schemas.microsoft.com/office/drawing/2014/main" id="{23B2228D-CCA2-4581-90DA-6055A39E4B43}"/>
-              </a:ext>
-            </a:extLst>
-          </p:cNvPr>
-          <p:cNvSpPr/>
-          <p:nvPr/>
-        </p:nvSpPr>
-        <p:spPr>
-          <a:xfrm>
-            <a:off x="2055303" y="922789"/>
-            <a:ext cx="6461873" cy="5855516"/>
-          </a:xfrm>
-          <a:prstGeom prst="rect">
-            <a:avLst/>
-          </a:prstGeom>
-          <a:noFill/>
-          <a:ln>
-            <a:solidFill>
-              <a:schemeClr val="tx1"/>
-            </a:solidFill>
-          </a:ln>
-        </p:spPr>
-        <p:style>
-          <a:lnRef idx="2">
-            <a:schemeClr val="accent1">
-              <a:shade val="50000"/>
-            </a:schemeClr>
-          </a:lnRef>
-          <a:fillRef idx="1">
-            <a:schemeClr val="accent1"/>
-          </a:fillRef>
-          <a:effectRef idx="0">
-            <a:schemeClr val="accent1"/>
-          </a:effectRef>
-          <a:fontRef idx="minor">
-            <a:schemeClr val="lt1"/>
-          </a:fontRef>
-        </p:style>
-        <p:txBody>
-          <a:bodyPr rtlCol="0" anchor="ctr"/>
-          <a:lstStyle/>
-          <a:p>
-            <a:pPr algn="ctr"/>
-            <a:endParaRPr lang="ko-KR" altLang="en-US"/>
-          </a:p>
-        </p:txBody>
-      </p:sp>
-      <p:sp>
-        <p:nvSpPr>
-          <p:cNvPr id="5" name="사각형: 둥근 모서리 4">
-            <a:extLst>
-              <a:ext uri="{FF2B5EF4-FFF2-40B4-BE49-F238E27FC236}">
-                <a16:creationId xmlns:a16="http://schemas.microsoft.com/office/drawing/2014/main" id="{1574ED17-BE6F-466E-AA0E-33B50F8A7E87}"/>
-              </a:ext>
-            </a:extLst>
-          </p:cNvPr>
-          <p:cNvSpPr/>
-          <p:nvPr/>
-        </p:nvSpPr>
-        <p:spPr>
-          <a:xfrm>
-            <a:off x="4106488" y="741109"/>
-            <a:ext cx="2541261" cy="307777"/>
-          </a:xfrm>
-          <a:prstGeom prst="roundRect">
-            <a:avLst/>
-          </a:prstGeom>
-          <a:solidFill>
-            <a:schemeClr val="accent1">
-              <a:lumMod val="40000"/>
-              <a:lumOff val="60000"/>
-            </a:schemeClr>
-          </a:solidFill>
-          <a:ln>
-            <a:noFill/>
-          </a:ln>
-        </p:spPr>
-        <p:style>
-          <a:lnRef idx="2">
-            <a:schemeClr val="accent1">
-              <a:shade val="50000"/>
-            </a:schemeClr>
-          </a:lnRef>
-          <a:fillRef idx="1">
-            <a:schemeClr val="accent1"/>
-          </a:fillRef>
-          <a:effectRef idx="0">
-            <a:schemeClr val="accent1"/>
-          </a:effectRef>
-          <a:fontRef idx="minor">
-            <a:schemeClr val="lt1"/>
-          </a:fontRef>
-        </p:style>
-        <p:txBody>
-          <a:bodyPr rtlCol="0" anchor="ctr"/>
-          <a:lstStyle/>
-          <a:p>
-            <a:pPr algn="ctr"/>
-            <a:r>
-              <a:rPr lang="ko-KR" altLang="en-US" sz="1400" dirty="0">
-                <a:solidFill>
-                  <a:schemeClr val="tx1"/>
-                </a:solidFill>
-              </a:rPr>
-              <a:t>랜덤 값 연결리스트 삽입</a:t>
-            </a:r>
-            <a:endParaRPr lang="en-US" altLang="ko-KR" sz="1400" dirty="0">
-              <a:solidFill>
-                <a:schemeClr val="tx1"/>
-              </a:solidFill>
-            </a:endParaRPr>
-          </a:p>
-        </p:txBody>
-      </p:sp>
-      <p:sp>
-        <p:nvSpPr>
-          <p:cNvPr id="14" name="순서도: 판단 13">
-            <a:extLst>
-              <a:ext uri="{FF2B5EF4-FFF2-40B4-BE49-F238E27FC236}">
-                <a16:creationId xmlns:a16="http://schemas.microsoft.com/office/drawing/2014/main" id="{4D0791FA-C7BA-45C2-8BC7-8F85FF8F7668}"/>
-              </a:ext>
-            </a:extLst>
-          </p:cNvPr>
-          <p:cNvSpPr/>
-          <p:nvPr/>
-        </p:nvSpPr>
-        <p:spPr>
-          <a:xfrm>
-            <a:off x="5021510" y="2518794"/>
-            <a:ext cx="713064" cy="654342"/>
-          </a:xfrm>
-          <a:prstGeom prst="flowChartDecision">
-            <a:avLst/>
-          </a:prstGeom>
-          <a:solidFill>
-            <a:schemeClr val="accent5">
-              <a:lumMod val="60000"/>
-              <a:lumOff val="40000"/>
-            </a:schemeClr>
-          </a:solidFill>
-        </p:spPr>
-        <p:style>
-          <a:lnRef idx="2">
-            <a:schemeClr val="accent1">
-              <a:shade val="50000"/>
-            </a:schemeClr>
-          </a:lnRef>
-          <a:fillRef idx="1">
-            <a:schemeClr val="accent1"/>
-          </a:fillRef>
-          <a:effectRef idx="0">
-            <a:schemeClr val="accent1"/>
-          </a:effectRef>
-          <a:fontRef idx="minor">
-            <a:schemeClr val="lt1"/>
-          </a:fontRef>
-        </p:style>
-        <p:txBody>
-          <a:bodyPr rtlCol="0" anchor="ctr"/>
-          <a:lstStyle/>
-          <a:p>
-            <a:pPr algn="ctr"/>
-            <a:r>
-              <a:rPr lang="en-US" altLang="ko-KR" dirty="0"/>
-              <a:t>if</a:t>
-            </a:r>
-            <a:endParaRPr lang="ko-KR" altLang="en-US" dirty="0"/>
-          </a:p>
-        </p:txBody>
-      </p:sp>
-      <p:cxnSp>
-        <p:nvCxnSpPr>
-          <p:cNvPr id="23" name="연결선: 꺾임 22">
-            <a:extLst>
-              <a:ext uri="{FF2B5EF4-FFF2-40B4-BE49-F238E27FC236}">
-                <a16:creationId xmlns:a16="http://schemas.microsoft.com/office/drawing/2014/main" id="{DF8115AF-3F89-4912-B3F0-DEA2493AF576}"/>
-              </a:ext>
-            </a:extLst>
-          </p:cNvPr>
-          <p:cNvCxnSpPr>
-            <a:cxnSpLocks/>
-            <a:stCxn id="14" idx="1"/>
-            <a:endCxn id="26" idx="0"/>
-          </p:cNvCxnSpPr>
-          <p:nvPr/>
-        </p:nvCxnSpPr>
-        <p:spPr>
-          <a:xfrm rot="10800000" flipV="1">
-            <a:off x="3107108" y="2845964"/>
-            <a:ext cx="1914402" cy="1044429"/>
-          </a:xfrm>
-          <a:prstGeom prst="bentConnector2">
-            <a:avLst/>
-          </a:prstGeom>
-          <a:ln>
-            <a:tailEnd type="triangle"/>
-          </a:ln>
-        </p:spPr>
-        <p:style>
-          <a:lnRef idx="1">
-            <a:schemeClr val="accent1"/>
-          </a:lnRef>
-          <a:fillRef idx="0">
-            <a:schemeClr val="accent1"/>
-          </a:fillRef>
-          <a:effectRef idx="0">
-            <a:schemeClr val="accent1"/>
-          </a:effectRef>
-          <a:fontRef idx="minor">
-            <a:schemeClr val="tx1"/>
-          </a:fontRef>
-        </p:style>
-      </p:cxnSp>
-      <p:sp>
-        <p:nvSpPr>
-          <p:cNvPr id="25" name="TextBox 24">
-            <a:extLst>
-              <a:ext uri="{FF2B5EF4-FFF2-40B4-BE49-F238E27FC236}">
-                <a16:creationId xmlns:a16="http://schemas.microsoft.com/office/drawing/2014/main" id="{D0C7D764-9848-4113-BE36-4DCEDE655438}"/>
-              </a:ext>
-            </a:extLst>
-          </p:cNvPr>
-          <p:cNvSpPr txBox="1"/>
-          <p:nvPr/>
-        </p:nvSpPr>
-        <p:spPr>
-          <a:xfrm>
-            <a:off x="5721157" y="2518794"/>
-            <a:ext cx="2791547" cy="307777"/>
-          </a:xfrm>
-          <a:prstGeom prst="rect">
-            <a:avLst/>
-          </a:prstGeom>
-          <a:noFill/>
-        </p:spPr>
-        <p:txBody>
-          <a:bodyPr wrap="square" rtlCol="0">
-            <a:spAutoFit/>
-          </a:bodyPr>
-          <a:lstStyle/>
-          <a:p>
-            <a:r>
-              <a:rPr lang="en-US" altLang="ko-KR" sz="1400" dirty="0"/>
-              <a:t>False</a:t>
-            </a:r>
-            <a:r>
-              <a:rPr lang="en-US" altLang="ko-KR" sz="1000" dirty="0"/>
-              <a:t>(</a:t>
-            </a:r>
-            <a:r>
-              <a:rPr lang="ko-KR" altLang="en-US" sz="1000" dirty="0"/>
-              <a:t>동일한 숫자</a:t>
-            </a:r>
-            <a:r>
-              <a:rPr lang="en-US" altLang="ko-KR" sz="1000" dirty="0"/>
-              <a:t> </a:t>
-            </a:r>
-            <a:r>
-              <a:rPr lang="ko-KR" altLang="en-US" sz="1000" dirty="0"/>
-              <a:t>연결리스트에 없을 시</a:t>
-            </a:r>
-            <a:r>
-              <a:rPr lang="en-US" altLang="ko-KR" sz="1000" dirty="0"/>
-              <a:t>)</a:t>
-            </a:r>
-            <a:endParaRPr lang="ko-KR" altLang="en-US" sz="1100" dirty="0"/>
-          </a:p>
-        </p:txBody>
-      </p:sp>
-      <p:cxnSp>
-        <p:nvCxnSpPr>
-          <p:cNvPr id="29" name="연결선: 꺾임 28">
-            <a:extLst>
-              <a:ext uri="{FF2B5EF4-FFF2-40B4-BE49-F238E27FC236}">
-                <a16:creationId xmlns:a16="http://schemas.microsoft.com/office/drawing/2014/main" id="{247C4AE1-946B-4816-B17D-0CB20BDD2CAC}"/>
-              </a:ext>
-            </a:extLst>
-          </p:cNvPr>
-          <p:cNvCxnSpPr>
-            <a:cxnSpLocks/>
-            <a:stCxn id="14" idx="3"/>
-            <a:endCxn id="17" idx="0"/>
-          </p:cNvCxnSpPr>
-          <p:nvPr/>
-        </p:nvCxnSpPr>
-        <p:spPr>
-          <a:xfrm>
-            <a:off x="5734574" y="2845965"/>
-            <a:ext cx="1646622" cy="1044429"/>
-          </a:xfrm>
-          <a:prstGeom prst="bentConnector2">
-            <a:avLst/>
-          </a:prstGeom>
-          <a:ln>
-            <a:tailEnd type="triangle"/>
-          </a:ln>
-        </p:spPr>
-        <p:style>
-          <a:lnRef idx="1">
-            <a:schemeClr val="accent1"/>
-          </a:lnRef>
-          <a:fillRef idx="0">
-            <a:schemeClr val="accent1"/>
-          </a:fillRef>
-          <a:effectRef idx="0">
-            <a:schemeClr val="accent1"/>
-          </a:effectRef>
-          <a:fontRef idx="minor">
-            <a:schemeClr val="tx1"/>
-          </a:fontRef>
-        </p:style>
-      </p:cxnSp>
-      <p:sp>
-        <p:nvSpPr>
-          <p:cNvPr id="30" name="TextBox 29">
-            <a:extLst>
-              <a:ext uri="{FF2B5EF4-FFF2-40B4-BE49-F238E27FC236}">
-                <a16:creationId xmlns:a16="http://schemas.microsoft.com/office/drawing/2014/main" id="{D6E4F713-E50A-4FFB-8221-F087748C9081}"/>
-              </a:ext>
-            </a:extLst>
-          </p:cNvPr>
-          <p:cNvSpPr txBox="1"/>
-          <p:nvPr/>
-        </p:nvSpPr>
-        <p:spPr>
-          <a:xfrm>
-            <a:off x="2659867" y="2518794"/>
-            <a:ext cx="2794151" cy="307777"/>
-          </a:xfrm>
-          <a:prstGeom prst="rect">
-            <a:avLst/>
-          </a:prstGeom>
-          <a:noFill/>
-        </p:spPr>
-        <p:txBody>
-          <a:bodyPr wrap="square" rtlCol="0">
-            <a:spAutoFit/>
-          </a:bodyPr>
-          <a:lstStyle/>
-          <a:p>
-            <a:r>
-              <a:rPr lang="en-US" altLang="ko-KR" sz="1400" dirty="0"/>
-              <a:t>True</a:t>
-            </a:r>
-            <a:r>
-              <a:rPr lang="en-US" altLang="ko-KR" sz="1000" dirty="0"/>
-              <a:t>(</a:t>
-            </a:r>
-            <a:r>
-              <a:rPr lang="ko-KR" altLang="en-US" sz="1000" dirty="0"/>
-              <a:t>동일한 숫자 연결리스트에 존재 시</a:t>
-            </a:r>
-            <a:r>
-              <a:rPr lang="en-US" altLang="ko-KR" sz="1000" dirty="0"/>
-              <a:t>)</a:t>
-            </a:r>
-            <a:endParaRPr lang="ko-KR" altLang="en-US" sz="1400" dirty="0"/>
-          </a:p>
-        </p:txBody>
-      </p:sp>
-      <p:sp>
-        <p:nvSpPr>
-          <p:cNvPr id="26" name="사각형: 둥근 모서리 25">
-            <a:extLst>
-              <a:ext uri="{FF2B5EF4-FFF2-40B4-BE49-F238E27FC236}">
-                <a16:creationId xmlns:a16="http://schemas.microsoft.com/office/drawing/2014/main" id="{7D53E58A-E7D4-48A6-A643-AF71B51E3B4C}"/>
-              </a:ext>
-            </a:extLst>
-          </p:cNvPr>
-          <p:cNvSpPr/>
-          <p:nvPr/>
-        </p:nvSpPr>
-        <p:spPr>
-          <a:xfrm>
-            <a:off x="2552318" y="3890394"/>
-            <a:ext cx="1109579" cy="538863"/>
-          </a:xfrm>
-          <a:prstGeom prst="roundRect">
-            <a:avLst/>
-          </a:prstGeom>
-          <a:noFill/>
-          <a:ln>
-            <a:solidFill>
-              <a:schemeClr val="tx1"/>
-            </a:solidFill>
-          </a:ln>
-        </p:spPr>
-        <p:style>
-          <a:lnRef idx="2">
-            <a:schemeClr val="accent1">
-              <a:shade val="50000"/>
-            </a:schemeClr>
-          </a:lnRef>
-          <a:fillRef idx="1">
-            <a:schemeClr val="accent1"/>
-          </a:fillRef>
-          <a:effectRef idx="0">
-            <a:schemeClr val="accent1"/>
-          </a:effectRef>
-          <a:fontRef idx="minor">
-            <a:schemeClr val="lt1"/>
-          </a:fontRef>
-        </p:style>
-        <p:txBody>
-          <a:bodyPr rtlCol="0" anchor="ctr"/>
-          <a:lstStyle/>
-          <a:p>
-            <a:pPr algn="ctr"/>
-            <a:r>
-              <a:rPr lang="ko-KR" altLang="en-US" sz="1100" dirty="0">
-                <a:solidFill>
-                  <a:schemeClr val="tx1"/>
-                </a:solidFill>
-              </a:rPr>
-              <a:t>다시 랜덤 값</a:t>
-            </a:r>
-            <a:endParaRPr lang="en-US" altLang="ko-KR" sz="1100" dirty="0">
-              <a:solidFill>
-                <a:schemeClr val="tx1"/>
-              </a:solidFill>
-            </a:endParaRPr>
-          </a:p>
-          <a:p>
-            <a:pPr algn="ctr"/>
-            <a:r>
-              <a:rPr lang="ko-KR" altLang="en-US" sz="1100" dirty="0">
-                <a:solidFill>
-                  <a:schemeClr val="tx1"/>
-                </a:solidFill>
-              </a:rPr>
-              <a:t>불러옴</a:t>
-            </a:r>
-            <a:endParaRPr lang="en-US" altLang="ko-KR" sz="1100" dirty="0">
-              <a:solidFill>
-                <a:schemeClr val="tx1"/>
-              </a:solidFill>
-            </a:endParaRPr>
-          </a:p>
-        </p:txBody>
-      </p:sp>
-      <p:sp>
-        <p:nvSpPr>
-          <p:cNvPr id="17" name="사각형: 둥근 모서리 16">
-            <a:extLst>
-              <a:ext uri="{FF2B5EF4-FFF2-40B4-BE49-F238E27FC236}">
-                <a16:creationId xmlns:a16="http://schemas.microsoft.com/office/drawing/2014/main" id="{54FAC8F2-18F6-421F-A494-465DB70CBD7A}"/>
-              </a:ext>
-            </a:extLst>
-          </p:cNvPr>
-          <p:cNvSpPr/>
-          <p:nvPr/>
-        </p:nvSpPr>
-        <p:spPr>
-          <a:xfrm>
-            <a:off x="6826406" y="3890394"/>
-            <a:ext cx="1109579" cy="538863"/>
-          </a:xfrm>
-          <a:prstGeom prst="roundRect">
-            <a:avLst/>
-          </a:prstGeom>
-          <a:noFill/>
-          <a:ln>
-            <a:solidFill>
-              <a:schemeClr val="tx1"/>
-            </a:solidFill>
-          </a:ln>
-        </p:spPr>
-        <p:style>
-          <a:lnRef idx="2">
-            <a:schemeClr val="accent1">
-              <a:shade val="50000"/>
-            </a:schemeClr>
-          </a:lnRef>
-          <a:fillRef idx="1">
-            <a:schemeClr val="accent1"/>
-          </a:fillRef>
-          <a:effectRef idx="0">
-            <a:schemeClr val="accent1"/>
-          </a:effectRef>
-          <a:fontRef idx="minor">
-            <a:schemeClr val="lt1"/>
-          </a:fontRef>
-        </p:style>
-        <p:txBody>
-          <a:bodyPr rtlCol="0" anchor="ctr"/>
-          <a:lstStyle/>
-          <a:p>
-            <a:pPr algn="ctr"/>
-            <a:r>
-              <a:rPr lang="ko-KR" altLang="en-US" sz="1100" dirty="0">
-                <a:solidFill>
-                  <a:schemeClr val="tx1"/>
-                </a:solidFill>
-              </a:rPr>
-              <a:t>다음 노드로</a:t>
-            </a:r>
-            <a:endParaRPr lang="en-US" altLang="ko-KR" sz="1100" dirty="0">
-              <a:solidFill>
-                <a:schemeClr val="tx1"/>
-              </a:solidFill>
-            </a:endParaRPr>
-          </a:p>
-          <a:p>
-            <a:pPr algn="ctr"/>
-            <a:r>
-              <a:rPr lang="ko-KR" altLang="en-US" sz="1100" dirty="0">
-                <a:solidFill>
-                  <a:schemeClr val="tx1"/>
-                </a:solidFill>
-              </a:rPr>
-              <a:t>넘어 감</a:t>
-            </a:r>
-            <a:endParaRPr lang="en-US" altLang="ko-KR" sz="1100" dirty="0">
-              <a:solidFill>
-                <a:schemeClr val="tx1"/>
-              </a:solidFill>
-            </a:endParaRPr>
-          </a:p>
-        </p:txBody>
-      </p:sp>
-      <p:cxnSp>
-        <p:nvCxnSpPr>
-          <p:cNvPr id="24" name="직선 화살표 연결선 23">
-            <a:extLst>
-              <a:ext uri="{FF2B5EF4-FFF2-40B4-BE49-F238E27FC236}">
-                <a16:creationId xmlns:a16="http://schemas.microsoft.com/office/drawing/2014/main" id="{78AF5443-DFAE-4BE6-BF29-D09535742B62}"/>
-              </a:ext>
-            </a:extLst>
-          </p:cNvPr>
-          <p:cNvCxnSpPr>
-            <a:cxnSpLocks/>
-            <a:stCxn id="14" idx="2"/>
-            <a:endCxn id="32" idx="0"/>
-          </p:cNvCxnSpPr>
-          <p:nvPr/>
-        </p:nvCxnSpPr>
-        <p:spPr>
-          <a:xfrm flipH="1">
-            <a:off x="5377118" y="3173136"/>
-            <a:ext cx="924" cy="1321523"/>
-          </a:xfrm>
-          <a:prstGeom prst="straightConnector1">
-            <a:avLst/>
-          </a:prstGeom>
-          <a:ln>
-            <a:tailEnd type="triangle"/>
-          </a:ln>
-        </p:spPr>
-        <p:style>
-          <a:lnRef idx="1">
-            <a:schemeClr val="accent1"/>
-          </a:lnRef>
-          <a:fillRef idx="0">
-            <a:schemeClr val="accent1"/>
-          </a:fillRef>
-          <a:effectRef idx="0">
-            <a:schemeClr val="accent1"/>
-          </a:effectRef>
-          <a:fontRef idx="minor">
-            <a:schemeClr val="tx1"/>
-          </a:fontRef>
-        </p:style>
-      </p:cxnSp>
-      <p:sp>
-        <p:nvSpPr>
-          <p:cNvPr id="27" name="사각형: 둥근 모서리 26">
-            <a:extLst>
-              <a:ext uri="{FF2B5EF4-FFF2-40B4-BE49-F238E27FC236}">
-                <a16:creationId xmlns:a16="http://schemas.microsoft.com/office/drawing/2014/main" id="{303FE114-BA78-4AD8-99C4-987BE9ED6F41}"/>
-              </a:ext>
-            </a:extLst>
-          </p:cNvPr>
-          <p:cNvSpPr/>
-          <p:nvPr/>
-        </p:nvSpPr>
-        <p:spPr>
-          <a:xfrm>
-            <a:off x="4404694" y="1402011"/>
-            <a:ext cx="1944848" cy="637562"/>
-          </a:xfrm>
-          <a:prstGeom prst="roundRect">
-            <a:avLst/>
-          </a:prstGeom>
-          <a:noFill/>
-          <a:ln>
-            <a:solidFill>
-              <a:schemeClr val="tx1"/>
-            </a:solidFill>
-          </a:ln>
-        </p:spPr>
-        <p:style>
-          <a:lnRef idx="2">
-            <a:schemeClr val="accent1">
-              <a:shade val="50000"/>
-            </a:schemeClr>
-          </a:lnRef>
-          <a:fillRef idx="1">
-            <a:schemeClr val="accent1"/>
-          </a:fillRef>
-          <a:effectRef idx="0">
-            <a:schemeClr val="accent1"/>
-          </a:effectRef>
-          <a:fontRef idx="minor">
-            <a:schemeClr val="lt1"/>
-          </a:fontRef>
-        </p:style>
-        <p:txBody>
-          <a:bodyPr rtlCol="0" anchor="ctr"/>
-          <a:lstStyle/>
-          <a:p>
-            <a:pPr algn="ctr"/>
-            <a:r>
-              <a:rPr lang="ko-KR" altLang="en-US" sz="1400" dirty="0">
-                <a:solidFill>
-                  <a:schemeClr val="tx1"/>
-                </a:solidFill>
-              </a:rPr>
-              <a:t>랜덤 값 </a:t>
-            </a:r>
-            <a:r>
-              <a:rPr lang="en-US" altLang="ko-KR" sz="1400" dirty="0">
-                <a:solidFill>
-                  <a:schemeClr val="tx1"/>
-                </a:solidFill>
-              </a:rPr>
-              <a:t>int</a:t>
-            </a:r>
-            <a:r>
-              <a:rPr lang="ko-KR" altLang="en-US" sz="1400" dirty="0">
-                <a:solidFill>
-                  <a:schemeClr val="tx1"/>
-                </a:solidFill>
-              </a:rPr>
-              <a:t>형</a:t>
-            </a:r>
-            <a:endParaRPr lang="en-US" altLang="ko-KR" sz="1400" dirty="0">
-              <a:solidFill>
-                <a:schemeClr val="tx1"/>
-              </a:solidFill>
-            </a:endParaRPr>
-          </a:p>
-          <a:p>
-            <a:pPr algn="ctr"/>
-            <a:r>
-              <a:rPr lang="ko-KR" altLang="en-US" sz="1400" dirty="0">
-                <a:solidFill>
-                  <a:schemeClr val="tx1"/>
-                </a:solidFill>
-              </a:rPr>
-              <a:t>변수에 삽입</a:t>
-            </a:r>
-            <a:endParaRPr lang="en-US" altLang="ko-KR" sz="1400" dirty="0">
-              <a:solidFill>
-                <a:schemeClr val="tx1"/>
-              </a:solidFill>
-            </a:endParaRPr>
-          </a:p>
-        </p:txBody>
-      </p:sp>
-      <p:cxnSp>
-        <p:nvCxnSpPr>
-          <p:cNvPr id="31" name="직선 화살표 연결선 30">
-            <a:extLst>
-              <a:ext uri="{FF2B5EF4-FFF2-40B4-BE49-F238E27FC236}">
-                <a16:creationId xmlns:a16="http://schemas.microsoft.com/office/drawing/2014/main" id="{58E7E0AE-AD12-48E3-B416-10381495F1AB}"/>
-              </a:ext>
-            </a:extLst>
-          </p:cNvPr>
-          <p:cNvCxnSpPr>
-            <a:cxnSpLocks/>
-            <a:stCxn id="27" idx="2"/>
-            <a:endCxn id="14" idx="0"/>
-          </p:cNvCxnSpPr>
-          <p:nvPr/>
-        </p:nvCxnSpPr>
-        <p:spPr>
-          <a:xfrm>
-            <a:off x="5377118" y="2039573"/>
-            <a:ext cx="924" cy="479221"/>
-          </a:xfrm>
-          <a:prstGeom prst="straightConnector1">
-            <a:avLst/>
-          </a:prstGeom>
-          <a:ln>
-            <a:tailEnd type="triangle"/>
-          </a:ln>
-        </p:spPr>
-        <p:style>
-          <a:lnRef idx="1">
-            <a:schemeClr val="accent1"/>
-          </a:lnRef>
-          <a:fillRef idx="0">
-            <a:schemeClr val="accent1"/>
-          </a:fillRef>
-          <a:effectRef idx="0">
-            <a:schemeClr val="accent1"/>
-          </a:effectRef>
-          <a:fontRef idx="minor">
-            <a:schemeClr val="tx1"/>
-          </a:fontRef>
-        </p:style>
-      </p:cxnSp>
-      <p:sp>
-        <p:nvSpPr>
-          <p:cNvPr id="32" name="사각형: 둥근 모서리 31">
-            <a:extLst>
-              <a:ext uri="{FF2B5EF4-FFF2-40B4-BE49-F238E27FC236}">
-                <a16:creationId xmlns:a16="http://schemas.microsoft.com/office/drawing/2014/main" id="{873757C6-CD29-4C20-BF67-11C02A8F90FF}"/>
-              </a:ext>
-            </a:extLst>
-          </p:cNvPr>
-          <p:cNvSpPr/>
-          <p:nvPr/>
-        </p:nvSpPr>
-        <p:spPr>
-          <a:xfrm>
-            <a:off x="4458646" y="4494659"/>
-            <a:ext cx="1836944" cy="654343"/>
-          </a:xfrm>
-          <a:prstGeom prst="roundRect">
-            <a:avLst/>
-          </a:prstGeom>
-          <a:noFill/>
-          <a:ln>
-            <a:solidFill>
-              <a:schemeClr val="tx1"/>
-            </a:solidFill>
-          </a:ln>
-        </p:spPr>
-        <p:style>
-          <a:lnRef idx="2">
-            <a:schemeClr val="accent1">
-              <a:shade val="50000"/>
-            </a:schemeClr>
-          </a:lnRef>
-          <a:fillRef idx="1">
-            <a:schemeClr val="accent1"/>
-          </a:fillRef>
-          <a:effectRef idx="0">
-            <a:schemeClr val="accent1"/>
-          </a:effectRef>
-          <a:fontRef idx="minor">
-            <a:schemeClr val="lt1"/>
-          </a:fontRef>
-        </p:style>
-        <p:txBody>
-          <a:bodyPr rtlCol="0" anchor="ctr"/>
-          <a:lstStyle/>
-          <a:p>
-            <a:pPr algn="ctr"/>
-            <a:r>
-              <a:rPr lang="ko-KR" altLang="en-US" sz="1100" dirty="0">
-                <a:solidFill>
-                  <a:schemeClr val="tx1"/>
-                </a:solidFill>
-              </a:rPr>
-              <a:t>연결리스트 넣은 횟수가</a:t>
-            </a:r>
-            <a:endParaRPr lang="en-US" altLang="ko-KR" sz="1100" dirty="0">
-              <a:solidFill>
-                <a:schemeClr val="tx1"/>
-              </a:solidFill>
-            </a:endParaRPr>
-          </a:p>
-          <a:p>
-            <a:pPr algn="ctr"/>
-            <a:r>
-              <a:rPr lang="en-US" altLang="ko-KR" sz="1100" dirty="0">
-                <a:solidFill>
-                  <a:schemeClr val="tx1"/>
-                </a:solidFill>
-              </a:rPr>
-              <a:t>5</a:t>
-            </a:r>
-            <a:r>
-              <a:rPr lang="ko-KR" altLang="en-US" sz="1100" dirty="0">
-                <a:solidFill>
-                  <a:schemeClr val="tx1"/>
-                </a:solidFill>
-              </a:rPr>
-              <a:t>번이 넘을 경우</a:t>
-            </a:r>
-            <a:endParaRPr lang="en-US" altLang="ko-KR" sz="1100" dirty="0">
-              <a:solidFill>
-                <a:schemeClr val="tx1"/>
-              </a:solidFill>
-            </a:endParaRPr>
-          </a:p>
-        </p:txBody>
-      </p:sp>
-      <p:cxnSp>
-        <p:nvCxnSpPr>
-          <p:cNvPr id="42" name="직선 화살표 연결선 41">
-            <a:extLst>
-              <a:ext uri="{FF2B5EF4-FFF2-40B4-BE49-F238E27FC236}">
-                <a16:creationId xmlns:a16="http://schemas.microsoft.com/office/drawing/2014/main" id="{559817EF-4BC7-4A7A-87BE-B3E40D64D4D6}"/>
-              </a:ext>
-            </a:extLst>
-          </p:cNvPr>
-          <p:cNvCxnSpPr>
-            <a:cxnSpLocks/>
-            <a:stCxn id="32" idx="2"/>
-            <a:endCxn id="55" idx="0"/>
-          </p:cNvCxnSpPr>
-          <p:nvPr/>
-        </p:nvCxnSpPr>
-        <p:spPr>
-          <a:xfrm>
-            <a:off x="5377118" y="5149002"/>
-            <a:ext cx="0" cy="494479"/>
-          </a:xfrm>
-          <a:prstGeom prst="straightConnector1">
-            <a:avLst/>
-          </a:prstGeom>
-          <a:ln>
-            <a:tailEnd type="triangle"/>
-          </a:ln>
-        </p:spPr>
-        <p:style>
-          <a:lnRef idx="1">
-            <a:schemeClr val="accent1"/>
-          </a:lnRef>
-          <a:fillRef idx="0">
-            <a:schemeClr val="accent1"/>
-          </a:fillRef>
-          <a:effectRef idx="0">
-            <a:schemeClr val="accent1"/>
-          </a:effectRef>
-          <a:fontRef idx="minor">
-            <a:schemeClr val="tx1"/>
-          </a:fontRef>
-        </p:style>
-      </p:cxnSp>
-      <p:cxnSp>
-        <p:nvCxnSpPr>
-          <p:cNvPr id="45" name="연결선: 꺾임 44">
-            <a:extLst>
-              <a:ext uri="{FF2B5EF4-FFF2-40B4-BE49-F238E27FC236}">
-                <a16:creationId xmlns:a16="http://schemas.microsoft.com/office/drawing/2014/main" id="{BD88B341-0642-45D2-920E-F5AAF82BA224}"/>
-              </a:ext>
-            </a:extLst>
-          </p:cNvPr>
-          <p:cNvCxnSpPr>
-            <a:cxnSpLocks/>
-            <a:stCxn id="32" idx="1"/>
-            <a:endCxn id="27" idx="1"/>
-          </p:cNvCxnSpPr>
-          <p:nvPr/>
-        </p:nvCxnSpPr>
-        <p:spPr>
-          <a:xfrm rot="10800000">
-            <a:off x="4404694" y="1720793"/>
-            <a:ext cx="53952" cy="3101039"/>
-          </a:xfrm>
-          <a:prstGeom prst="bentConnector3">
-            <a:avLst>
-              <a:gd name="adj1" fmla="val 523710"/>
-            </a:avLst>
-          </a:prstGeom>
-          <a:ln>
-            <a:tailEnd type="triangle"/>
-          </a:ln>
-        </p:spPr>
-        <p:style>
-          <a:lnRef idx="1">
-            <a:schemeClr val="accent1"/>
-          </a:lnRef>
-          <a:fillRef idx="0">
-            <a:schemeClr val="accent1"/>
-          </a:fillRef>
-          <a:effectRef idx="0">
-            <a:schemeClr val="accent1"/>
-          </a:effectRef>
-          <a:fontRef idx="minor">
-            <a:schemeClr val="tx1"/>
-          </a:fontRef>
-        </p:style>
-      </p:cxnSp>
-      <p:sp>
-        <p:nvSpPr>
-          <p:cNvPr id="48" name="TextBox 47">
-            <a:extLst>
-              <a:ext uri="{FF2B5EF4-FFF2-40B4-BE49-F238E27FC236}">
-                <a16:creationId xmlns:a16="http://schemas.microsoft.com/office/drawing/2014/main" id="{4A876C89-95D2-4FB6-8F44-42700815F25E}"/>
-              </a:ext>
-            </a:extLst>
-          </p:cNvPr>
-          <p:cNvSpPr txBox="1"/>
-          <p:nvPr/>
-        </p:nvSpPr>
-        <p:spPr>
-          <a:xfrm>
-            <a:off x="5377118" y="5155422"/>
-            <a:ext cx="554790" cy="307777"/>
-          </a:xfrm>
-          <a:prstGeom prst="rect">
-            <a:avLst/>
-          </a:prstGeom>
-          <a:noFill/>
-        </p:spPr>
-        <p:txBody>
-          <a:bodyPr wrap="square" rtlCol="0">
-            <a:spAutoFit/>
-          </a:bodyPr>
-          <a:lstStyle/>
-          <a:p>
-            <a:r>
-              <a:rPr lang="en-US" altLang="ko-KR" sz="1400" dirty="0"/>
-              <a:t>Yes</a:t>
-            </a:r>
-            <a:endParaRPr lang="ko-KR" altLang="en-US" sz="1400" dirty="0"/>
-          </a:p>
-        </p:txBody>
-      </p:sp>
-      <p:sp>
-        <p:nvSpPr>
-          <p:cNvPr id="49" name="TextBox 48">
-            <a:extLst>
-              <a:ext uri="{FF2B5EF4-FFF2-40B4-BE49-F238E27FC236}">
-                <a16:creationId xmlns:a16="http://schemas.microsoft.com/office/drawing/2014/main" id="{8657E897-52B9-431E-B972-D3D83007E955}"/>
-              </a:ext>
-            </a:extLst>
-          </p:cNvPr>
-          <p:cNvSpPr txBox="1"/>
-          <p:nvPr/>
-        </p:nvSpPr>
-        <p:spPr>
-          <a:xfrm>
-            <a:off x="4056942" y="4783486"/>
-            <a:ext cx="554790" cy="307777"/>
-          </a:xfrm>
-          <a:prstGeom prst="rect">
-            <a:avLst/>
-          </a:prstGeom>
-          <a:noFill/>
-        </p:spPr>
-        <p:txBody>
-          <a:bodyPr wrap="square" rtlCol="0">
-            <a:spAutoFit/>
-          </a:bodyPr>
-          <a:lstStyle/>
-          <a:p>
-            <a:r>
-              <a:rPr lang="en-US" altLang="ko-KR" sz="1400" dirty="0"/>
-              <a:t>No</a:t>
-            </a:r>
-            <a:endParaRPr lang="ko-KR" altLang="en-US" sz="1400" dirty="0"/>
-          </a:p>
-        </p:txBody>
-      </p:sp>
-      <p:sp>
-        <p:nvSpPr>
-          <p:cNvPr id="55" name="사각형: 둥근 모서리 54">
-            <a:extLst>
-              <a:ext uri="{FF2B5EF4-FFF2-40B4-BE49-F238E27FC236}">
-                <a16:creationId xmlns:a16="http://schemas.microsoft.com/office/drawing/2014/main" id="{606DA5FF-D128-4F3D-A72D-7DEED1AC106E}"/>
-              </a:ext>
-            </a:extLst>
-          </p:cNvPr>
-          <p:cNvSpPr/>
-          <p:nvPr/>
-        </p:nvSpPr>
-        <p:spPr>
-          <a:xfrm>
-            <a:off x="4458646" y="5643481"/>
-            <a:ext cx="1836944" cy="654343"/>
-          </a:xfrm>
-          <a:prstGeom prst="roundRect">
-            <a:avLst/>
-          </a:prstGeom>
-          <a:noFill/>
-          <a:ln>
-            <a:solidFill>
-              <a:schemeClr val="tx1"/>
-            </a:solidFill>
-          </a:ln>
-        </p:spPr>
-        <p:style>
-          <a:lnRef idx="2">
-            <a:schemeClr val="accent1">
-              <a:shade val="50000"/>
-            </a:schemeClr>
-          </a:lnRef>
-          <a:fillRef idx="1">
-            <a:schemeClr val="accent1"/>
-          </a:fillRef>
-          <a:effectRef idx="0">
-            <a:schemeClr val="accent1"/>
-          </a:effectRef>
-          <a:fontRef idx="minor">
-            <a:schemeClr val="lt1"/>
-          </a:fontRef>
-        </p:style>
-        <p:txBody>
-          <a:bodyPr rtlCol="0" anchor="ctr"/>
-          <a:lstStyle/>
-          <a:p>
-            <a:pPr algn="ctr"/>
-            <a:r>
-              <a:rPr lang="ko-KR" altLang="en-US" sz="1100" dirty="0">
-                <a:solidFill>
-                  <a:schemeClr val="tx1"/>
-                </a:solidFill>
-              </a:rPr>
-              <a:t>연결리스트 </a:t>
-            </a:r>
-            <a:r>
-              <a:rPr lang="en-US" altLang="ko-KR" sz="1100" dirty="0">
-                <a:solidFill>
-                  <a:schemeClr val="tx1"/>
-                </a:solidFill>
-              </a:rPr>
-              <a:t>main</a:t>
-            </a:r>
-            <a:r>
-              <a:rPr lang="ko-KR" altLang="en-US" sz="1100" dirty="0">
-                <a:solidFill>
-                  <a:schemeClr val="tx1"/>
-                </a:solidFill>
-              </a:rPr>
-              <a:t>에 리턴</a:t>
-            </a:r>
-            <a:endParaRPr lang="en-US" altLang="ko-KR" sz="1100" dirty="0">
-              <a:solidFill>
-                <a:schemeClr val="tx1"/>
-              </a:solidFill>
-            </a:endParaRPr>
-          </a:p>
-        </p:txBody>
-      </p:sp>
-    </p:spTree>
-    <p:extLst>
-      <p:ext uri="{BB962C8B-B14F-4D97-AF65-F5344CB8AC3E}">
-        <p14:creationId xmlns:p14="http://schemas.microsoft.com/office/powerpoint/2010/main" val="1645721004"/>
-      </p:ext>
-    </p:extLst>
-  </p:cSld>
-  <p:clrMapOvr>
-    <a:masterClrMapping/>
-  </p:clrMapOvr>
-</p:sld>
-</file>
-
-<file path=ppt/slides/slide15.xml><?xml version="1.0" encoding="utf-8"?>
-<p:sld xmlns:a="http://schemas.openxmlformats.org/drawingml/2006/main" xmlns:r="http://schemas.openxmlformats.org/officeDocument/2006/relationships" xmlns:p="http://schemas.openxmlformats.org/presentationml/2006/main">
-  <p:cSld>
-    <p:spTree>
-      <p:nvGrpSpPr>
-        <p:cNvPr id="1" name=""/>
-        <p:cNvGrpSpPr/>
-        <p:nvPr/>
-      </p:nvGrpSpPr>
-      <p:grpSpPr>
-        <a:xfrm>
-          <a:off x="0" y="0"/>
-          <a:ext cx="0" cy="0"/>
-          <a:chOff x="0" y="0"/>
-          <a:chExt cx="0" cy="0"/>
-        </a:xfrm>
-      </p:grpSpPr>
-      <p:sp>
-        <p:nvSpPr>
-          <p:cNvPr id="33" name="직사각형 32">
-            <a:extLst>
-              <a:ext uri="{FF2B5EF4-FFF2-40B4-BE49-F238E27FC236}">
-                <a16:creationId xmlns:a16="http://schemas.microsoft.com/office/drawing/2014/main" id="{23B2228D-CCA2-4581-90DA-6055A39E4B43}"/>
-              </a:ext>
-            </a:extLst>
-          </p:cNvPr>
-          <p:cNvSpPr/>
-          <p:nvPr/>
-        </p:nvSpPr>
-        <p:spPr>
-          <a:xfrm>
-            <a:off x="3674378" y="922789"/>
-            <a:ext cx="3397542" cy="3716323"/>
-          </a:xfrm>
-          <a:prstGeom prst="rect">
-            <a:avLst/>
-          </a:prstGeom>
-          <a:noFill/>
-          <a:ln>
-            <a:solidFill>
-              <a:schemeClr val="tx1"/>
-            </a:solidFill>
-          </a:ln>
-        </p:spPr>
-        <p:style>
-          <a:lnRef idx="2">
-            <a:schemeClr val="accent1">
-              <a:shade val="50000"/>
-            </a:schemeClr>
-          </a:lnRef>
-          <a:fillRef idx="1">
-            <a:schemeClr val="accent1"/>
-          </a:fillRef>
-          <a:effectRef idx="0">
-            <a:schemeClr val="accent1"/>
-          </a:effectRef>
-          <a:fontRef idx="minor">
-            <a:schemeClr val="lt1"/>
-          </a:fontRef>
-        </p:style>
-        <p:txBody>
-          <a:bodyPr rtlCol="0" anchor="ctr"/>
-          <a:lstStyle/>
-          <a:p>
-            <a:pPr algn="ctr"/>
-            <a:endParaRPr lang="ko-KR" altLang="en-US"/>
-          </a:p>
-        </p:txBody>
-      </p:sp>
-      <p:sp>
-        <p:nvSpPr>
-          <p:cNvPr id="5" name="사각형: 둥근 모서리 4">
-            <a:extLst>
-              <a:ext uri="{FF2B5EF4-FFF2-40B4-BE49-F238E27FC236}">
-                <a16:creationId xmlns:a16="http://schemas.microsoft.com/office/drawing/2014/main" id="{1574ED17-BE6F-466E-AA0E-33B50F8A7E87}"/>
-              </a:ext>
-            </a:extLst>
-          </p:cNvPr>
-          <p:cNvSpPr/>
-          <p:nvPr/>
-        </p:nvSpPr>
-        <p:spPr>
-          <a:xfrm>
-            <a:off x="4106488" y="741109"/>
-            <a:ext cx="2541261" cy="307777"/>
-          </a:xfrm>
-          <a:prstGeom prst="roundRect">
-            <a:avLst/>
-          </a:prstGeom>
-          <a:solidFill>
-            <a:schemeClr val="accent1">
-              <a:lumMod val="40000"/>
-              <a:lumOff val="60000"/>
-            </a:schemeClr>
-          </a:solidFill>
-          <a:ln>
-            <a:noFill/>
-          </a:ln>
-        </p:spPr>
-        <p:style>
-          <a:lnRef idx="2">
-            <a:schemeClr val="accent1">
-              <a:shade val="50000"/>
-            </a:schemeClr>
-          </a:lnRef>
-          <a:fillRef idx="1">
-            <a:schemeClr val="accent1"/>
-          </a:fillRef>
-          <a:effectRef idx="0">
-            <a:schemeClr val="accent1"/>
-          </a:effectRef>
-          <a:fontRef idx="minor">
-            <a:schemeClr val="lt1"/>
-          </a:fontRef>
-        </p:style>
-        <p:txBody>
-          <a:bodyPr rtlCol="0" anchor="ctr"/>
-          <a:lstStyle/>
-          <a:p>
-            <a:pPr algn="ctr"/>
-            <a:r>
-              <a:rPr lang="ko-KR" altLang="en-US" sz="1400" dirty="0">
-                <a:solidFill>
-                  <a:schemeClr val="tx1"/>
-                </a:solidFill>
-              </a:rPr>
-              <a:t>스트라이크 확인</a:t>
-            </a:r>
-            <a:endParaRPr lang="en-US" altLang="ko-KR" sz="1400" dirty="0">
-              <a:solidFill>
-                <a:schemeClr val="tx1"/>
-              </a:solidFill>
-            </a:endParaRPr>
-          </a:p>
-        </p:txBody>
-      </p:sp>
-      <p:sp>
-        <p:nvSpPr>
-          <p:cNvPr id="20" name="사각형: 둥근 모서리 19">
-            <a:extLst>
-              <a:ext uri="{FF2B5EF4-FFF2-40B4-BE49-F238E27FC236}">
-                <a16:creationId xmlns:a16="http://schemas.microsoft.com/office/drawing/2014/main" id="{CEABD2ED-CF9B-4D3D-9AC3-BA5A0284CD98}"/>
-              </a:ext>
-            </a:extLst>
-          </p:cNvPr>
-          <p:cNvSpPr/>
-          <p:nvPr/>
-        </p:nvSpPr>
-        <p:spPr>
-          <a:xfrm>
-            <a:off x="4096916" y="1230566"/>
-            <a:ext cx="2579668" cy="637562"/>
-          </a:xfrm>
-          <a:prstGeom prst="roundRect">
-            <a:avLst/>
-          </a:prstGeom>
-          <a:noFill/>
-          <a:ln>
-            <a:solidFill>
-              <a:schemeClr val="tx1"/>
-            </a:solidFill>
-          </a:ln>
-        </p:spPr>
-        <p:style>
-          <a:lnRef idx="2">
-            <a:schemeClr val="accent1">
-              <a:shade val="50000"/>
-            </a:schemeClr>
-          </a:lnRef>
-          <a:fillRef idx="1">
-            <a:schemeClr val="accent1"/>
-          </a:fillRef>
-          <a:effectRef idx="0">
-            <a:schemeClr val="accent1"/>
-          </a:effectRef>
-          <a:fontRef idx="minor">
-            <a:schemeClr val="lt1"/>
-          </a:fontRef>
-        </p:style>
-        <p:txBody>
-          <a:bodyPr rtlCol="0" anchor="ctr"/>
-          <a:lstStyle/>
-          <a:p>
-            <a:pPr algn="ctr"/>
-            <a:r>
-              <a:rPr lang="ko-KR" altLang="en-US" sz="1100" dirty="0">
-                <a:solidFill>
-                  <a:schemeClr val="tx1"/>
-                </a:solidFill>
-              </a:rPr>
-              <a:t>사용자가 입력해서 나눈 </a:t>
-            </a:r>
-            <a:r>
-              <a:rPr lang="en-US" altLang="ko-KR" sz="1100" dirty="0">
-                <a:solidFill>
-                  <a:schemeClr val="tx1"/>
-                </a:solidFill>
-              </a:rPr>
-              <a:t>5</a:t>
-            </a:r>
-            <a:r>
-              <a:rPr lang="ko-KR" altLang="en-US" sz="1100" dirty="0">
-                <a:solidFill>
-                  <a:schemeClr val="tx1"/>
-                </a:solidFill>
-              </a:rPr>
-              <a:t>개의 값과 연결리스트 매개 변수로 받음</a:t>
-            </a:r>
-            <a:endParaRPr lang="en-US" altLang="ko-KR" sz="1100" dirty="0">
-              <a:solidFill>
-                <a:schemeClr val="tx1"/>
-              </a:solidFill>
-            </a:endParaRPr>
-          </a:p>
-        </p:txBody>
-      </p:sp>
-      <p:cxnSp>
-        <p:nvCxnSpPr>
-          <p:cNvPr id="21" name="직선 화살표 연결선 20">
-            <a:extLst>
-              <a:ext uri="{FF2B5EF4-FFF2-40B4-BE49-F238E27FC236}">
-                <a16:creationId xmlns:a16="http://schemas.microsoft.com/office/drawing/2014/main" id="{0A78BA05-A35B-4E90-8063-6172234AF48D}"/>
-              </a:ext>
-            </a:extLst>
-          </p:cNvPr>
-          <p:cNvCxnSpPr>
-            <a:cxnSpLocks/>
-            <a:stCxn id="20" idx="2"/>
-            <a:endCxn id="28" idx="0"/>
-          </p:cNvCxnSpPr>
-          <p:nvPr/>
-        </p:nvCxnSpPr>
-        <p:spPr>
-          <a:xfrm>
-            <a:off x="5386750" y="1868128"/>
-            <a:ext cx="0" cy="497567"/>
-          </a:xfrm>
-          <a:prstGeom prst="straightConnector1">
-            <a:avLst/>
-          </a:prstGeom>
-          <a:ln>
-            <a:tailEnd type="triangle"/>
-          </a:ln>
-        </p:spPr>
-        <p:style>
-          <a:lnRef idx="1">
-            <a:schemeClr val="accent1"/>
-          </a:lnRef>
-          <a:fillRef idx="0">
-            <a:schemeClr val="accent1"/>
-          </a:fillRef>
-          <a:effectRef idx="0">
-            <a:schemeClr val="accent1"/>
-          </a:effectRef>
-          <a:fontRef idx="minor">
-            <a:schemeClr val="tx1"/>
-          </a:fontRef>
-        </p:style>
-      </p:cxnSp>
-      <p:sp>
-        <p:nvSpPr>
-          <p:cNvPr id="28" name="사각형: 둥근 모서리 27">
-            <a:extLst>
-              <a:ext uri="{FF2B5EF4-FFF2-40B4-BE49-F238E27FC236}">
-                <a16:creationId xmlns:a16="http://schemas.microsoft.com/office/drawing/2014/main" id="{28E583A8-FB3F-4DA5-A52C-EDE18FBA2071}"/>
-              </a:ext>
-            </a:extLst>
-          </p:cNvPr>
-          <p:cNvSpPr/>
-          <p:nvPr/>
-        </p:nvSpPr>
-        <p:spPr>
-          <a:xfrm>
-            <a:off x="3966361" y="2365695"/>
-            <a:ext cx="2840777" cy="637562"/>
-          </a:xfrm>
-          <a:prstGeom prst="roundRect">
-            <a:avLst/>
-          </a:prstGeom>
-          <a:noFill/>
-          <a:ln>
-            <a:solidFill>
-              <a:schemeClr val="tx1"/>
-            </a:solidFill>
-          </a:ln>
-        </p:spPr>
-        <p:style>
-          <a:lnRef idx="2">
-            <a:schemeClr val="accent1">
-              <a:shade val="50000"/>
-            </a:schemeClr>
-          </a:lnRef>
-          <a:fillRef idx="1">
-            <a:schemeClr val="accent1"/>
-          </a:fillRef>
-          <a:effectRef idx="0">
-            <a:schemeClr val="accent1"/>
-          </a:effectRef>
-          <a:fontRef idx="minor">
-            <a:schemeClr val="lt1"/>
-          </a:fontRef>
-        </p:style>
-        <p:txBody>
-          <a:bodyPr rtlCol="0" anchor="ctr"/>
-          <a:lstStyle/>
-          <a:p>
-            <a:pPr algn="ctr"/>
-            <a:r>
-              <a:rPr lang="ko-KR" altLang="en-US" sz="1100" dirty="0">
-                <a:solidFill>
-                  <a:schemeClr val="tx1"/>
-                </a:solidFill>
-              </a:rPr>
-              <a:t>유저가 입력한 값과 위치가</a:t>
-            </a:r>
-            <a:endParaRPr lang="en-US" altLang="ko-KR" sz="1100" dirty="0">
-              <a:solidFill>
-                <a:schemeClr val="tx1"/>
-              </a:solidFill>
-            </a:endParaRPr>
-          </a:p>
-          <a:p>
-            <a:pPr algn="ctr"/>
-            <a:r>
-              <a:rPr lang="ko-KR" altLang="en-US" sz="1100" dirty="0">
-                <a:solidFill>
-                  <a:schemeClr val="tx1"/>
-                </a:solidFill>
-              </a:rPr>
-              <a:t>연결리스트의 값과 위치가 동일할 경우</a:t>
-            </a:r>
-            <a:endParaRPr lang="en-US" altLang="ko-KR" sz="1100" dirty="0">
-              <a:solidFill>
-                <a:schemeClr val="tx1"/>
-              </a:solidFill>
-            </a:endParaRPr>
-          </a:p>
-          <a:p>
-            <a:pPr algn="ctr"/>
-            <a:r>
-              <a:rPr lang="ko-KR" altLang="en-US" sz="1100" dirty="0">
-                <a:solidFill>
-                  <a:schemeClr val="tx1"/>
-                </a:solidFill>
-              </a:rPr>
-              <a:t>같을 경우 스트라이크 카운트</a:t>
-            </a:r>
-            <a:r>
-              <a:rPr lang="en-US" altLang="ko-KR" sz="1100" dirty="0">
-                <a:solidFill>
-                  <a:schemeClr val="tx1"/>
-                </a:solidFill>
-              </a:rPr>
-              <a:t>+1</a:t>
-            </a:r>
-          </a:p>
-        </p:txBody>
-      </p:sp>
-      <p:sp>
-        <p:nvSpPr>
-          <p:cNvPr id="34" name="사각형: 둥근 모서리 33">
-            <a:extLst>
-              <a:ext uri="{FF2B5EF4-FFF2-40B4-BE49-F238E27FC236}">
-                <a16:creationId xmlns:a16="http://schemas.microsoft.com/office/drawing/2014/main" id="{E3667B2B-4A7B-47F3-8C7B-82C2610FC023}"/>
-              </a:ext>
-            </a:extLst>
-          </p:cNvPr>
-          <p:cNvSpPr/>
-          <p:nvPr/>
-        </p:nvSpPr>
-        <p:spPr>
-          <a:xfrm>
-            <a:off x="3966361" y="3615657"/>
-            <a:ext cx="2840777" cy="637562"/>
-          </a:xfrm>
-          <a:prstGeom prst="roundRect">
-            <a:avLst/>
-          </a:prstGeom>
-          <a:noFill/>
-          <a:ln>
-            <a:solidFill>
-              <a:schemeClr val="tx1"/>
-            </a:solidFill>
-          </a:ln>
-        </p:spPr>
-        <p:style>
-          <a:lnRef idx="2">
-            <a:schemeClr val="accent1">
-              <a:shade val="50000"/>
-            </a:schemeClr>
-          </a:lnRef>
-          <a:fillRef idx="1">
-            <a:schemeClr val="accent1"/>
-          </a:fillRef>
-          <a:effectRef idx="0">
-            <a:schemeClr val="accent1"/>
-          </a:effectRef>
-          <a:fontRef idx="minor">
-            <a:schemeClr val="lt1"/>
-          </a:fontRef>
-        </p:style>
-        <p:txBody>
-          <a:bodyPr rtlCol="0" anchor="ctr"/>
-          <a:lstStyle/>
-          <a:p>
-            <a:pPr algn="ctr"/>
-            <a:r>
-              <a:rPr lang="ko-KR" altLang="en-US" sz="1100" dirty="0">
-                <a:solidFill>
-                  <a:schemeClr val="tx1"/>
-                </a:solidFill>
-              </a:rPr>
-              <a:t>최종 스트라이크 카운트 </a:t>
-            </a:r>
-            <a:r>
-              <a:rPr lang="en-US" altLang="ko-KR" sz="1100" dirty="0">
-                <a:solidFill>
-                  <a:schemeClr val="tx1"/>
-                </a:solidFill>
-              </a:rPr>
-              <a:t>main</a:t>
-            </a:r>
-            <a:r>
-              <a:rPr lang="ko-KR" altLang="en-US" sz="1100" dirty="0">
-                <a:solidFill>
-                  <a:schemeClr val="tx1"/>
-                </a:solidFill>
-              </a:rPr>
-              <a:t>에 리턴</a:t>
-            </a:r>
-            <a:endParaRPr lang="en-US" altLang="ko-KR" sz="1100" dirty="0">
-              <a:solidFill>
-                <a:schemeClr val="tx1"/>
-              </a:solidFill>
-            </a:endParaRPr>
-          </a:p>
-        </p:txBody>
-      </p:sp>
-      <p:cxnSp>
-        <p:nvCxnSpPr>
-          <p:cNvPr id="35" name="직선 화살표 연결선 34">
-            <a:extLst>
-              <a:ext uri="{FF2B5EF4-FFF2-40B4-BE49-F238E27FC236}">
-                <a16:creationId xmlns:a16="http://schemas.microsoft.com/office/drawing/2014/main" id="{A1EE2E5D-8D3E-4CA5-AABB-4754614E212D}"/>
-              </a:ext>
-            </a:extLst>
-          </p:cNvPr>
-          <p:cNvCxnSpPr>
-            <a:cxnSpLocks/>
-            <a:stCxn id="28" idx="2"/>
-            <a:endCxn id="34" idx="0"/>
-          </p:cNvCxnSpPr>
-          <p:nvPr/>
-        </p:nvCxnSpPr>
-        <p:spPr>
-          <a:xfrm>
-            <a:off x="5386750" y="3003257"/>
-            <a:ext cx="0" cy="612400"/>
-          </a:xfrm>
-          <a:prstGeom prst="straightConnector1">
-            <a:avLst/>
-          </a:prstGeom>
-          <a:ln>
-            <a:tailEnd type="triangle"/>
-          </a:ln>
-        </p:spPr>
-        <p:style>
-          <a:lnRef idx="1">
-            <a:schemeClr val="accent1"/>
-          </a:lnRef>
-          <a:fillRef idx="0">
-            <a:schemeClr val="accent1"/>
-          </a:fillRef>
-          <a:effectRef idx="0">
-            <a:schemeClr val="accent1"/>
-          </a:effectRef>
-          <a:fontRef idx="minor">
-            <a:schemeClr val="tx1"/>
-          </a:fontRef>
-        </p:style>
-      </p:cxnSp>
-      <p:sp>
-        <p:nvSpPr>
-          <p:cNvPr id="37" name="TextBox 36">
-            <a:extLst>
-              <a:ext uri="{FF2B5EF4-FFF2-40B4-BE49-F238E27FC236}">
-                <a16:creationId xmlns:a16="http://schemas.microsoft.com/office/drawing/2014/main" id="{B1795668-7DAA-44EE-8B57-1A19E7DC6E36}"/>
-              </a:ext>
-            </a:extLst>
-          </p:cNvPr>
-          <p:cNvSpPr txBox="1"/>
-          <p:nvPr/>
-        </p:nvSpPr>
-        <p:spPr>
-          <a:xfrm>
-            <a:off x="5377118" y="3127515"/>
-            <a:ext cx="1105595" cy="307777"/>
-          </a:xfrm>
-          <a:prstGeom prst="rect">
-            <a:avLst/>
-          </a:prstGeom>
-          <a:noFill/>
-        </p:spPr>
-        <p:txBody>
-          <a:bodyPr wrap="square" rtlCol="0">
-            <a:spAutoFit/>
-          </a:bodyPr>
-          <a:lstStyle/>
-          <a:p>
-            <a:r>
-              <a:rPr lang="en-US" altLang="ko-KR" sz="1400" dirty="0">
-                <a:solidFill>
-                  <a:srgbClr val="FF0000"/>
-                </a:solidFill>
-              </a:rPr>
-              <a:t>5</a:t>
-            </a:r>
-            <a:r>
-              <a:rPr lang="ko-KR" altLang="en-US" sz="1400" dirty="0">
-                <a:solidFill>
-                  <a:srgbClr val="FF0000"/>
-                </a:solidFill>
-              </a:rPr>
-              <a:t>번 반복</a:t>
-            </a:r>
-          </a:p>
-        </p:txBody>
-      </p:sp>
-    </p:spTree>
-    <p:extLst>
-      <p:ext uri="{BB962C8B-B14F-4D97-AF65-F5344CB8AC3E}">
-        <p14:creationId xmlns:p14="http://schemas.microsoft.com/office/powerpoint/2010/main" val="2949392534"/>
-      </p:ext>
-    </p:extLst>
-  </p:cSld>
-  <p:clrMapOvr>
-    <a:masterClrMapping/>
-  </p:clrMapOvr>
-</p:sld>
-</file>
-
-<file path=ppt/slides/slide16.xml><?xml version="1.0" encoding="utf-8"?>
-<p:sld xmlns:a="http://schemas.openxmlformats.org/drawingml/2006/main" xmlns:r="http://schemas.openxmlformats.org/officeDocument/2006/relationships" xmlns:p="http://schemas.openxmlformats.org/presentationml/2006/main">
-  <p:cSld>
-    <p:spTree>
-      <p:nvGrpSpPr>
-        <p:cNvPr id="1" name=""/>
-        <p:cNvGrpSpPr/>
-        <p:nvPr/>
-      </p:nvGrpSpPr>
-      <p:grpSpPr>
-        <a:xfrm>
-          <a:off x="0" y="0"/>
-          <a:ext cx="0" cy="0"/>
-          <a:chOff x="0" y="0"/>
-          <a:chExt cx="0" cy="0"/>
-        </a:xfrm>
-      </p:grpSpPr>
-      <p:sp>
-        <p:nvSpPr>
-          <p:cNvPr id="33" name="직사각형 32">
-            <a:extLst>
-              <a:ext uri="{FF2B5EF4-FFF2-40B4-BE49-F238E27FC236}">
-                <a16:creationId xmlns:a16="http://schemas.microsoft.com/office/drawing/2014/main" id="{23B2228D-CCA2-4581-90DA-6055A39E4B43}"/>
-              </a:ext>
-            </a:extLst>
-          </p:cNvPr>
-          <p:cNvSpPr/>
-          <p:nvPr/>
-        </p:nvSpPr>
-        <p:spPr>
-          <a:xfrm>
-            <a:off x="3674378" y="922789"/>
-            <a:ext cx="3397542" cy="3716323"/>
-          </a:xfrm>
-          <a:prstGeom prst="rect">
-            <a:avLst/>
-          </a:prstGeom>
-          <a:noFill/>
-          <a:ln>
-            <a:solidFill>
-              <a:schemeClr val="tx1"/>
-            </a:solidFill>
-          </a:ln>
-        </p:spPr>
-        <p:style>
-          <a:lnRef idx="2">
-            <a:schemeClr val="accent1">
-              <a:shade val="50000"/>
-            </a:schemeClr>
-          </a:lnRef>
-          <a:fillRef idx="1">
-            <a:schemeClr val="accent1"/>
-          </a:fillRef>
-          <a:effectRef idx="0">
-            <a:schemeClr val="accent1"/>
-          </a:effectRef>
-          <a:fontRef idx="minor">
-            <a:schemeClr val="lt1"/>
-          </a:fontRef>
-        </p:style>
-        <p:txBody>
-          <a:bodyPr rtlCol="0" anchor="ctr"/>
-          <a:lstStyle/>
-          <a:p>
-            <a:pPr algn="ctr"/>
-            <a:endParaRPr lang="ko-KR" altLang="en-US"/>
-          </a:p>
-        </p:txBody>
-      </p:sp>
-      <p:sp>
-        <p:nvSpPr>
-          <p:cNvPr id="5" name="사각형: 둥근 모서리 4">
-            <a:extLst>
-              <a:ext uri="{FF2B5EF4-FFF2-40B4-BE49-F238E27FC236}">
-                <a16:creationId xmlns:a16="http://schemas.microsoft.com/office/drawing/2014/main" id="{1574ED17-BE6F-466E-AA0E-33B50F8A7E87}"/>
-              </a:ext>
-            </a:extLst>
-          </p:cNvPr>
-          <p:cNvSpPr/>
-          <p:nvPr/>
-        </p:nvSpPr>
-        <p:spPr>
-          <a:xfrm>
-            <a:off x="4106488" y="741109"/>
-            <a:ext cx="2541261" cy="307777"/>
-          </a:xfrm>
-          <a:prstGeom prst="roundRect">
-            <a:avLst/>
-          </a:prstGeom>
-          <a:solidFill>
-            <a:schemeClr val="accent1">
-              <a:lumMod val="40000"/>
-              <a:lumOff val="60000"/>
-            </a:schemeClr>
-          </a:solidFill>
-          <a:ln>
-            <a:noFill/>
-          </a:ln>
-        </p:spPr>
-        <p:style>
-          <a:lnRef idx="2">
-            <a:schemeClr val="accent1">
-              <a:shade val="50000"/>
-            </a:schemeClr>
-          </a:lnRef>
-          <a:fillRef idx="1">
-            <a:schemeClr val="accent1"/>
-          </a:fillRef>
-          <a:effectRef idx="0">
-            <a:schemeClr val="accent1"/>
-          </a:effectRef>
-          <a:fontRef idx="minor">
-            <a:schemeClr val="lt1"/>
-          </a:fontRef>
-        </p:style>
-        <p:txBody>
-          <a:bodyPr rtlCol="0" anchor="ctr"/>
-          <a:lstStyle/>
-          <a:p>
-            <a:pPr algn="ctr"/>
-            <a:r>
-              <a:rPr lang="ko-KR" altLang="en-US" sz="1400" dirty="0">
-                <a:solidFill>
-                  <a:schemeClr val="tx1"/>
-                </a:solidFill>
-              </a:rPr>
-              <a:t>볼 확인</a:t>
-            </a:r>
-            <a:endParaRPr lang="en-US" altLang="ko-KR" sz="1400" dirty="0">
-              <a:solidFill>
-                <a:schemeClr val="tx1"/>
-              </a:solidFill>
-            </a:endParaRPr>
-          </a:p>
-        </p:txBody>
-      </p:sp>
-      <p:sp>
-        <p:nvSpPr>
-          <p:cNvPr id="20" name="사각형: 둥근 모서리 19">
-            <a:extLst>
-              <a:ext uri="{FF2B5EF4-FFF2-40B4-BE49-F238E27FC236}">
-                <a16:creationId xmlns:a16="http://schemas.microsoft.com/office/drawing/2014/main" id="{CEABD2ED-CF9B-4D3D-9AC3-BA5A0284CD98}"/>
-              </a:ext>
-            </a:extLst>
-          </p:cNvPr>
-          <p:cNvSpPr/>
-          <p:nvPr/>
-        </p:nvSpPr>
-        <p:spPr>
-          <a:xfrm>
-            <a:off x="4096916" y="1230566"/>
-            <a:ext cx="2579668" cy="637562"/>
-          </a:xfrm>
-          <a:prstGeom prst="roundRect">
-            <a:avLst/>
-          </a:prstGeom>
-          <a:noFill/>
-          <a:ln>
-            <a:solidFill>
-              <a:schemeClr val="tx1"/>
-            </a:solidFill>
-          </a:ln>
-        </p:spPr>
-        <p:style>
-          <a:lnRef idx="2">
-            <a:schemeClr val="accent1">
-              <a:shade val="50000"/>
-            </a:schemeClr>
-          </a:lnRef>
-          <a:fillRef idx="1">
-            <a:schemeClr val="accent1"/>
-          </a:fillRef>
-          <a:effectRef idx="0">
-            <a:schemeClr val="accent1"/>
-          </a:effectRef>
-          <a:fontRef idx="minor">
-            <a:schemeClr val="lt1"/>
-          </a:fontRef>
-        </p:style>
-        <p:txBody>
-          <a:bodyPr rtlCol="0" anchor="ctr"/>
-          <a:lstStyle/>
-          <a:p>
-            <a:pPr algn="ctr"/>
-            <a:r>
-              <a:rPr lang="ko-KR" altLang="en-US" sz="1100" dirty="0">
-                <a:solidFill>
-                  <a:schemeClr val="tx1"/>
-                </a:solidFill>
-              </a:rPr>
-              <a:t>사용자가 입력해서 나눈 </a:t>
-            </a:r>
-            <a:r>
-              <a:rPr lang="en-US" altLang="ko-KR" sz="1100" dirty="0">
-                <a:solidFill>
-                  <a:schemeClr val="tx1"/>
-                </a:solidFill>
-              </a:rPr>
-              <a:t>5</a:t>
-            </a:r>
-            <a:r>
-              <a:rPr lang="ko-KR" altLang="en-US" sz="1100" dirty="0">
-                <a:solidFill>
-                  <a:schemeClr val="tx1"/>
-                </a:solidFill>
-              </a:rPr>
-              <a:t>개의 값과 연결리스트 매개 변수로 받음</a:t>
-            </a:r>
-            <a:endParaRPr lang="en-US" altLang="ko-KR" sz="1100" dirty="0">
-              <a:solidFill>
-                <a:schemeClr val="tx1"/>
-              </a:solidFill>
-            </a:endParaRPr>
-          </a:p>
-        </p:txBody>
-      </p:sp>
-      <p:cxnSp>
-        <p:nvCxnSpPr>
-          <p:cNvPr id="21" name="직선 화살표 연결선 20">
-            <a:extLst>
-              <a:ext uri="{FF2B5EF4-FFF2-40B4-BE49-F238E27FC236}">
-                <a16:creationId xmlns:a16="http://schemas.microsoft.com/office/drawing/2014/main" id="{0A78BA05-A35B-4E90-8063-6172234AF48D}"/>
-              </a:ext>
-            </a:extLst>
-          </p:cNvPr>
-          <p:cNvCxnSpPr>
-            <a:cxnSpLocks/>
-            <a:stCxn id="20" idx="2"/>
-            <a:endCxn id="28" idx="0"/>
-          </p:cNvCxnSpPr>
-          <p:nvPr/>
-        </p:nvCxnSpPr>
-        <p:spPr>
-          <a:xfrm>
-            <a:off x="5386750" y="1868128"/>
-            <a:ext cx="0" cy="497567"/>
-          </a:xfrm>
-          <a:prstGeom prst="straightConnector1">
-            <a:avLst/>
-          </a:prstGeom>
-          <a:ln>
-            <a:tailEnd type="triangle"/>
-          </a:ln>
-        </p:spPr>
-        <p:style>
-          <a:lnRef idx="1">
-            <a:schemeClr val="accent1"/>
-          </a:lnRef>
-          <a:fillRef idx="0">
-            <a:schemeClr val="accent1"/>
-          </a:fillRef>
-          <a:effectRef idx="0">
-            <a:schemeClr val="accent1"/>
-          </a:effectRef>
-          <a:fontRef idx="minor">
-            <a:schemeClr val="tx1"/>
-          </a:fontRef>
-        </p:style>
-      </p:cxnSp>
-      <p:sp>
-        <p:nvSpPr>
-          <p:cNvPr id="28" name="사각형: 둥근 모서리 27">
-            <a:extLst>
-              <a:ext uri="{FF2B5EF4-FFF2-40B4-BE49-F238E27FC236}">
-                <a16:creationId xmlns:a16="http://schemas.microsoft.com/office/drawing/2014/main" id="{28E583A8-FB3F-4DA5-A52C-EDE18FBA2071}"/>
-              </a:ext>
-            </a:extLst>
-          </p:cNvPr>
-          <p:cNvSpPr/>
-          <p:nvPr/>
-        </p:nvSpPr>
-        <p:spPr>
-          <a:xfrm>
-            <a:off x="3966361" y="2365695"/>
-            <a:ext cx="2840777" cy="637562"/>
-          </a:xfrm>
-          <a:prstGeom prst="roundRect">
-            <a:avLst/>
-          </a:prstGeom>
-          <a:noFill/>
-          <a:ln>
-            <a:solidFill>
-              <a:schemeClr val="tx1"/>
-            </a:solidFill>
-          </a:ln>
-        </p:spPr>
-        <p:style>
-          <a:lnRef idx="2">
-            <a:schemeClr val="accent1">
-              <a:shade val="50000"/>
-            </a:schemeClr>
-          </a:lnRef>
-          <a:fillRef idx="1">
-            <a:schemeClr val="accent1"/>
-          </a:fillRef>
-          <a:effectRef idx="0">
-            <a:schemeClr val="accent1"/>
-          </a:effectRef>
-          <a:fontRef idx="minor">
-            <a:schemeClr val="lt1"/>
-          </a:fontRef>
-        </p:style>
-        <p:txBody>
-          <a:bodyPr rtlCol="0" anchor="ctr"/>
-          <a:lstStyle/>
-          <a:p>
-            <a:pPr algn="ctr"/>
-            <a:r>
-              <a:rPr lang="ko-KR" altLang="en-US" sz="1100" dirty="0">
-                <a:solidFill>
-                  <a:schemeClr val="tx1"/>
-                </a:solidFill>
-              </a:rPr>
-              <a:t>유저가 입력한 값이 위치는 같지 않으며 연결리스트 내의 동일한 숫자 추출</a:t>
-            </a:r>
-            <a:endParaRPr lang="en-US" altLang="ko-KR" sz="1100" dirty="0">
-              <a:solidFill>
-                <a:schemeClr val="tx1"/>
-              </a:solidFill>
-            </a:endParaRPr>
-          </a:p>
-        </p:txBody>
-      </p:sp>
-      <p:sp>
-        <p:nvSpPr>
-          <p:cNvPr id="34" name="사각형: 둥근 모서리 33">
-            <a:extLst>
-              <a:ext uri="{FF2B5EF4-FFF2-40B4-BE49-F238E27FC236}">
-                <a16:creationId xmlns:a16="http://schemas.microsoft.com/office/drawing/2014/main" id="{E3667B2B-4A7B-47F3-8C7B-82C2610FC023}"/>
-              </a:ext>
-            </a:extLst>
-          </p:cNvPr>
-          <p:cNvSpPr/>
-          <p:nvPr/>
-        </p:nvSpPr>
-        <p:spPr>
-          <a:xfrm>
-            <a:off x="3966361" y="3615657"/>
-            <a:ext cx="2840777" cy="637562"/>
-          </a:xfrm>
-          <a:prstGeom prst="roundRect">
-            <a:avLst/>
-          </a:prstGeom>
-          <a:noFill/>
-          <a:ln>
-            <a:solidFill>
-              <a:schemeClr val="tx1"/>
-            </a:solidFill>
-          </a:ln>
-        </p:spPr>
-        <p:style>
-          <a:lnRef idx="2">
-            <a:schemeClr val="accent1">
-              <a:shade val="50000"/>
-            </a:schemeClr>
-          </a:lnRef>
-          <a:fillRef idx="1">
-            <a:schemeClr val="accent1"/>
-          </a:fillRef>
-          <a:effectRef idx="0">
-            <a:schemeClr val="accent1"/>
-          </a:effectRef>
-          <a:fontRef idx="minor">
-            <a:schemeClr val="lt1"/>
-          </a:fontRef>
-        </p:style>
-        <p:txBody>
-          <a:bodyPr rtlCol="0" anchor="ctr"/>
-          <a:lstStyle/>
-          <a:p>
-            <a:pPr algn="ctr"/>
-            <a:r>
-              <a:rPr lang="ko-KR" altLang="en-US" sz="1100" dirty="0">
-                <a:solidFill>
-                  <a:schemeClr val="tx1"/>
-                </a:solidFill>
-              </a:rPr>
-              <a:t>최종 볼 카운트 </a:t>
-            </a:r>
-            <a:r>
-              <a:rPr lang="en-US" altLang="ko-KR" sz="1100" dirty="0">
-                <a:solidFill>
-                  <a:schemeClr val="tx1"/>
-                </a:solidFill>
-              </a:rPr>
-              <a:t>main</a:t>
-            </a:r>
-            <a:r>
-              <a:rPr lang="ko-KR" altLang="en-US" sz="1100" dirty="0">
-                <a:solidFill>
-                  <a:schemeClr val="tx1"/>
-                </a:solidFill>
-              </a:rPr>
-              <a:t>에 리턴</a:t>
-            </a:r>
-            <a:endParaRPr lang="en-US" altLang="ko-KR" sz="1100" dirty="0">
-              <a:solidFill>
-                <a:schemeClr val="tx1"/>
-              </a:solidFill>
-            </a:endParaRPr>
-          </a:p>
-        </p:txBody>
-      </p:sp>
-      <p:cxnSp>
-        <p:nvCxnSpPr>
-          <p:cNvPr id="35" name="직선 화살표 연결선 34">
-            <a:extLst>
-              <a:ext uri="{FF2B5EF4-FFF2-40B4-BE49-F238E27FC236}">
-                <a16:creationId xmlns:a16="http://schemas.microsoft.com/office/drawing/2014/main" id="{A1EE2E5D-8D3E-4CA5-AABB-4754614E212D}"/>
-              </a:ext>
-            </a:extLst>
-          </p:cNvPr>
-          <p:cNvCxnSpPr>
-            <a:cxnSpLocks/>
-            <a:stCxn id="28" idx="2"/>
-            <a:endCxn id="34" idx="0"/>
-          </p:cNvCxnSpPr>
-          <p:nvPr/>
-        </p:nvCxnSpPr>
-        <p:spPr>
-          <a:xfrm>
-            <a:off x="5386750" y="3003257"/>
-            <a:ext cx="0" cy="612400"/>
-          </a:xfrm>
-          <a:prstGeom prst="straightConnector1">
-            <a:avLst/>
-          </a:prstGeom>
-          <a:ln>
-            <a:tailEnd type="triangle"/>
-          </a:ln>
-        </p:spPr>
-        <p:style>
-          <a:lnRef idx="1">
-            <a:schemeClr val="accent1"/>
-          </a:lnRef>
-          <a:fillRef idx="0">
-            <a:schemeClr val="accent1"/>
-          </a:fillRef>
-          <a:effectRef idx="0">
-            <a:schemeClr val="accent1"/>
-          </a:effectRef>
-          <a:fontRef idx="minor">
-            <a:schemeClr val="tx1"/>
-          </a:fontRef>
-        </p:style>
-      </p:cxnSp>
-      <p:sp>
-        <p:nvSpPr>
-          <p:cNvPr id="37" name="TextBox 36">
-            <a:extLst>
-              <a:ext uri="{FF2B5EF4-FFF2-40B4-BE49-F238E27FC236}">
-                <a16:creationId xmlns:a16="http://schemas.microsoft.com/office/drawing/2014/main" id="{B1795668-7DAA-44EE-8B57-1A19E7DC6E36}"/>
-              </a:ext>
-            </a:extLst>
-          </p:cNvPr>
-          <p:cNvSpPr txBox="1"/>
-          <p:nvPr/>
-        </p:nvSpPr>
-        <p:spPr>
-          <a:xfrm>
-            <a:off x="5377119" y="3127515"/>
-            <a:ext cx="931402" cy="307777"/>
-          </a:xfrm>
-          <a:prstGeom prst="rect">
-            <a:avLst/>
-          </a:prstGeom>
-          <a:noFill/>
-        </p:spPr>
-        <p:txBody>
-          <a:bodyPr wrap="square" rtlCol="0">
-            <a:spAutoFit/>
-          </a:bodyPr>
-          <a:lstStyle/>
-          <a:p>
-            <a:r>
-              <a:rPr lang="en-US" altLang="ko-KR" sz="1400" dirty="0">
-                <a:solidFill>
-                  <a:srgbClr val="FF0000"/>
-                </a:solidFill>
-              </a:rPr>
-              <a:t>5</a:t>
-            </a:r>
-            <a:r>
-              <a:rPr lang="ko-KR" altLang="en-US" sz="1400" dirty="0">
-                <a:solidFill>
-                  <a:srgbClr val="FF0000"/>
-                </a:solidFill>
-              </a:rPr>
-              <a:t>번 반복</a:t>
-            </a:r>
-          </a:p>
-        </p:txBody>
-      </p:sp>
-    </p:spTree>
-    <p:extLst>
-      <p:ext uri="{BB962C8B-B14F-4D97-AF65-F5344CB8AC3E}">
-        <p14:creationId xmlns:p14="http://schemas.microsoft.com/office/powerpoint/2010/main" val="525641352"/>
-      </p:ext>
-    </p:extLst>
-  </p:cSld>
-  <p:clrMapOvr>
-    <a:masterClrMapping/>
-  </p:clrMapOvr>
-</p:sld>
-</file>
-
 <file path=ppt/slides/slide2.xml><?xml version="1.0" encoding="utf-8"?>
 <p:sld xmlns:a="http://schemas.openxmlformats.org/drawingml/2006/main" xmlns:r="http://schemas.openxmlformats.org/officeDocument/2006/relationships" xmlns:p="http://schemas.openxmlformats.org/presentationml/2006/main">
   <p:cSld>
@@ -20069,8 +14073,8 @@
         </p:nvSpPr>
         <p:spPr>
           <a:xfrm>
-            <a:off x="2261616" y="166730"/>
-            <a:ext cx="8455947" cy="5742627"/>
+            <a:off x="2584951" y="166730"/>
+            <a:ext cx="8132612" cy="5401085"/>
           </a:xfrm>
           <a:prstGeom prst="rect">
             <a:avLst/>
@@ -20121,7 +14125,7 @@
         </p:nvSpPr>
         <p:spPr>
           <a:xfrm>
-            <a:off x="6276189" y="293616"/>
+            <a:off x="5374039" y="293616"/>
             <a:ext cx="1629422" cy="429939"/>
           </a:xfrm>
           <a:prstGeom prst="roundRect">
@@ -20185,7 +14189,7 @@
         </p:nvSpPr>
         <p:spPr>
           <a:xfrm>
-            <a:off x="6181529" y="948643"/>
+            <a:off x="5279379" y="948643"/>
             <a:ext cx="1818742" cy="683084"/>
           </a:xfrm>
           <a:prstGeom prst="roundRect">
@@ -20233,7 +14237,7 @@
                   <a:schemeClr val="tx1"/>
                 </a:solidFill>
               </a:rPr>
-              <a:t>, </a:t>
+              <a:t>,</a:t>
             </a:r>
             <a:r>
               <a:rPr lang="ko-KR" altLang="en-US" sz="1200" dirty="0">
@@ -20241,7 +14245,7 @@
                   <a:schemeClr val="tx1"/>
                 </a:solidFill>
               </a:rPr>
-              <a:t>호수와</a:t>
+              <a:t> 호수와</a:t>
             </a:r>
             <a:endParaRPr lang="en-US" altLang="ko-KR" sz="1200" dirty="0">
               <a:solidFill>
@@ -20257,7 +14261,7 @@
                   <a:schemeClr val="tx1"/>
                 </a:solidFill>
               </a:rPr>
-              <a:t>동일한 것을 제외한</a:t>
+              <a:t>동일한 데이터 추출</a:t>
             </a:r>
             <a:endParaRPr lang="en-US" altLang="ko-KR" sz="1200" dirty="0">
               <a:solidFill>
@@ -20265,22 +14269,6 @@
               </a:solidFill>
             </a:endParaRPr>
           </a:p>
-          <a:p>
-            <a:pPr algn="ctr"/>
-            <a:r>
-              <a:rPr lang="ko-KR" altLang="en-US" sz="1200" dirty="0">
-                <a:solidFill>
-                  <a:schemeClr val="tx1"/>
-                </a:solidFill>
-              </a:rPr>
-              <a:t>데이터 추출</a:t>
-            </a:r>
-            <a:endParaRPr lang="en-US" altLang="ko-KR" sz="1200" dirty="0">
-              <a:solidFill>
-                <a:schemeClr val="tx1"/>
-              </a:solidFill>
-            </a:endParaRPr>
-          </a:p>
         </p:txBody>
       </p:sp>
       <p:cxnSp>
@@ -20301,7 +14289,7 @@
         </p:nvCxnSpPr>
         <p:spPr>
           <a:xfrm>
-            <a:off x="7090900" y="723555"/>
+            <a:off x="6188750" y="723555"/>
             <a:ext cx="0" cy="225088"/>
           </a:xfrm>
           <a:prstGeom prst="straightConnector1">
@@ -20344,7 +14332,7 @@
         </p:nvCxnSpPr>
         <p:spPr>
           <a:xfrm>
-            <a:off x="7090900" y="1631727"/>
+            <a:off x="6188750" y="1631727"/>
             <a:ext cx="1911003" cy="178785"/>
           </a:xfrm>
           <a:prstGeom prst="straightConnector1">
@@ -20383,7 +14371,7 @@
         </p:nvSpPr>
         <p:spPr>
           <a:xfrm>
-            <a:off x="7829582" y="1810512"/>
+            <a:off x="6927432" y="1810512"/>
             <a:ext cx="2344642" cy="799357"/>
           </a:xfrm>
           <a:prstGeom prst="roundRect">
@@ -20423,7 +14411,7 @@
                   <a:schemeClr val="tx1"/>
                 </a:solidFill>
               </a:rPr>
-              <a:t>각 호수를 기준으로</a:t>
+              <a:t>기기를 사용한 시간 순서대로</a:t>
             </a:r>
             <a:endParaRPr lang="en-US" altLang="ko-KR" sz="1200" dirty="0">
               <a:solidFill>
@@ -20434,20 +14422,12 @@
           <a:p>
             <a:pPr algn="ctr"/>
             <a:r>
-              <a:rPr lang="en-US" altLang="ko-KR" sz="1200" dirty="0">
-                <a:solidFill>
-                  <a:schemeClr val="tx1"/>
-                </a:solidFill>
-              </a:rPr>
-              <a:t>1</a:t>
-            </a:r>
-            <a:r>
               <a:rPr lang="ko-KR" altLang="en-US" sz="1200" dirty="0">
                 <a:solidFill>
                   <a:schemeClr val="tx1"/>
                 </a:solidFill>
               </a:rPr>
-              <a:t>달 전력 사용량의</a:t>
+              <a:t>연결리스트에 저장</a:t>
             </a:r>
             <a:endParaRPr lang="en-US" altLang="ko-KR" sz="1200" dirty="0">
               <a:solidFill>
@@ -20455,54 +14435,6 @@
               </a:solidFill>
             </a:endParaRPr>
           </a:p>
-          <a:p>
-            <a:pPr algn="ctr"/>
-            <a:r>
-              <a:rPr lang="ko-KR" altLang="en-US" sz="1200" dirty="0">
-                <a:solidFill>
-                  <a:schemeClr val="tx1"/>
-                </a:solidFill>
-              </a:rPr>
-              <a:t>각 </a:t>
-            </a:r>
-            <a:r>
-              <a:rPr lang="ko-KR" altLang="en-US" sz="1200" dirty="0" err="1">
-                <a:solidFill>
-                  <a:schemeClr val="tx1"/>
-                </a:solidFill>
-              </a:rPr>
-              <a:t>기기별</a:t>
-            </a:r>
-            <a:r>
-              <a:rPr lang="ko-KR" altLang="en-US" sz="1200" dirty="0">
-                <a:solidFill>
-                  <a:schemeClr val="tx1"/>
-                </a:solidFill>
-              </a:rPr>
-              <a:t> 평균을 계산하여</a:t>
-            </a:r>
-            <a:endParaRPr lang="en-US" altLang="ko-KR" sz="1200" dirty="0">
-              <a:solidFill>
-                <a:schemeClr val="tx1"/>
-              </a:solidFill>
-            </a:endParaRPr>
-          </a:p>
-          <a:p>
-            <a:pPr algn="ctr"/>
-            <a:r>
-              <a:rPr lang="ko-KR" altLang="en-US" sz="1200" dirty="0">
-                <a:solidFill>
-                  <a:schemeClr val="tx1"/>
-                </a:solidFill>
-              </a:rPr>
-              <a:t>연결리스트에 저장</a:t>
-            </a:r>
-            <a:endParaRPr lang="en-US" altLang="ko-KR" sz="1200" dirty="0">
-              <a:solidFill>
-                <a:schemeClr val="tx1"/>
-              </a:solidFill>
-            </a:endParaRPr>
-          </a:p>
         </p:txBody>
       </p:sp>
       <p:cxnSp>
@@ -20523,7 +14455,7 @@
         </p:nvCxnSpPr>
         <p:spPr>
           <a:xfrm flipH="1">
-            <a:off x="6998150" y="2609869"/>
+            <a:off x="6096000" y="2609869"/>
             <a:ext cx="2003753" cy="201322"/>
           </a:xfrm>
           <a:prstGeom prst="straightConnector1">
@@ -20562,8 +14494,8 @@
         </p:nvSpPr>
         <p:spPr>
           <a:xfrm>
-            <a:off x="5025673" y="3618766"/>
-            <a:ext cx="2140651" cy="1114571"/>
+            <a:off x="4938879" y="3669052"/>
+            <a:ext cx="2314241" cy="1402061"/>
           </a:xfrm>
           <a:prstGeom prst="roundRect">
             <a:avLst/>
@@ -20602,26 +14534,7 @@
                   <a:schemeClr val="tx1"/>
                 </a:solidFill>
               </a:rPr>
-              <a:t>각 기기 별 켜지고</a:t>
-            </a:r>
-            <a:r>
-              <a:rPr lang="en-US" altLang="ko-KR" sz="1200" dirty="0">
-                <a:solidFill>
-                  <a:schemeClr val="tx1"/>
-                </a:solidFill>
-              </a:rPr>
-              <a:t>,</a:t>
-            </a:r>
-          </a:p>
-          <a:p>
-            <a:pPr algn="ctr"/>
-            <a:r>
-              <a:rPr lang="ko-KR" altLang="en-US" sz="1200" dirty="0">
-                <a:solidFill>
-                  <a:schemeClr val="tx1"/>
-                </a:solidFill>
-              </a:rPr>
-              <a:t>꺼진 시간의 중간 값을</a:t>
+              <a:t>연결리스트를 차례대로</a:t>
             </a:r>
             <a:endParaRPr lang="en-US" altLang="ko-KR" sz="1200" dirty="0">
               <a:solidFill>
@@ -20637,7 +14550,7 @@
                   <a:schemeClr val="tx1"/>
                 </a:solidFill>
               </a:rPr>
-              <a:t>구하고 해당 시간을</a:t>
+              <a:t>비교해 나가면서 겹치는</a:t>
             </a:r>
             <a:endParaRPr lang="en-US" altLang="ko-KR" sz="1200" dirty="0">
               <a:solidFill>
@@ -20653,7 +14566,7 @@
                   <a:schemeClr val="tx1"/>
                 </a:solidFill>
               </a:rPr>
-              <a:t>모두 더하여 평균을</a:t>
+              <a:t>시간이 세대원보다 많을</a:t>
             </a:r>
             <a:endParaRPr lang="en-US" altLang="ko-KR" sz="1200" dirty="0">
               <a:solidFill>
@@ -20669,7 +14582,7 @@
                   <a:schemeClr val="tx1"/>
                 </a:solidFill>
               </a:rPr>
-              <a:t>구함</a:t>
+              <a:t>경우 그 시간대를 구하고</a:t>
             </a:r>
             <a:endParaRPr lang="en-US" altLang="ko-KR" sz="1200" dirty="0">
               <a:solidFill>
@@ -20677,6 +14590,38 @@
               </a:solidFill>
             </a:endParaRPr>
           </a:p>
+          <a:p>
+            <a:pPr algn="ctr"/>
+            <a:r>
+              <a:rPr lang="ko-KR" altLang="en-US" sz="1200" dirty="0">
+                <a:solidFill>
+                  <a:schemeClr val="tx1"/>
+                </a:solidFill>
+              </a:rPr>
+              <a:t>낭비 파악하는</a:t>
+            </a:r>
+            <a:endParaRPr lang="en-US" altLang="ko-KR" sz="1200" dirty="0">
+              <a:solidFill>
+                <a:schemeClr val="tx1"/>
+              </a:solidFill>
+            </a:endParaRPr>
+          </a:p>
+          <a:p>
+            <a:pPr algn="ctr"/>
+            <a:r>
+              <a:rPr lang="ko-KR" altLang="en-US" sz="1200" dirty="0">
+                <a:solidFill>
+                  <a:schemeClr val="tx1"/>
+                </a:solidFill>
+              </a:rPr>
+              <a:t>연결리스트에 저장</a:t>
+            </a:r>
+            <a:endParaRPr lang="en-US" altLang="ko-KR" sz="1200" dirty="0">
+              <a:solidFill>
+                <a:schemeClr val="tx1"/>
+              </a:solidFill>
+            </a:endParaRPr>
+          </a:p>
         </p:txBody>
       </p:sp>
       <p:sp>
@@ -20700,7 +14645,9 @@
             <a:avLst/>
           </a:prstGeom>
           <a:solidFill>
-            <a:schemeClr val="tx2"/>
+            <a:schemeClr val="accent6">
+              <a:lumMod val="75000"/>
+            </a:schemeClr>
           </a:solidFill>
           <a:ln>
             <a:noFill/>
@@ -20767,7 +14714,7 @@
         </p:nvCxnSpPr>
         <p:spPr>
           <a:xfrm rot="10800000" flipH="1">
-            <a:off x="6166717" y="1290185"/>
+            <a:off x="5264567" y="1290185"/>
             <a:ext cx="14811" cy="1782854"/>
           </a:xfrm>
           <a:prstGeom prst="bentConnector3">
@@ -20808,7 +14755,7 @@
         </p:nvSpPr>
         <p:spPr>
           <a:xfrm>
-            <a:off x="6166718" y="2811191"/>
+            <a:off x="5264568" y="2811191"/>
             <a:ext cx="1662864" cy="523695"/>
           </a:xfrm>
           <a:prstGeom prst="roundRect">
@@ -20894,9 +14841,9 @@
           <p:nvPr/>
         </p:nvCxnSpPr>
         <p:spPr>
-          <a:xfrm flipH="1">
-            <a:off x="6095999" y="3334886"/>
-            <a:ext cx="902151" cy="283880"/>
+          <a:xfrm>
+            <a:off x="6096000" y="3334886"/>
+            <a:ext cx="0" cy="334166"/>
           </a:xfrm>
           <a:prstGeom prst="straightConnector1">
             <a:avLst/>
@@ -20934,7 +14881,7 @@
         </p:nvSpPr>
         <p:spPr>
           <a:xfrm>
-            <a:off x="6632721" y="3337138"/>
+            <a:off x="5730571" y="3337138"/>
             <a:ext cx="458179" cy="307777"/>
           </a:xfrm>
           <a:prstGeom prst="rect">
@@ -20982,7 +14929,7 @@
         </p:nvSpPr>
         <p:spPr>
           <a:xfrm>
-            <a:off x="5866910" y="2114518"/>
+            <a:off x="4964760" y="2114518"/>
             <a:ext cx="458179" cy="307777"/>
           </a:xfrm>
           <a:prstGeom prst="rect">
@@ -21018,24 +14965,24 @@
       </p:sp>
       <p:cxnSp>
         <p:nvCxnSpPr>
-          <p:cNvPr id="59" name="직선 화살표 연결선 58">
-            <a:extLst>
-              <a:ext uri="{FF2B5EF4-FFF2-40B4-BE49-F238E27FC236}">
-                <a16:creationId xmlns:a16="http://schemas.microsoft.com/office/drawing/2014/main" id="{9D6B3002-8A63-E8AC-3168-22B6165C0BBB}"/>
+          <p:cNvPr id="30" name="직선 화살표 연결선 29">
+            <a:extLst>
+              <a:ext uri="{FF2B5EF4-FFF2-40B4-BE49-F238E27FC236}">
+                <a16:creationId xmlns:a16="http://schemas.microsoft.com/office/drawing/2014/main" id="{DC4C0D95-EFBD-66E2-F8AE-9C36700D90D3}"/>
               </a:ext>
             </a:extLst>
           </p:cNvPr>
           <p:cNvCxnSpPr>
             <a:cxnSpLocks/>
             <a:stCxn id="34" idx="1"/>
-            <a:endCxn id="63" idx="3"/>
+            <a:endCxn id="36" idx="3"/>
           </p:cNvCxnSpPr>
           <p:nvPr/>
         </p:nvCxnSpPr>
         <p:spPr>
-          <a:xfrm flipH="1" flipV="1">
-            <a:off x="4451058" y="2710530"/>
-            <a:ext cx="574615" cy="1465522"/>
+          <a:xfrm flipH="1">
+            <a:off x="4083802" y="4370083"/>
+            <a:ext cx="855077" cy="609238"/>
           </a:xfrm>
           <a:prstGeom prst="straightConnector1">
             <a:avLst/>
@@ -21061,10 +15008,10 @@
       </p:cxnSp>
       <p:sp>
         <p:nvSpPr>
-          <p:cNvPr id="63" name="사각형: 둥근 모서리 62">
-            <a:extLst>
-              <a:ext uri="{FF2B5EF4-FFF2-40B4-BE49-F238E27FC236}">
-                <a16:creationId xmlns:a16="http://schemas.microsoft.com/office/drawing/2014/main" id="{74AB429F-9F0A-1FCE-3D2A-FA53B02C9DA0}"/>
+          <p:cNvPr id="36" name="사각형: 둥근 모서리 35">
+            <a:extLst>
+              <a:ext uri="{FF2B5EF4-FFF2-40B4-BE49-F238E27FC236}">
+                <a16:creationId xmlns:a16="http://schemas.microsoft.com/office/drawing/2014/main" id="{1C441FD3-84B3-C438-57D2-62DD29B1C658}"/>
               </a:ext>
             </a:extLst>
           </p:cNvPr>
@@ -21073,8 +15020,8 @@
         </p:nvSpPr>
         <p:spPr>
           <a:xfrm>
-            <a:off x="3484606" y="2448682"/>
-            <a:ext cx="966452" cy="523695"/>
+            <a:off x="2669283" y="4564917"/>
+            <a:ext cx="1414519" cy="828808"/>
           </a:xfrm>
           <a:prstGeom prst="roundRect">
             <a:avLst/>
@@ -21108,23 +15055,12 @@
           <a:p>
             <a:pPr algn="ctr"/>
             <a:r>
-              <a:rPr lang="en-US" altLang="ko-KR" sz="1200" dirty="0">
-                <a:solidFill>
-                  <a:schemeClr val="tx1"/>
-                </a:solidFill>
-              </a:rPr>
-              <a:t>TV</a:t>
-            </a:r>
-          </a:p>
-          <a:p>
-            <a:pPr algn="ctr"/>
-            <a:r>
               <a:rPr lang="ko-KR" altLang="en-US" sz="1200" dirty="0">
                 <a:solidFill>
                   <a:schemeClr val="tx1"/>
                 </a:solidFill>
               </a:rPr>
-              <a:t>프로 추천</a:t>
+              <a:t>또 다른 새로운 연결리스트에</a:t>
             </a:r>
             <a:endParaRPr lang="en-US" altLang="ko-KR" sz="1200" dirty="0">
               <a:solidFill>
@@ -21132,28 +15068,131 @@
               </a:solidFill>
             </a:endParaRPr>
           </a:p>
+          <a:p>
+            <a:pPr algn="ctr"/>
+            <a:r>
+              <a:rPr lang="ko-KR" altLang="en-US" sz="1200" dirty="0">
+                <a:solidFill>
+                  <a:schemeClr val="tx1"/>
+                </a:solidFill>
+              </a:rPr>
+              <a:t>저장</a:t>
+            </a:r>
+            <a:endParaRPr lang="en-US" altLang="ko-KR" sz="1200" dirty="0">
+              <a:solidFill>
+                <a:schemeClr val="tx1"/>
+              </a:solidFill>
+            </a:endParaRPr>
+          </a:p>
+          <a:p>
+            <a:pPr algn="ctr"/>
+            <a:r>
+              <a:rPr lang="en-US" altLang="ko-KR" sz="1200" dirty="0">
+                <a:solidFill>
+                  <a:schemeClr val="tx1"/>
+                </a:solidFill>
+              </a:rPr>
+              <a:t>(</a:t>
+            </a:r>
+            <a:r>
+              <a:rPr lang="ko-KR" altLang="en-US" sz="1200" dirty="0">
+                <a:solidFill>
+                  <a:schemeClr val="tx1"/>
+                </a:solidFill>
+              </a:rPr>
+              <a:t>시간대 구함</a:t>
+            </a:r>
+            <a:r>
+              <a:rPr lang="en-US" altLang="ko-KR" sz="1200" dirty="0">
+                <a:solidFill>
+                  <a:schemeClr val="tx1"/>
+                </a:solidFill>
+              </a:rPr>
+              <a:t>)</a:t>
+            </a:r>
+          </a:p>
+        </p:txBody>
+      </p:sp>
+      <p:sp>
+        <p:nvSpPr>
+          <p:cNvPr id="41" name="TextBox 40">
+            <a:extLst>
+              <a:ext uri="{FF2B5EF4-FFF2-40B4-BE49-F238E27FC236}">
+                <a16:creationId xmlns:a16="http://schemas.microsoft.com/office/drawing/2014/main" id="{2891F182-0348-90D5-7435-C688FE91EAC6}"/>
+              </a:ext>
+            </a:extLst>
+          </p:cNvPr>
+          <p:cNvSpPr txBox="1"/>
+          <p:nvPr/>
+        </p:nvSpPr>
+        <p:spPr>
+          <a:xfrm>
+            <a:off x="4073906" y="4113921"/>
+            <a:ext cx="1110048" cy="461665"/>
+          </a:xfrm>
+          <a:prstGeom prst="rect">
+            <a:avLst/>
+          </a:prstGeom>
+          <a:noFill/>
+        </p:spPr>
+        <p:txBody>
+          <a:bodyPr wrap="square" rtlCol="0">
+            <a:spAutoFit/>
+          </a:bodyPr>
+          <a:lstStyle/>
+          <a:p>
+            <a:r>
+              <a:rPr lang="ko-KR" altLang="en-US" sz="1200" dirty="0">
+                <a:solidFill>
+                  <a:schemeClr val="accent6">
+                    <a:lumMod val="75000"/>
+                  </a:schemeClr>
+                </a:solidFill>
+              </a:rPr>
+              <a:t>세대원보다 </a:t>
+            </a:r>
+            <a:endParaRPr lang="en-US" altLang="ko-KR" sz="1200" dirty="0">
+              <a:solidFill>
+                <a:schemeClr val="accent6">
+                  <a:lumMod val="75000"/>
+                </a:schemeClr>
+              </a:solidFill>
+            </a:endParaRPr>
+          </a:p>
+          <a:p>
+            <a:r>
+              <a:rPr lang="ko-KR" altLang="en-US" sz="1200" dirty="0">
+                <a:solidFill>
+                  <a:schemeClr val="accent6">
+                    <a:lumMod val="75000"/>
+                  </a:schemeClr>
+                </a:solidFill>
+              </a:rPr>
+              <a:t>많을 경우</a:t>
+            </a:r>
+          </a:p>
         </p:txBody>
       </p:sp>
       <p:cxnSp>
         <p:nvCxnSpPr>
-          <p:cNvPr id="31" name="직선 화살표 연결선 30">
-            <a:extLst>
-              <a:ext uri="{FF2B5EF4-FFF2-40B4-BE49-F238E27FC236}">
-                <a16:creationId xmlns:a16="http://schemas.microsoft.com/office/drawing/2014/main" id="{1CB3D6C8-68B8-0E12-59F3-22ECC4EE657C}"/>
+          <p:cNvPr id="42" name="직선 화살표 연결선 41">
+            <a:extLst>
+              <a:ext uri="{FF2B5EF4-FFF2-40B4-BE49-F238E27FC236}">
+                <a16:creationId xmlns:a16="http://schemas.microsoft.com/office/drawing/2014/main" id="{D02C2A15-6E28-FEC8-21E5-7BDCBE71B92D}"/>
               </a:ext>
             </a:extLst>
           </p:cNvPr>
           <p:cNvCxnSpPr>
             <a:cxnSpLocks/>
-            <a:stCxn id="34" idx="1"/>
-            <a:endCxn id="35" idx="3"/>
+            <a:stCxn id="34" idx="3"/>
+            <a:endCxn id="46" idx="1"/>
           </p:cNvCxnSpPr>
           <p:nvPr/>
         </p:nvCxnSpPr>
         <p:spPr>
-          <a:xfrm flipH="1" flipV="1">
-            <a:off x="4094720" y="3625275"/>
-            <a:ext cx="930953" cy="550777"/>
+          <a:xfrm>
+            <a:off x="7253120" y="4370083"/>
+            <a:ext cx="939410" cy="669822"/>
           </a:xfrm>
           <a:prstGeom prst="straightConnector1">
             <a:avLst/>
@@ -21179,10 +15218,70 @@
       </p:cxnSp>
       <p:sp>
         <p:nvSpPr>
-          <p:cNvPr id="35" name="사각형: 둥근 모서리 34">
-            <a:extLst>
-              <a:ext uri="{FF2B5EF4-FFF2-40B4-BE49-F238E27FC236}">
-                <a16:creationId xmlns:a16="http://schemas.microsoft.com/office/drawing/2014/main" id="{C6737476-9747-9FB3-A003-2BCCD27D23D1}"/>
+          <p:cNvPr id="44" name="TextBox 43">
+            <a:extLst>
+              <a:ext uri="{FF2B5EF4-FFF2-40B4-BE49-F238E27FC236}">
+                <a16:creationId xmlns:a16="http://schemas.microsoft.com/office/drawing/2014/main" id="{C2D18D56-79D6-C1A5-D753-5AA4D35C9BA8}"/>
+              </a:ext>
+            </a:extLst>
+          </p:cNvPr>
+          <p:cNvSpPr txBox="1"/>
+          <p:nvPr/>
+        </p:nvSpPr>
+        <p:spPr>
+          <a:xfrm>
+            <a:off x="7405588" y="4213037"/>
+            <a:ext cx="1110048" cy="461665"/>
+          </a:xfrm>
+          <a:prstGeom prst="rect">
+            <a:avLst/>
+          </a:prstGeom>
+          <a:noFill/>
+        </p:spPr>
+        <p:txBody>
+          <a:bodyPr wrap="square" rtlCol="0">
+            <a:spAutoFit/>
+          </a:bodyPr>
+          <a:lstStyle/>
+          <a:p>
+            <a:r>
+              <a:rPr lang="ko-KR" altLang="en-US" sz="1200" dirty="0">
+                <a:solidFill>
+                  <a:schemeClr val="accent6">
+                    <a:lumMod val="75000"/>
+                  </a:schemeClr>
+                </a:solidFill>
+              </a:rPr>
+              <a:t>세대원보다</a:t>
+            </a:r>
+            <a:endParaRPr lang="en-US" altLang="ko-KR" sz="1200" dirty="0">
+              <a:solidFill>
+                <a:schemeClr val="accent6">
+                  <a:lumMod val="75000"/>
+                </a:schemeClr>
+              </a:solidFill>
+            </a:endParaRPr>
+          </a:p>
+          <a:p>
+            <a:r>
+              <a:rPr lang="ko-KR" altLang="en-US" sz="1200" dirty="0">
+                <a:solidFill>
+                  <a:schemeClr val="accent6">
+                    <a:lumMod val="75000"/>
+                  </a:schemeClr>
+                </a:solidFill>
+              </a:rPr>
+              <a:t>적을 경우</a:t>
+            </a:r>
+          </a:p>
+        </p:txBody>
+      </p:sp>
+      <p:sp>
+        <p:nvSpPr>
+          <p:cNvPr id="46" name="사각형: 둥근 모서리 45">
+            <a:extLst>
+              <a:ext uri="{FF2B5EF4-FFF2-40B4-BE49-F238E27FC236}">
+                <a16:creationId xmlns:a16="http://schemas.microsoft.com/office/drawing/2014/main" id="{402666C2-BF06-78EB-DCF1-2973E64F5480}"/>
               </a:ext>
             </a:extLst>
           </p:cNvPr>
@@ -21191,8 +15290,8 @@
         </p:nvSpPr>
         <p:spPr>
           <a:xfrm>
-            <a:off x="2792585" y="3363427"/>
-            <a:ext cx="1302135" cy="523695"/>
+            <a:off x="8192530" y="4625501"/>
+            <a:ext cx="1414519" cy="828808"/>
           </a:xfrm>
           <a:prstGeom prst="roundRect">
             <a:avLst/>
@@ -21231,7 +15330,7 @@
                   <a:schemeClr val="tx1"/>
                 </a:solidFill>
               </a:rPr>
-              <a:t>음식</a:t>
+              <a:t>다음 노드로</a:t>
             </a:r>
             <a:endParaRPr lang="en-US" altLang="ko-KR" sz="1200" dirty="0">
               <a:solidFill>
@@ -21247,7 +15346,7 @@
                   <a:schemeClr val="tx1"/>
                 </a:solidFill>
               </a:rPr>
-              <a:t>레시피 추천</a:t>
+              <a:t>넘어 감</a:t>
             </a:r>
             <a:endParaRPr lang="en-US" altLang="ko-KR" sz="1200" dirty="0">
               <a:solidFill>
@@ -21257,304 +15356,10 @@
           </a:p>
         </p:txBody>
       </p:sp>
-      <p:cxnSp>
-        <p:nvCxnSpPr>
-          <p:cNvPr id="39" name="직선 화살표 연결선 38">
-            <a:extLst>
-              <a:ext uri="{FF2B5EF4-FFF2-40B4-BE49-F238E27FC236}">
-                <a16:creationId xmlns:a16="http://schemas.microsoft.com/office/drawing/2014/main" id="{8145CDC3-28A8-DDCE-0F9B-E8D4EE5268F8}"/>
-              </a:ext>
-            </a:extLst>
-          </p:cNvPr>
-          <p:cNvCxnSpPr>
-            <a:cxnSpLocks/>
-            <a:stCxn id="51" idx="2"/>
-            <a:endCxn id="40" idx="3"/>
-          </p:cNvCxnSpPr>
-          <p:nvPr/>
-        </p:nvCxnSpPr>
-        <p:spPr>
-          <a:xfrm flipH="1">
-            <a:off x="3967832" y="4725119"/>
-            <a:ext cx="4464408" cy="529210"/>
-          </a:xfrm>
-          <a:prstGeom prst="straightConnector1">
-            <a:avLst/>
-          </a:prstGeom>
-          <a:ln>
-            <a:tailEnd type="triangle"/>
-          </a:ln>
-        </p:spPr>
-        <p:style>
-          <a:lnRef idx="1">
-            <a:schemeClr val="accent1"/>
-          </a:lnRef>
-          <a:fillRef idx="0">
-            <a:schemeClr val="accent1"/>
-          </a:fillRef>
-          <a:effectRef idx="0">
-            <a:schemeClr val="accent1"/>
-          </a:effectRef>
-          <a:fontRef idx="minor">
-            <a:schemeClr val="tx1"/>
-          </a:fontRef>
-        </p:style>
-      </p:cxnSp>
-      <p:sp>
-        <p:nvSpPr>
-          <p:cNvPr id="40" name="사각형: 둥근 모서리 39">
-            <a:extLst>
-              <a:ext uri="{FF2B5EF4-FFF2-40B4-BE49-F238E27FC236}">
-                <a16:creationId xmlns:a16="http://schemas.microsoft.com/office/drawing/2014/main" id="{FFDE7921-ABD4-06E5-B0CD-B22D9424F882}"/>
-              </a:ext>
-            </a:extLst>
-          </p:cNvPr>
-          <p:cNvSpPr/>
-          <p:nvPr/>
-        </p:nvSpPr>
-        <p:spPr>
-          <a:xfrm>
-            <a:off x="2665697" y="4992481"/>
-            <a:ext cx="1302135" cy="523695"/>
-          </a:xfrm>
-          <a:prstGeom prst="roundRect">
-            <a:avLst/>
-          </a:prstGeom>
-          <a:noFill/>
-          <a:ln>
-            <a:solidFill>
-              <a:schemeClr val="tx1"/>
-            </a:solidFill>
-          </a:ln>
-        </p:spPr>
-        <p:style>
-          <a:lnRef idx="2">
-            <a:schemeClr val="accent1">
-              <a:shade val="50000"/>
-            </a:schemeClr>
-          </a:lnRef>
-          <a:fillRef idx="1">
-            <a:schemeClr val="accent1"/>
-          </a:fillRef>
-          <a:effectRef idx="0">
-            <a:schemeClr val="accent1"/>
-          </a:effectRef>
-          <a:fontRef idx="minor">
-            <a:schemeClr val="lt1"/>
-          </a:fontRef>
-        </p:style>
-        <p:txBody>
-          <a:bodyPr rtlCol="0" anchor="ctr"/>
-          <a:lstStyle/>
-          <a:p>
-            <a:pPr algn="ctr"/>
-            <a:r>
-              <a:rPr lang="ko-KR" altLang="en-US" sz="1200" dirty="0">
-                <a:solidFill>
-                  <a:schemeClr val="tx1"/>
-                </a:solidFill>
-              </a:rPr>
-              <a:t>세탁기</a:t>
-            </a:r>
-            <a:endParaRPr lang="en-US" altLang="ko-KR" sz="1200" dirty="0">
-              <a:solidFill>
-                <a:schemeClr val="tx1"/>
-              </a:solidFill>
-            </a:endParaRPr>
-          </a:p>
-          <a:p>
-            <a:pPr algn="ctr"/>
-            <a:r>
-              <a:rPr lang="ko-KR" altLang="en-US" sz="1200" dirty="0">
-                <a:solidFill>
-                  <a:schemeClr val="tx1"/>
-                </a:solidFill>
-              </a:rPr>
-              <a:t>빨래 환기</a:t>
-            </a:r>
-            <a:endParaRPr lang="en-US" altLang="ko-KR" sz="1200" dirty="0">
-              <a:solidFill>
-                <a:schemeClr val="tx1"/>
-              </a:solidFill>
-            </a:endParaRPr>
-          </a:p>
-        </p:txBody>
-      </p:sp>
-      <p:sp>
-        <p:nvSpPr>
-          <p:cNvPr id="51" name="사각형: 둥근 모서리 50">
-            <a:extLst>
-              <a:ext uri="{FF2B5EF4-FFF2-40B4-BE49-F238E27FC236}">
-                <a16:creationId xmlns:a16="http://schemas.microsoft.com/office/drawing/2014/main" id="{E2852BEE-0E02-302F-3F71-C84D4FAC0435}"/>
-              </a:ext>
-            </a:extLst>
-          </p:cNvPr>
-          <p:cNvSpPr/>
-          <p:nvPr/>
-        </p:nvSpPr>
-        <p:spPr>
-          <a:xfrm>
-            <a:off x="7361914" y="3610548"/>
-            <a:ext cx="2140651" cy="1114571"/>
-          </a:xfrm>
-          <a:prstGeom prst="roundRect">
-            <a:avLst/>
-          </a:prstGeom>
-          <a:noFill/>
-          <a:ln>
-            <a:solidFill>
-              <a:schemeClr val="tx1"/>
-            </a:solidFill>
-          </a:ln>
-        </p:spPr>
-        <p:style>
-          <a:lnRef idx="2">
-            <a:schemeClr val="accent1">
-              <a:shade val="50000"/>
-            </a:schemeClr>
-          </a:lnRef>
-          <a:fillRef idx="1">
-            <a:schemeClr val="accent1"/>
-          </a:fillRef>
-          <a:effectRef idx="0">
-            <a:schemeClr val="accent1"/>
-          </a:effectRef>
-          <a:fontRef idx="minor">
-            <a:schemeClr val="lt1"/>
-          </a:fontRef>
-        </p:style>
-        <p:txBody>
-          <a:bodyPr rtlCol="0" anchor="ctr"/>
-          <a:lstStyle/>
-          <a:p>
-            <a:pPr algn="ctr"/>
-            <a:r>
-              <a:rPr lang="ko-KR" altLang="en-US" sz="1200" dirty="0">
-                <a:solidFill>
-                  <a:schemeClr val="tx1"/>
-                </a:solidFill>
-              </a:rPr>
-              <a:t>세탁기일 경우</a:t>
-            </a:r>
-            <a:endParaRPr lang="en-US" altLang="ko-KR" sz="1200" dirty="0">
-              <a:solidFill>
-                <a:schemeClr val="tx1"/>
-              </a:solidFill>
-            </a:endParaRPr>
-          </a:p>
-          <a:p>
-            <a:pPr algn="ctr"/>
-            <a:r>
-              <a:rPr lang="ko-KR" altLang="en-US" sz="1200" dirty="0">
-                <a:solidFill>
-                  <a:schemeClr val="tx1"/>
-                </a:solidFill>
-              </a:rPr>
-              <a:t>세탁기는 사용을 시작하는</a:t>
-            </a:r>
-            <a:endParaRPr lang="en-US" altLang="ko-KR" sz="1200" dirty="0">
-              <a:solidFill>
-                <a:schemeClr val="tx1"/>
-              </a:solidFill>
-            </a:endParaRPr>
-          </a:p>
-          <a:p>
-            <a:pPr algn="ctr"/>
-            <a:r>
-              <a:rPr lang="ko-KR" altLang="en-US" sz="1200" dirty="0">
-                <a:solidFill>
-                  <a:schemeClr val="tx1"/>
-                </a:solidFill>
-              </a:rPr>
-              <a:t>시간만 추출하고</a:t>
-            </a:r>
-            <a:endParaRPr lang="en-US" altLang="ko-KR" sz="1200" dirty="0">
-              <a:solidFill>
-                <a:schemeClr val="tx1"/>
-              </a:solidFill>
-            </a:endParaRPr>
-          </a:p>
-          <a:p>
-            <a:pPr algn="ctr"/>
-            <a:r>
-              <a:rPr lang="ko-KR" altLang="en-US" sz="1200" dirty="0">
-                <a:solidFill>
-                  <a:schemeClr val="tx1"/>
-                </a:solidFill>
-              </a:rPr>
-              <a:t>모두 더하고 나누어 평균을</a:t>
-            </a:r>
-            <a:endParaRPr lang="en-US" altLang="ko-KR" sz="1200" dirty="0">
-              <a:solidFill>
-                <a:schemeClr val="tx1"/>
-              </a:solidFill>
-            </a:endParaRPr>
-          </a:p>
-          <a:p>
-            <a:pPr algn="ctr"/>
-            <a:r>
-              <a:rPr lang="ko-KR" altLang="en-US" sz="1200" dirty="0">
-                <a:solidFill>
-                  <a:schemeClr val="tx1"/>
-                </a:solidFill>
-              </a:rPr>
-              <a:t>구함</a:t>
-            </a:r>
-            <a:endParaRPr lang="en-US" altLang="ko-KR" sz="1200" dirty="0">
-              <a:solidFill>
-                <a:schemeClr val="tx1"/>
-              </a:solidFill>
-            </a:endParaRPr>
-          </a:p>
-        </p:txBody>
-      </p:sp>
-      <p:cxnSp>
-        <p:nvCxnSpPr>
-          <p:cNvPr id="52" name="직선 화살표 연결선 51">
-            <a:extLst>
-              <a:ext uri="{FF2B5EF4-FFF2-40B4-BE49-F238E27FC236}">
-                <a16:creationId xmlns:a16="http://schemas.microsoft.com/office/drawing/2014/main" id="{ED3FFDB0-069D-3B85-813A-751BAF3DE9D4}"/>
-              </a:ext>
-            </a:extLst>
-          </p:cNvPr>
-          <p:cNvCxnSpPr>
-            <a:cxnSpLocks/>
-            <a:stCxn id="181" idx="2"/>
-            <a:endCxn id="51" idx="0"/>
-          </p:cNvCxnSpPr>
-          <p:nvPr/>
-        </p:nvCxnSpPr>
-        <p:spPr>
-          <a:xfrm>
-            <a:off x="6998150" y="3334886"/>
-            <a:ext cx="1434090" cy="275662"/>
-          </a:xfrm>
-          <a:prstGeom prst="straightConnector1">
-            <a:avLst/>
-          </a:prstGeom>
-          <a:ln>
-            <a:tailEnd type="triangle"/>
-          </a:ln>
-        </p:spPr>
-        <p:style>
-          <a:lnRef idx="1">
-            <a:schemeClr val="accent1"/>
-          </a:lnRef>
-          <a:fillRef idx="0">
-            <a:schemeClr val="accent1"/>
-          </a:fillRef>
-          <a:effectRef idx="0">
-            <a:schemeClr val="accent1"/>
-          </a:effectRef>
-          <a:fontRef idx="minor">
-            <a:schemeClr val="tx1"/>
-          </a:fontRef>
-        </p:style>
-      </p:cxnSp>
     </p:spTree>
     <p:extLst>
       <p:ext uri="{BB962C8B-B14F-4D97-AF65-F5344CB8AC3E}">
-        <p14:creationId xmlns:p14="http://schemas.microsoft.com/office/powerpoint/2010/main" val="2890751033"/>
+        <p14:creationId xmlns:p14="http://schemas.microsoft.com/office/powerpoint/2010/main" val="2542981387"/>
       </p:ext>
     </p:extLst>
   </p:cSld>
